--- a/Kodular 기초.pptx
+++ b/Kodular 기초.pptx
@@ -5,7 +5,7 @@
     <p:sldMasterId id="2147483648" r:id="rId1"/>
   </p:sldMasterIdLst>
   <p:notesMasterIdLst>
-    <p:notesMasterId r:id="rId29"/>
+    <p:notesMasterId r:id="rId50"/>
   </p:notesMasterIdLst>
   <p:sldIdLst>
     <p:sldId id="256" r:id="rId2"/>
@@ -34,7 +34,28 @@
     <p:sldId id="335" r:id="rId25"/>
     <p:sldId id="336" r:id="rId26"/>
     <p:sldId id="337" r:id="rId27"/>
-    <p:sldId id="273" r:id="rId28"/>
+    <p:sldId id="338" r:id="rId28"/>
+    <p:sldId id="339" r:id="rId29"/>
+    <p:sldId id="340" r:id="rId30"/>
+    <p:sldId id="341" r:id="rId31"/>
+    <p:sldId id="345" r:id="rId32"/>
+    <p:sldId id="342" r:id="rId33"/>
+    <p:sldId id="343" r:id="rId34"/>
+    <p:sldId id="344" r:id="rId35"/>
+    <p:sldId id="346" r:id="rId36"/>
+    <p:sldId id="347" r:id="rId37"/>
+    <p:sldId id="348" r:id="rId38"/>
+    <p:sldId id="349" r:id="rId39"/>
+    <p:sldId id="350" r:id="rId40"/>
+    <p:sldId id="351" r:id="rId41"/>
+    <p:sldId id="352" r:id="rId42"/>
+    <p:sldId id="353" r:id="rId43"/>
+    <p:sldId id="354" r:id="rId44"/>
+    <p:sldId id="355" r:id="rId45"/>
+    <p:sldId id="356" r:id="rId46"/>
+    <p:sldId id="357" r:id="rId47"/>
+    <p:sldId id="358" r:id="rId48"/>
+    <p:sldId id="273" r:id="rId49"/>
   </p:sldIdLst>
   <p:sldSz cx="12192000" cy="6858000"/>
   <p:notesSz cx="6858000" cy="9144000"/>
@@ -254,7 +275,7 @@
           <a:p>
             <a:fld id="{1FBAD2FC-F7F4-3543-8206-C9FEC32AF048}" type="datetimeFigureOut">
               <a:rPr kumimoji="1" lang="ko-KR" altLang="en-US" smtClean="0"/>
-              <a:t>2019-04-01</a:t>
+              <a:t>2019-04-02</a:t>
             </a:fld>
             <a:endParaRPr kumimoji="1" lang="ko-KR" altLang="en-US"/>
           </a:p>
@@ -2117,6 +2138,258 @@
 </p:notes>
 </file>
 
+<file path=ppt/notesSlides/notesSlide27.xml><?xml version="1.0" encoding="utf-8"?>
+<p:notes xmlns:a="http://schemas.openxmlformats.org/drawingml/2006/main" xmlns:r="http://schemas.openxmlformats.org/officeDocument/2006/relationships" xmlns:p="http://schemas.openxmlformats.org/presentationml/2006/main">
+  <p:cSld>
+    <p:spTree>
+      <p:nvGrpSpPr>
+        <p:cNvPr id="1" name=""/>
+        <p:cNvGrpSpPr/>
+        <p:nvPr/>
+      </p:nvGrpSpPr>
+      <p:grpSpPr>
+        <a:xfrm>
+          <a:off x="0" y="0"/>
+          <a:ext cx="0" cy="0"/>
+          <a:chOff x="0" y="0"/>
+          <a:chExt cx="0" cy="0"/>
+        </a:xfrm>
+      </p:grpSpPr>
+      <p:sp>
+        <p:nvSpPr>
+          <p:cNvPr id="2" name="슬라이드 이미지 개체 틀 1"/>
+          <p:cNvSpPr>
+            <a:spLocks noGrp="1" noRot="1" noChangeAspect="1"/>
+          </p:cNvSpPr>
+          <p:nvPr>
+            <p:ph type="sldImg"/>
+          </p:nvPr>
+        </p:nvSpPr>
+        <p:spPr/>
+      </p:sp>
+      <p:sp>
+        <p:nvSpPr>
+          <p:cNvPr id="3" name="슬라이드 노트 개체 틀 2"/>
+          <p:cNvSpPr>
+            <a:spLocks noGrp="1"/>
+          </p:cNvSpPr>
+          <p:nvPr>
+            <p:ph type="body" idx="1"/>
+          </p:nvPr>
+        </p:nvSpPr>
+        <p:spPr/>
+        <p:txBody>
+          <a:bodyPr/>
+          <a:lstStyle/>
+          <a:p>
+            <a:endParaRPr kumimoji="1" lang="ko-KR" altLang="en-US" dirty="0"/>
+          </a:p>
+        </p:txBody>
+      </p:sp>
+      <p:sp>
+        <p:nvSpPr>
+          <p:cNvPr id="4" name="슬라이드 번호 개체 틀 3"/>
+          <p:cNvSpPr>
+            <a:spLocks noGrp="1"/>
+          </p:cNvSpPr>
+          <p:nvPr>
+            <p:ph type="sldNum" sz="quarter" idx="10"/>
+          </p:nvPr>
+        </p:nvSpPr>
+        <p:spPr/>
+        <p:txBody>
+          <a:bodyPr/>
+          <a:lstStyle/>
+          <a:p>
+            <a:fld id="{5057EB2F-C82E-4E4F-83F0-A5F4853ACDE3}" type="slidenum">
+              <a:rPr kumimoji="1" lang="ko-KR" altLang="en-US" smtClean="0"/>
+              <a:t>27</a:t>
+            </a:fld>
+            <a:endParaRPr kumimoji="1" lang="ko-KR" altLang="en-US"/>
+          </a:p>
+        </p:txBody>
+      </p:sp>
+    </p:spTree>
+    <p:extLst>
+      <p:ext uri="{BB962C8B-B14F-4D97-AF65-F5344CB8AC3E}">
+        <p14:creationId xmlns:p14="http://schemas.microsoft.com/office/powerpoint/2010/main" val="2006232308"/>
+      </p:ext>
+    </p:extLst>
+  </p:cSld>
+  <p:clrMapOvr>
+    <a:masterClrMapping/>
+  </p:clrMapOvr>
+</p:notes>
+</file>
+
+<file path=ppt/notesSlides/notesSlide28.xml><?xml version="1.0" encoding="utf-8"?>
+<p:notes xmlns:a="http://schemas.openxmlformats.org/drawingml/2006/main" xmlns:r="http://schemas.openxmlformats.org/officeDocument/2006/relationships" xmlns:p="http://schemas.openxmlformats.org/presentationml/2006/main">
+  <p:cSld>
+    <p:spTree>
+      <p:nvGrpSpPr>
+        <p:cNvPr id="1" name=""/>
+        <p:cNvGrpSpPr/>
+        <p:nvPr/>
+      </p:nvGrpSpPr>
+      <p:grpSpPr>
+        <a:xfrm>
+          <a:off x="0" y="0"/>
+          <a:ext cx="0" cy="0"/>
+          <a:chOff x="0" y="0"/>
+          <a:chExt cx="0" cy="0"/>
+        </a:xfrm>
+      </p:grpSpPr>
+      <p:sp>
+        <p:nvSpPr>
+          <p:cNvPr id="2" name="슬라이드 이미지 개체 틀 1"/>
+          <p:cNvSpPr>
+            <a:spLocks noGrp="1" noRot="1" noChangeAspect="1"/>
+          </p:cNvSpPr>
+          <p:nvPr>
+            <p:ph type="sldImg"/>
+          </p:nvPr>
+        </p:nvSpPr>
+        <p:spPr/>
+      </p:sp>
+      <p:sp>
+        <p:nvSpPr>
+          <p:cNvPr id="3" name="슬라이드 노트 개체 틀 2"/>
+          <p:cNvSpPr>
+            <a:spLocks noGrp="1"/>
+          </p:cNvSpPr>
+          <p:nvPr>
+            <p:ph type="body" idx="1"/>
+          </p:nvPr>
+        </p:nvSpPr>
+        <p:spPr/>
+        <p:txBody>
+          <a:bodyPr/>
+          <a:lstStyle/>
+          <a:p>
+            <a:endParaRPr lang="ko-KR" altLang="en-US" dirty="0"/>
+          </a:p>
+        </p:txBody>
+      </p:sp>
+      <p:sp>
+        <p:nvSpPr>
+          <p:cNvPr id="4" name="슬라이드 번호 개체 틀 3"/>
+          <p:cNvSpPr>
+            <a:spLocks noGrp="1"/>
+          </p:cNvSpPr>
+          <p:nvPr>
+            <p:ph type="sldNum" sz="quarter" idx="5"/>
+          </p:nvPr>
+        </p:nvSpPr>
+        <p:spPr/>
+        <p:txBody>
+          <a:bodyPr/>
+          <a:lstStyle/>
+          <a:p>
+            <a:fld id="{5057EB2F-C82E-4E4F-83F0-A5F4853ACDE3}" type="slidenum">
+              <a:rPr kumimoji="1" lang="ko-KR" altLang="en-US" smtClean="0"/>
+              <a:t>28</a:t>
+            </a:fld>
+            <a:endParaRPr kumimoji="1" lang="ko-KR" altLang="en-US"/>
+          </a:p>
+        </p:txBody>
+      </p:sp>
+    </p:spTree>
+    <p:extLst>
+      <p:ext uri="{BB962C8B-B14F-4D97-AF65-F5344CB8AC3E}">
+        <p14:creationId xmlns:p14="http://schemas.microsoft.com/office/powerpoint/2010/main" val="2782999546"/>
+      </p:ext>
+    </p:extLst>
+  </p:cSld>
+  <p:clrMapOvr>
+    <a:masterClrMapping/>
+  </p:clrMapOvr>
+</p:notes>
+</file>
+
+<file path=ppt/notesSlides/notesSlide29.xml><?xml version="1.0" encoding="utf-8"?>
+<p:notes xmlns:a="http://schemas.openxmlformats.org/drawingml/2006/main" xmlns:r="http://schemas.openxmlformats.org/officeDocument/2006/relationships" xmlns:p="http://schemas.openxmlformats.org/presentationml/2006/main">
+  <p:cSld>
+    <p:spTree>
+      <p:nvGrpSpPr>
+        <p:cNvPr id="1" name=""/>
+        <p:cNvGrpSpPr/>
+        <p:nvPr/>
+      </p:nvGrpSpPr>
+      <p:grpSpPr>
+        <a:xfrm>
+          <a:off x="0" y="0"/>
+          <a:ext cx="0" cy="0"/>
+          <a:chOff x="0" y="0"/>
+          <a:chExt cx="0" cy="0"/>
+        </a:xfrm>
+      </p:grpSpPr>
+      <p:sp>
+        <p:nvSpPr>
+          <p:cNvPr id="2" name="슬라이드 이미지 개체 틀 1"/>
+          <p:cNvSpPr>
+            <a:spLocks noGrp="1" noRot="1" noChangeAspect="1"/>
+          </p:cNvSpPr>
+          <p:nvPr>
+            <p:ph type="sldImg"/>
+          </p:nvPr>
+        </p:nvSpPr>
+        <p:spPr/>
+      </p:sp>
+      <p:sp>
+        <p:nvSpPr>
+          <p:cNvPr id="3" name="슬라이드 노트 개체 틀 2"/>
+          <p:cNvSpPr>
+            <a:spLocks noGrp="1"/>
+          </p:cNvSpPr>
+          <p:nvPr>
+            <p:ph type="body" idx="1"/>
+          </p:nvPr>
+        </p:nvSpPr>
+        <p:spPr/>
+        <p:txBody>
+          <a:bodyPr/>
+          <a:lstStyle/>
+          <a:p>
+            <a:endParaRPr lang="ko-KR" altLang="en-US" dirty="0"/>
+          </a:p>
+        </p:txBody>
+      </p:sp>
+      <p:sp>
+        <p:nvSpPr>
+          <p:cNvPr id="4" name="슬라이드 번호 개체 틀 3"/>
+          <p:cNvSpPr>
+            <a:spLocks noGrp="1"/>
+          </p:cNvSpPr>
+          <p:nvPr>
+            <p:ph type="sldNum" sz="quarter" idx="5"/>
+          </p:nvPr>
+        </p:nvSpPr>
+        <p:spPr/>
+        <p:txBody>
+          <a:bodyPr/>
+          <a:lstStyle/>
+          <a:p>
+            <a:fld id="{5057EB2F-C82E-4E4F-83F0-A5F4853ACDE3}" type="slidenum">
+              <a:rPr kumimoji="1" lang="ko-KR" altLang="en-US" smtClean="0"/>
+              <a:t>29</a:t>
+            </a:fld>
+            <a:endParaRPr kumimoji="1" lang="ko-KR" altLang="en-US"/>
+          </a:p>
+        </p:txBody>
+      </p:sp>
+    </p:spTree>
+    <p:extLst>
+      <p:ext uri="{BB962C8B-B14F-4D97-AF65-F5344CB8AC3E}">
+        <p14:creationId xmlns:p14="http://schemas.microsoft.com/office/powerpoint/2010/main" val="2097072230"/>
+      </p:ext>
+    </p:extLst>
+  </p:cSld>
+  <p:clrMapOvr>
+    <a:masterClrMapping/>
+  </p:clrMapOvr>
+</p:notes>
+</file>
+
 <file path=ppt/notesSlides/notesSlide3.xml><?xml version="1.0" encoding="utf-8"?>
 <p:notes xmlns:a="http://schemas.openxmlformats.org/drawingml/2006/main" xmlns:r="http://schemas.openxmlformats.org/officeDocument/2006/relationships" xmlns:p="http://schemas.openxmlformats.org/presentationml/2006/main">
   <p:cSld>
@@ -2192,6 +2465,846 @@
     <p:extLst>
       <p:ext uri="{BB962C8B-B14F-4D97-AF65-F5344CB8AC3E}">
         <p14:creationId xmlns:p14="http://schemas.microsoft.com/office/powerpoint/2010/main" val="1868887971"/>
+      </p:ext>
+    </p:extLst>
+  </p:cSld>
+  <p:clrMapOvr>
+    <a:masterClrMapping/>
+  </p:clrMapOvr>
+</p:notes>
+</file>
+
+<file path=ppt/notesSlides/notesSlide30.xml><?xml version="1.0" encoding="utf-8"?>
+<p:notes xmlns:a="http://schemas.openxmlformats.org/drawingml/2006/main" xmlns:r="http://schemas.openxmlformats.org/officeDocument/2006/relationships" xmlns:p="http://schemas.openxmlformats.org/presentationml/2006/main">
+  <p:cSld>
+    <p:spTree>
+      <p:nvGrpSpPr>
+        <p:cNvPr id="1" name=""/>
+        <p:cNvGrpSpPr/>
+        <p:nvPr/>
+      </p:nvGrpSpPr>
+      <p:grpSpPr>
+        <a:xfrm>
+          <a:off x="0" y="0"/>
+          <a:ext cx="0" cy="0"/>
+          <a:chOff x="0" y="0"/>
+          <a:chExt cx="0" cy="0"/>
+        </a:xfrm>
+      </p:grpSpPr>
+      <p:sp>
+        <p:nvSpPr>
+          <p:cNvPr id="2" name="슬라이드 이미지 개체 틀 1"/>
+          <p:cNvSpPr>
+            <a:spLocks noGrp="1" noRot="1" noChangeAspect="1"/>
+          </p:cNvSpPr>
+          <p:nvPr>
+            <p:ph type="sldImg"/>
+          </p:nvPr>
+        </p:nvSpPr>
+        <p:spPr/>
+      </p:sp>
+      <p:sp>
+        <p:nvSpPr>
+          <p:cNvPr id="3" name="슬라이드 노트 개체 틀 2"/>
+          <p:cNvSpPr>
+            <a:spLocks noGrp="1"/>
+          </p:cNvSpPr>
+          <p:nvPr>
+            <p:ph type="body" idx="1"/>
+          </p:nvPr>
+        </p:nvSpPr>
+        <p:spPr/>
+        <p:txBody>
+          <a:bodyPr/>
+          <a:lstStyle/>
+          <a:p>
+            <a:endParaRPr lang="ko-KR" altLang="en-US" dirty="0"/>
+          </a:p>
+        </p:txBody>
+      </p:sp>
+      <p:sp>
+        <p:nvSpPr>
+          <p:cNvPr id="4" name="슬라이드 번호 개체 틀 3"/>
+          <p:cNvSpPr>
+            <a:spLocks noGrp="1"/>
+          </p:cNvSpPr>
+          <p:nvPr>
+            <p:ph type="sldNum" sz="quarter" idx="5"/>
+          </p:nvPr>
+        </p:nvSpPr>
+        <p:spPr/>
+        <p:txBody>
+          <a:bodyPr/>
+          <a:lstStyle/>
+          <a:p>
+            <a:fld id="{5057EB2F-C82E-4E4F-83F0-A5F4853ACDE3}" type="slidenum">
+              <a:rPr kumimoji="1" lang="ko-KR" altLang="en-US" smtClean="0"/>
+              <a:t>30</a:t>
+            </a:fld>
+            <a:endParaRPr kumimoji="1" lang="ko-KR" altLang="en-US"/>
+          </a:p>
+        </p:txBody>
+      </p:sp>
+    </p:spTree>
+    <p:extLst>
+      <p:ext uri="{BB962C8B-B14F-4D97-AF65-F5344CB8AC3E}">
+        <p14:creationId xmlns:p14="http://schemas.microsoft.com/office/powerpoint/2010/main" val="1742789952"/>
+      </p:ext>
+    </p:extLst>
+  </p:cSld>
+  <p:clrMapOvr>
+    <a:masterClrMapping/>
+  </p:clrMapOvr>
+</p:notes>
+</file>
+
+<file path=ppt/notesSlides/notesSlide31.xml><?xml version="1.0" encoding="utf-8"?>
+<p:notes xmlns:a="http://schemas.openxmlformats.org/drawingml/2006/main" xmlns:r="http://schemas.openxmlformats.org/officeDocument/2006/relationships" xmlns:p="http://schemas.openxmlformats.org/presentationml/2006/main">
+  <p:cSld>
+    <p:spTree>
+      <p:nvGrpSpPr>
+        <p:cNvPr id="1" name=""/>
+        <p:cNvGrpSpPr/>
+        <p:nvPr/>
+      </p:nvGrpSpPr>
+      <p:grpSpPr>
+        <a:xfrm>
+          <a:off x="0" y="0"/>
+          <a:ext cx="0" cy="0"/>
+          <a:chOff x="0" y="0"/>
+          <a:chExt cx="0" cy="0"/>
+        </a:xfrm>
+      </p:grpSpPr>
+      <p:sp>
+        <p:nvSpPr>
+          <p:cNvPr id="2" name="슬라이드 이미지 개체 틀 1"/>
+          <p:cNvSpPr>
+            <a:spLocks noGrp="1" noRot="1" noChangeAspect="1"/>
+          </p:cNvSpPr>
+          <p:nvPr>
+            <p:ph type="sldImg"/>
+          </p:nvPr>
+        </p:nvSpPr>
+        <p:spPr/>
+      </p:sp>
+      <p:sp>
+        <p:nvSpPr>
+          <p:cNvPr id="3" name="슬라이드 노트 개체 틀 2"/>
+          <p:cNvSpPr>
+            <a:spLocks noGrp="1"/>
+          </p:cNvSpPr>
+          <p:nvPr>
+            <p:ph type="body" idx="1"/>
+          </p:nvPr>
+        </p:nvSpPr>
+        <p:spPr/>
+        <p:txBody>
+          <a:bodyPr/>
+          <a:lstStyle/>
+          <a:p>
+            <a:endParaRPr kumimoji="1" lang="ko-KR" altLang="en-US" dirty="0"/>
+          </a:p>
+        </p:txBody>
+      </p:sp>
+      <p:sp>
+        <p:nvSpPr>
+          <p:cNvPr id="4" name="슬라이드 번호 개체 틀 3"/>
+          <p:cNvSpPr>
+            <a:spLocks noGrp="1"/>
+          </p:cNvSpPr>
+          <p:nvPr>
+            <p:ph type="sldNum" sz="quarter" idx="10"/>
+          </p:nvPr>
+        </p:nvSpPr>
+        <p:spPr/>
+        <p:txBody>
+          <a:bodyPr/>
+          <a:lstStyle/>
+          <a:p>
+            <a:fld id="{5057EB2F-C82E-4E4F-83F0-A5F4853ACDE3}" type="slidenum">
+              <a:rPr kumimoji="1" lang="ko-KR" altLang="en-US" smtClean="0"/>
+              <a:t>31</a:t>
+            </a:fld>
+            <a:endParaRPr kumimoji="1" lang="ko-KR" altLang="en-US"/>
+          </a:p>
+        </p:txBody>
+      </p:sp>
+    </p:spTree>
+    <p:extLst>
+      <p:ext uri="{BB962C8B-B14F-4D97-AF65-F5344CB8AC3E}">
+        <p14:creationId xmlns:p14="http://schemas.microsoft.com/office/powerpoint/2010/main" val="69708823"/>
+      </p:ext>
+    </p:extLst>
+  </p:cSld>
+  <p:clrMapOvr>
+    <a:masterClrMapping/>
+  </p:clrMapOvr>
+</p:notes>
+</file>
+
+<file path=ppt/notesSlides/notesSlide32.xml><?xml version="1.0" encoding="utf-8"?>
+<p:notes xmlns:a="http://schemas.openxmlformats.org/drawingml/2006/main" xmlns:r="http://schemas.openxmlformats.org/officeDocument/2006/relationships" xmlns:p="http://schemas.openxmlformats.org/presentationml/2006/main">
+  <p:cSld>
+    <p:spTree>
+      <p:nvGrpSpPr>
+        <p:cNvPr id="1" name=""/>
+        <p:cNvGrpSpPr/>
+        <p:nvPr/>
+      </p:nvGrpSpPr>
+      <p:grpSpPr>
+        <a:xfrm>
+          <a:off x="0" y="0"/>
+          <a:ext cx="0" cy="0"/>
+          <a:chOff x="0" y="0"/>
+          <a:chExt cx="0" cy="0"/>
+        </a:xfrm>
+      </p:grpSpPr>
+      <p:sp>
+        <p:nvSpPr>
+          <p:cNvPr id="2" name="슬라이드 이미지 개체 틀 1"/>
+          <p:cNvSpPr>
+            <a:spLocks noGrp="1" noRot="1" noChangeAspect="1"/>
+          </p:cNvSpPr>
+          <p:nvPr>
+            <p:ph type="sldImg"/>
+          </p:nvPr>
+        </p:nvSpPr>
+        <p:spPr/>
+      </p:sp>
+      <p:sp>
+        <p:nvSpPr>
+          <p:cNvPr id="3" name="슬라이드 노트 개체 틀 2"/>
+          <p:cNvSpPr>
+            <a:spLocks noGrp="1"/>
+          </p:cNvSpPr>
+          <p:nvPr>
+            <p:ph type="body" idx="1"/>
+          </p:nvPr>
+        </p:nvSpPr>
+        <p:spPr/>
+        <p:txBody>
+          <a:bodyPr/>
+          <a:lstStyle/>
+          <a:p>
+            <a:endParaRPr lang="ko-KR" altLang="en-US" dirty="0"/>
+          </a:p>
+        </p:txBody>
+      </p:sp>
+      <p:sp>
+        <p:nvSpPr>
+          <p:cNvPr id="4" name="슬라이드 번호 개체 틀 3"/>
+          <p:cNvSpPr>
+            <a:spLocks noGrp="1"/>
+          </p:cNvSpPr>
+          <p:nvPr>
+            <p:ph type="sldNum" sz="quarter" idx="5"/>
+          </p:nvPr>
+        </p:nvSpPr>
+        <p:spPr/>
+        <p:txBody>
+          <a:bodyPr/>
+          <a:lstStyle/>
+          <a:p>
+            <a:fld id="{5057EB2F-C82E-4E4F-83F0-A5F4853ACDE3}" type="slidenum">
+              <a:rPr kumimoji="1" lang="ko-KR" altLang="en-US" smtClean="0"/>
+              <a:t>32</a:t>
+            </a:fld>
+            <a:endParaRPr kumimoji="1" lang="ko-KR" altLang="en-US"/>
+          </a:p>
+        </p:txBody>
+      </p:sp>
+    </p:spTree>
+    <p:extLst>
+      <p:ext uri="{BB962C8B-B14F-4D97-AF65-F5344CB8AC3E}">
+        <p14:creationId xmlns:p14="http://schemas.microsoft.com/office/powerpoint/2010/main" val="4116607844"/>
+      </p:ext>
+    </p:extLst>
+  </p:cSld>
+  <p:clrMapOvr>
+    <a:masterClrMapping/>
+  </p:clrMapOvr>
+</p:notes>
+</file>
+
+<file path=ppt/notesSlides/notesSlide33.xml><?xml version="1.0" encoding="utf-8"?>
+<p:notes xmlns:a="http://schemas.openxmlformats.org/drawingml/2006/main" xmlns:r="http://schemas.openxmlformats.org/officeDocument/2006/relationships" xmlns:p="http://schemas.openxmlformats.org/presentationml/2006/main">
+  <p:cSld>
+    <p:spTree>
+      <p:nvGrpSpPr>
+        <p:cNvPr id="1" name=""/>
+        <p:cNvGrpSpPr/>
+        <p:nvPr/>
+      </p:nvGrpSpPr>
+      <p:grpSpPr>
+        <a:xfrm>
+          <a:off x="0" y="0"/>
+          <a:ext cx="0" cy="0"/>
+          <a:chOff x="0" y="0"/>
+          <a:chExt cx="0" cy="0"/>
+        </a:xfrm>
+      </p:grpSpPr>
+      <p:sp>
+        <p:nvSpPr>
+          <p:cNvPr id="2" name="슬라이드 이미지 개체 틀 1"/>
+          <p:cNvSpPr>
+            <a:spLocks noGrp="1" noRot="1" noChangeAspect="1"/>
+          </p:cNvSpPr>
+          <p:nvPr>
+            <p:ph type="sldImg"/>
+          </p:nvPr>
+        </p:nvSpPr>
+        <p:spPr/>
+      </p:sp>
+      <p:sp>
+        <p:nvSpPr>
+          <p:cNvPr id="3" name="슬라이드 노트 개체 틀 2"/>
+          <p:cNvSpPr>
+            <a:spLocks noGrp="1"/>
+          </p:cNvSpPr>
+          <p:nvPr>
+            <p:ph type="body" idx="1"/>
+          </p:nvPr>
+        </p:nvSpPr>
+        <p:spPr/>
+        <p:txBody>
+          <a:bodyPr/>
+          <a:lstStyle/>
+          <a:p>
+            <a:endParaRPr lang="ko-KR" altLang="en-US" dirty="0"/>
+          </a:p>
+        </p:txBody>
+      </p:sp>
+      <p:sp>
+        <p:nvSpPr>
+          <p:cNvPr id="4" name="슬라이드 번호 개체 틀 3"/>
+          <p:cNvSpPr>
+            <a:spLocks noGrp="1"/>
+          </p:cNvSpPr>
+          <p:nvPr>
+            <p:ph type="sldNum" sz="quarter" idx="5"/>
+          </p:nvPr>
+        </p:nvSpPr>
+        <p:spPr/>
+        <p:txBody>
+          <a:bodyPr/>
+          <a:lstStyle/>
+          <a:p>
+            <a:fld id="{5057EB2F-C82E-4E4F-83F0-A5F4853ACDE3}" type="slidenum">
+              <a:rPr kumimoji="1" lang="ko-KR" altLang="en-US" smtClean="0"/>
+              <a:t>33</a:t>
+            </a:fld>
+            <a:endParaRPr kumimoji="1" lang="ko-KR" altLang="en-US"/>
+          </a:p>
+        </p:txBody>
+      </p:sp>
+    </p:spTree>
+    <p:extLst>
+      <p:ext uri="{BB962C8B-B14F-4D97-AF65-F5344CB8AC3E}">
+        <p14:creationId xmlns:p14="http://schemas.microsoft.com/office/powerpoint/2010/main" val="1126018883"/>
+      </p:ext>
+    </p:extLst>
+  </p:cSld>
+  <p:clrMapOvr>
+    <a:masterClrMapping/>
+  </p:clrMapOvr>
+</p:notes>
+</file>
+
+<file path=ppt/notesSlides/notesSlide34.xml><?xml version="1.0" encoding="utf-8"?>
+<p:notes xmlns:a="http://schemas.openxmlformats.org/drawingml/2006/main" xmlns:r="http://schemas.openxmlformats.org/officeDocument/2006/relationships" xmlns:p="http://schemas.openxmlformats.org/presentationml/2006/main">
+  <p:cSld>
+    <p:spTree>
+      <p:nvGrpSpPr>
+        <p:cNvPr id="1" name=""/>
+        <p:cNvGrpSpPr/>
+        <p:nvPr/>
+      </p:nvGrpSpPr>
+      <p:grpSpPr>
+        <a:xfrm>
+          <a:off x="0" y="0"/>
+          <a:ext cx="0" cy="0"/>
+          <a:chOff x="0" y="0"/>
+          <a:chExt cx="0" cy="0"/>
+        </a:xfrm>
+      </p:grpSpPr>
+      <p:sp>
+        <p:nvSpPr>
+          <p:cNvPr id="2" name="슬라이드 이미지 개체 틀 1"/>
+          <p:cNvSpPr>
+            <a:spLocks noGrp="1" noRot="1" noChangeAspect="1"/>
+          </p:cNvSpPr>
+          <p:nvPr>
+            <p:ph type="sldImg"/>
+          </p:nvPr>
+        </p:nvSpPr>
+        <p:spPr/>
+      </p:sp>
+      <p:sp>
+        <p:nvSpPr>
+          <p:cNvPr id="3" name="슬라이드 노트 개체 틀 2"/>
+          <p:cNvSpPr>
+            <a:spLocks noGrp="1"/>
+          </p:cNvSpPr>
+          <p:nvPr>
+            <p:ph type="body" idx="1"/>
+          </p:nvPr>
+        </p:nvSpPr>
+        <p:spPr/>
+        <p:txBody>
+          <a:bodyPr/>
+          <a:lstStyle/>
+          <a:p>
+            <a:endParaRPr lang="ko-KR" altLang="en-US" dirty="0"/>
+          </a:p>
+        </p:txBody>
+      </p:sp>
+      <p:sp>
+        <p:nvSpPr>
+          <p:cNvPr id="4" name="슬라이드 번호 개체 틀 3"/>
+          <p:cNvSpPr>
+            <a:spLocks noGrp="1"/>
+          </p:cNvSpPr>
+          <p:nvPr>
+            <p:ph type="sldNum" sz="quarter" idx="5"/>
+          </p:nvPr>
+        </p:nvSpPr>
+        <p:spPr/>
+        <p:txBody>
+          <a:bodyPr/>
+          <a:lstStyle/>
+          <a:p>
+            <a:fld id="{5057EB2F-C82E-4E4F-83F0-A5F4853ACDE3}" type="slidenum">
+              <a:rPr kumimoji="1" lang="ko-KR" altLang="en-US" smtClean="0"/>
+              <a:t>34</a:t>
+            </a:fld>
+            <a:endParaRPr kumimoji="1" lang="ko-KR" altLang="en-US"/>
+          </a:p>
+        </p:txBody>
+      </p:sp>
+    </p:spTree>
+    <p:extLst>
+      <p:ext uri="{BB962C8B-B14F-4D97-AF65-F5344CB8AC3E}">
+        <p14:creationId xmlns:p14="http://schemas.microsoft.com/office/powerpoint/2010/main" val="1864612042"/>
+      </p:ext>
+    </p:extLst>
+  </p:cSld>
+  <p:clrMapOvr>
+    <a:masterClrMapping/>
+  </p:clrMapOvr>
+</p:notes>
+</file>
+
+<file path=ppt/notesSlides/notesSlide35.xml><?xml version="1.0" encoding="utf-8"?>
+<p:notes xmlns:a="http://schemas.openxmlformats.org/drawingml/2006/main" xmlns:r="http://schemas.openxmlformats.org/officeDocument/2006/relationships" xmlns:p="http://schemas.openxmlformats.org/presentationml/2006/main">
+  <p:cSld>
+    <p:spTree>
+      <p:nvGrpSpPr>
+        <p:cNvPr id="1" name=""/>
+        <p:cNvGrpSpPr/>
+        <p:nvPr/>
+      </p:nvGrpSpPr>
+      <p:grpSpPr>
+        <a:xfrm>
+          <a:off x="0" y="0"/>
+          <a:ext cx="0" cy="0"/>
+          <a:chOff x="0" y="0"/>
+          <a:chExt cx="0" cy="0"/>
+        </a:xfrm>
+      </p:grpSpPr>
+      <p:sp>
+        <p:nvSpPr>
+          <p:cNvPr id="2" name="슬라이드 이미지 개체 틀 1"/>
+          <p:cNvSpPr>
+            <a:spLocks noGrp="1" noRot="1" noChangeAspect="1"/>
+          </p:cNvSpPr>
+          <p:nvPr>
+            <p:ph type="sldImg"/>
+          </p:nvPr>
+        </p:nvSpPr>
+        <p:spPr/>
+      </p:sp>
+      <p:sp>
+        <p:nvSpPr>
+          <p:cNvPr id="3" name="슬라이드 노트 개체 틀 2"/>
+          <p:cNvSpPr>
+            <a:spLocks noGrp="1"/>
+          </p:cNvSpPr>
+          <p:nvPr>
+            <p:ph type="body" idx="1"/>
+          </p:nvPr>
+        </p:nvSpPr>
+        <p:spPr/>
+        <p:txBody>
+          <a:bodyPr/>
+          <a:lstStyle/>
+          <a:p>
+            <a:endParaRPr lang="ko-KR" altLang="en-US" dirty="0"/>
+          </a:p>
+        </p:txBody>
+      </p:sp>
+      <p:sp>
+        <p:nvSpPr>
+          <p:cNvPr id="4" name="슬라이드 번호 개체 틀 3"/>
+          <p:cNvSpPr>
+            <a:spLocks noGrp="1"/>
+          </p:cNvSpPr>
+          <p:nvPr>
+            <p:ph type="sldNum" sz="quarter" idx="5"/>
+          </p:nvPr>
+        </p:nvSpPr>
+        <p:spPr/>
+        <p:txBody>
+          <a:bodyPr/>
+          <a:lstStyle/>
+          <a:p>
+            <a:fld id="{5057EB2F-C82E-4E4F-83F0-A5F4853ACDE3}" type="slidenum">
+              <a:rPr kumimoji="1" lang="ko-KR" altLang="en-US" smtClean="0"/>
+              <a:t>35</a:t>
+            </a:fld>
+            <a:endParaRPr kumimoji="1" lang="ko-KR" altLang="en-US"/>
+          </a:p>
+        </p:txBody>
+      </p:sp>
+    </p:spTree>
+    <p:extLst>
+      <p:ext uri="{BB962C8B-B14F-4D97-AF65-F5344CB8AC3E}">
+        <p14:creationId xmlns:p14="http://schemas.microsoft.com/office/powerpoint/2010/main" val="1874554817"/>
+      </p:ext>
+    </p:extLst>
+  </p:cSld>
+  <p:clrMapOvr>
+    <a:masterClrMapping/>
+  </p:clrMapOvr>
+</p:notes>
+</file>
+
+<file path=ppt/notesSlides/notesSlide36.xml><?xml version="1.0" encoding="utf-8"?>
+<p:notes xmlns:a="http://schemas.openxmlformats.org/drawingml/2006/main" xmlns:r="http://schemas.openxmlformats.org/officeDocument/2006/relationships" xmlns:p="http://schemas.openxmlformats.org/presentationml/2006/main">
+  <p:cSld>
+    <p:spTree>
+      <p:nvGrpSpPr>
+        <p:cNvPr id="1" name=""/>
+        <p:cNvGrpSpPr/>
+        <p:nvPr/>
+      </p:nvGrpSpPr>
+      <p:grpSpPr>
+        <a:xfrm>
+          <a:off x="0" y="0"/>
+          <a:ext cx="0" cy="0"/>
+          <a:chOff x="0" y="0"/>
+          <a:chExt cx="0" cy="0"/>
+        </a:xfrm>
+      </p:grpSpPr>
+      <p:sp>
+        <p:nvSpPr>
+          <p:cNvPr id="2" name="슬라이드 이미지 개체 틀 1"/>
+          <p:cNvSpPr>
+            <a:spLocks noGrp="1" noRot="1" noChangeAspect="1"/>
+          </p:cNvSpPr>
+          <p:nvPr>
+            <p:ph type="sldImg"/>
+          </p:nvPr>
+        </p:nvSpPr>
+        <p:spPr/>
+      </p:sp>
+      <p:sp>
+        <p:nvSpPr>
+          <p:cNvPr id="3" name="슬라이드 노트 개체 틀 2"/>
+          <p:cNvSpPr>
+            <a:spLocks noGrp="1"/>
+          </p:cNvSpPr>
+          <p:nvPr>
+            <p:ph type="body" idx="1"/>
+          </p:nvPr>
+        </p:nvSpPr>
+        <p:spPr/>
+        <p:txBody>
+          <a:bodyPr/>
+          <a:lstStyle/>
+          <a:p>
+            <a:endParaRPr kumimoji="1" lang="ko-KR" altLang="en-US" dirty="0"/>
+          </a:p>
+        </p:txBody>
+      </p:sp>
+      <p:sp>
+        <p:nvSpPr>
+          <p:cNvPr id="4" name="슬라이드 번호 개체 틀 3"/>
+          <p:cNvSpPr>
+            <a:spLocks noGrp="1"/>
+          </p:cNvSpPr>
+          <p:nvPr>
+            <p:ph type="sldNum" sz="quarter" idx="10"/>
+          </p:nvPr>
+        </p:nvSpPr>
+        <p:spPr/>
+        <p:txBody>
+          <a:bodyPr/>
+          <a:lstStyle/>
+          <a:p>
+            <a:fld id="{5057EB2F-C82E-4E4F-83F0-A5F4853ACDE3}" type="slidenum">
+              <a:rPr kumimoji="1" lang="ko-KR" altLang="en-US" smtClean="0"/>
+              <a:t>36</a:t>
+            </a:fld>
+            <a:endParaRPr kumimoji="1" lang="ko-KR" altLang="en-US"/>
+          </a:p>
+        </p:txBody>
+      </p:sp>
+    </p:spTree>
+    <p:extLst>
+      <p:ext uri="{BB962C8B-B14F-4D97-AF65-F5344CB8AC3E}">
+        <p14:creationId xmlns:p14="http://schemas.microsoft.com/office/powerpoint/2010/main" val="2292267463"/>
+      </p:ext>
+    </p:extLst>
+  </p:cSld>
+  <p:clrMapOvr>
+    <a:masterClrMapping/>
+  </p:clrMapOvr>
+</p:notes>
+</file>
+
+<file path=ppt/notesSlides/notesSlide37.xml><?xml version="1.0" encoding="utf-8"?>
+<p:notes xmlns:a="http://schemas.openxmlformats.org/drawingml/2006/main" xmlns:r="http://schemas.openxmlformats.org/officeDocument/2006/relationships" xmlns:p="http://schemas.openxmlformats.org/presentationml/2006/main">
+  <p:cSld>
+    <p:spTree>
+      <p:nvGrpSpPr>
+        <p:cNvPr id="1" name=""/>
+        <p:cNvGrpSpPr/>
+        <p:nvPr/>
+      </p:nvGrpSpPr>
+      <p:grpSpPr>
+        <a:xfrm>
+          <a:off x="0" y="0"/>
+          <a:ext cx="0" cy="0"/>
+          <a:chOff x="0" y="0"/>
+          <a:chExt cx="0" cy="0"/>
+        </a:xfrm>
+      </p:grpSpPr>
+      <p:sp>
+        <p:nvSpPr>
+          <p:cNvPr id="2" name="슬라이드 이미지 개체 틀 1"/>
+          <p:cNvSpPr>
+            <a:spLocks noGrp="1" noRot="1" noChangeAspect="1"/>
+          </p:cNvSpPr>
+          <p:nvPr>
+            <p:ph type="sldImg"/>
+          </p:nvPr>
+        </p:nvSpPr>
+        <p:spPr/>
+      </p:sp>
+      <p:sp>
+        <p:nvSpPr>
+          <p:cNvPr id="3" name="슬라이드 노트 개체 틀 2"/>
+          <p:cNvSpPr>
+            <a:spLocks noGrp="1"/>
+          </p:cNvSpPr>
+          <p:nvPr>
+            <p:ph type="body" idx="1"/>
+          </p:nvPr>
+        </p:nvSpPr>
+        <p:spPr/>
+        <p:txBody>
+          <a:bodyPr/>
+          <a:lstStyle/>
+          <a:p>
+            <a:endParaRPr lang="ko-KR" altLang="en-US" dirty="0"/>
+          </a:p>
+        </p:txBody>
+      </p:sp>
+      <p:sp>
+        <p:nvSpPr>
+          <p:cNvPr id="4" name="슬라이드 번호 개체 틀 3"/>
+          <p:cNvSpPr>
+            <a:spLocks noGrp="1"/>
+          </p:cNvSpPr>
+          <p:nvPr>
+            <p:ph type="sldNum" sz="quarter" idx="5"/>
+          </p:nvPr>
+        </p:nvSpPr>
+        <p:spPr/>
+        <p:txBody>
+          <a:bodyPr/>
+          <a:lstStyle/>
+          <a:p>
+            <a:fld id="{5057EB2F-C82E-4E4F-83F0-A5F4853ACDE3}" type="slidenum">
+              <a:rPr kumimoji="1" lang="ko-KR" altLang="en-US" smtClean="0"/>
+              <a:t>37</a:t>
+            </a:fld>
+            <a:endParaRPr kumimoji="1" lang="ko-KR" altLang="en-US"/>
+          </a:p>
+        </p:txBody>
+      </p:sp>
+    </p:spTree>
+    <p:extLst>
+      <p:ext uri="{BB962C8B-B14F-4D97-AF65-F5344CB8AC3E}">
+        <p14:creationId xmlns:p14="http://schemas.microsoft.com/office/powerpoint/2010/main" val="4061543692"/>
+      </p:ext>
+    </p:extLst>
+  </p:cSld>
+  <p:clrMapOvr>
+    <a:masterClrMapping/>
+  </p:clrMapOvr>
+</p:notes>
+</file>
+
+<file path=ppt/notesSlides/notesSlide38.xml><?xml version="1.0" encoding="utf-8"?>
+<p:notes xmlns:a="http://schemas.openxmlformats.org/drawingml/2006/main" xmlns:r="http://schemas.openxmlformats.org/officeDocument/2006/relationships" xmlns:p="http://schemas.openxmlformats.org/presentationml/2006/main">
+  <p:cSld>
+    <p:spTree>
+      <p:nvGrpSpPr>
+        <p:cNvPr id="1" name=""/>
+        <p:cNvGrpSpPr/>
+        <p:nvPr/>
+      </p:nvGrpSpPr>
+      <p:grpSpPr>
+        <a:xfrm>
+          <a:off x="0" y="0"/>
+          <a:ext cx="0" cy="0"/>
+          <a:chOff x="0" y="0"/>
+          <a:chExt cx="0" cy="0"/>
+        </a:xfrm>
+      </p:grpSpPr>
+      <p:sp>
+        <p:nvSpPr>
+          <p:cNvPr id="2" name="슬라이드 이미지 개체 틀 1"/>
+          <p:cNvSpPr>
+            <a:spLocks noGrp="1" noRot="1" noChangeAspect="1"/>
+          </p:cNvSpPr>
+          <p:nvPr>
+            <p:ph type="sldImg"/>
+          </p:nvPr>
+        </p:nvSpPr>
+        <p:spPr/>
+      </p:sp>
+      <p:sp>
+        <p:nvSpPr>
+          <p:cNvPr id="3" name="슬라이드 노트 개체 틀 2"/>
+          <p:cNvSpPr>
+            <a:spLocks noGrp="1"/>
+          </p:cNvSpPr>
+          <p:nvPr>
+            <p:ph type="body" idx="1"/>
+          </p:nvPr>
+        </p:nvSpPr>
+        <p:spPr/>
+        <p:txBody>
+          <a:bodyPr/>
+          <a:lstStyle/>
+          <a:p>
+            <a:endParaRPr lang="ko-KR" altLang="en-US" dirty="0"/>
+          </a:p>
+        </p:txBody>
+      </p:sp>
+      <p:sp>
+        <p:nvSpPr>
+          <p:cNvPr id="4" name="슬라이드 번호 개체 틀 3"/>
+          <p:cNvSpPr>
+            <a:spLocks noGrp="1"/>
+          </p:cNvSpPr>
+          <p:nvPr>
+            <p:ph type="sldNum" sz="quarter" idx="5"/>
+          </p:nvPr>
+        </p:nvSpPr>
+        <p:spPr/>
+        <p:txBody>
+          <a:bodyPr/>
+          <a:lstStyle/>
+          <a:p>
+            <a:fld id="{5057EB2F-C82E-4E4F-83F0-A5F4853ACDE3}" type="slidenum">
+              <a:rPr kumimoji="1" lang="ko-KR" altLang="en-US" smtClean="0"/>
+              <a:t>38</a:t>
+            </a:fld>
+            <a:endParaRPr kumimoji="1" lang="ko-KR" altLang="en-US"/>
+          </a:p>
+        </p:txBody>
+      </p:sp>
+    </p:spTree>
+    <p:extLst>
+      <p:ext uri="{BB962C8B-B14F-4D97-AF65-F5344CB8AC3E}">
+        <p14:creationId xmlns:p14="http://schemas.microsoft.com/office/powerpoint/2010/main" val="1487286963"/>
+      </p:ext>
+    </p:extLst>
+  </p:cSld>
+  <p:clrMapOvr>
+    <a:masterClrMapping/>
+  </p:clrMapOvr>
+</p:notes>
+</file>
+
+<file path=ppt/notesSlides/notesSlide39.xml><?xml version="1.0" encoding="utf-8"?>
+<p:notes xmlns:a="http://schemas.openxmlformats.org/drawingml/2006/main" xmlns:r="http://schemas.openxmlformats.org/officeDocument/2006/relationships" xmlns:p="http://schemas.openxmlformats.org/presentationml/2006/main">
+  <p:cSld>
+    <p:spTree>
+      <p:nvGrpSpPr>
+        <p:cNvPr id="1" name=""/>
+        <p:cNvGrpSpPr/>
+        <p:nvPr/>
+      </p:nvGrpSpPr>
+      <p:grpSpPr>
+        <a:xfrm>
+          <a:off x="0" y="0"/>
+          <a:ext cx="0" cy="0"/>
+          <a:chOff x="0" y="0"/>
+          <a:chExt cx="0" cy="0"/>
+        </a:xfrm>
+      </p:grpSpPr>
+      <p:sp>
+        <p:nvSpPr>
+          <p:cNvPr id="2" name="슬라이드 이미지 개체 틀 1"/>
+          <p:cNvSpPr>
+            <a:spLocks noGrp="1" noRot="1" noChangeAspect="1"/>
+          </p:cNvSpPr>
+          <p:nvPr>
+            <p:ph type="sldImg"/>
+          </p:nvPr>
+        </p:nvSpPr>
+        <p:spPr/>
+      </p:sp>
+      <p:sp>
+        <p:nvSpPr>
+          <p:cNvPr id="3" name="슬라이드 노트 개체 틀 2"/>
+          <p:cNvSpPr>
+            <a:spLocks noGrp="1"/>
+          </p:cNvSpPr>
+          <p:nvPr>
+            <p:ph type="body" idx="1"/>
+          </p:nvPr>
+        </p:nvSpPr>
+        <p:spPr/>
+        <p:txBody>
+          <a:bodyPr/>
+          <a:lstStyle/>
+          <a:p>
+            <a:endParaRPr kumimoji="1" lang="ko-KR" altLang="en-US" dirty="0"/>
+          </a:p>
+        </p:txBody>
+      </p:sp>
+      <p:sp>
+        <p:nvSpPr>
+          <p:cNvPr id="4" name="슬라이드 번호 개체 틀 3"/>
+          <p:cNvSpPr>
+            <a:spLocks noGrp="1"/>
+          </p:cNvSpPr>
+          <p:nvPr>
+            <p:ph type="sldNum" sz="quarter" idx="10"/>
+          </p:nvPr>
+        </p:nvSpPr>
+        <p:spPr/>
+        <p:txBody>
+          <a:bodyPr/>
+          <a:lstStyle/>
+          <a:p>
+            <a:fld id="{5057EB2F-C82E-4E4F-83F0-A5F4853ACDE3}" type="slidenum">
+              <a:rPr kumimoji="1" lang="ko-KR" altLang="en-US" smtClean="0"/>
+              <a:t>39</a:t>
+            </a:fld>
+            <a:endParaRPr kumimoji="1" lang="ko-KR" altLang="en-US"/>
+          </a:p>
+        </p:txBody>
+      </p:sp>
+    </p:spTree>
+    <p:extLst>
+      <p:ext uri="{BB962C8B-B14F-4D97-AF65-F5344CB8AC3E}">
+        <p14:creationId xmlns:p14="http://schemas.microsoft.com/office/powerpoint/2010/main" val="1640498382"/>
       </p:ext>
     </p:extLst>
   </p:cSld>
@@ -2276,6 +3389,678 @@
     <p:extLst>
       <p:ext uri="{BB962C8B-B14F-4D97-AF65-F5344CB8AC3E}">
         <p14:creationId xmlns:p14="http://schemas.microsoft.com/office/powerpoint/2010/main" val="162985304"/>
+      </p:ext>
+    </p:extLst>
+  </p:cSld>
+  <p:clrMapOvr>
+    <a:masterClrMapping/>
+  </p:clrMapOvr>
+</p:notes>
+</file>
+
+<file path=ppt/notesSlides/notesSlide40.xml><?xml version="1.0" encoding="utf-8"?>
+<p:notes xmlns:a="http://schemas.openxmlformats.org/drawingml/2006/main" xmlns:r="http://schemas.openxmlformats.org/officeDocument/2006/relationships" xmlns:p="http://schemas.openxmlformats.org/presentationml/2006/main">
+  <p:cSld>
+    <p:spTree>
+      <p:nvGrpSpPr>
+        <p:cNvPr id="1" name=""/>
+        <p:cNvGrpSpPr/>
+        <p:nvPr/>
+      </p:nvGrpSpPr>
+      <p:grpSpPr>
+        <a:xfrm>
+          <a:off x="0" y="0"/>
+          <a:ext cx="0" cy="0"/>
+          <a:chOff x="0" y="0"/>
+          <a:chExt cx="0" cy="0"/>
+        </a:xfrm>
+      </p:grpSpPr>
+      <p:sp>
+        <p:nvSpPr>
+          <p:cNvPr id="2" name="슬라이드 이미지 개체 틀 1"/>
+          <p:cNvSpPr>
+            <a:spLocks noGrp="1" noRot="1" noChangeAspect="1"/>
+          </p:cNvSpPr>
+          <p:nvPr>
+            <p:ph type="sldImg"/>
+          </p:nvPr>
+        </p:nvSpPr>
+        <p:spPr/>
+      </p:sp>
+      <p:sp>
+        <p:nvSpPr>
+          <p:cNvPr id="3" name="슬라이드 노트 개체 틀 2"/>
+          <p:cNvSpPr>
+            <a:spLocks noGrp="1"/>
+          </p:cNvSpPr>
+          <p:nvPr>
+            <p:ph type="body" idx="1"/>
+          </p:nvPr>
+        </p:nvSpPr>
+        <p:spPr/>
+        <p:txBody>
+          <a:bodyPr/>
+          <a:lstStyle/>
+          <a:p>
+            <a:endParaRPr lang="ko-KR" altLang="en-US" dirty="0"/>
+          </a:p>
+        </p:txBody>
+      </p:sp>
+      <p:sp>
+        <p:nvSpPr>
+          <p:cNvPr id="4" name="슬라이드 번호 개체 틀 3"/>
+          <p:cNvSpPr>
+            <a:spLocks noGrp="1"/>
+          </p:cNvSpPr>
+          <p:nvPr>
+            <p:ph type="sldNum" sz="quarter" idx="5"/>
+          </p:nvPr>
+        </p:nvSpPr>
+        <p:spPr/>
+        <p:txBody>
+          <a:bodyPr/>
+          <a:lstStyle/>
+          <a:p>
+            <a:fld id="{5057EB2F-C82E-4E4F-83F0-A5F4853ACDE3}" type="slidenum">
+              <a:rPr kumimoji="1" lang="ko-KR" altLang="en-US" smtClean="0"/>
+              <a:t>40</a:t>
+            </a:fld>
+            <a:endParaRPr kumimoji="1" lang="ko-KR" altLang="en-US"/>
+          </a:p>
+        </p:txBody>
+      </p:sp>
+    </p:spTree>
+    <p:extLst>
+      <p:ext uri="{BB962C8B-B14F-4D97-AF65-F5344CB8AC3E}">
+        <p14:creationId xmlns:p14="http://schemas.microsoft.com/office/powerpoint/2010/main" val="3730849417"/>
+      </p:ext>
+    </p:extLst>
+  </p:cSld>
+  <p:clrMapOvr>
+    <a:masterClrMapping/>
+  </p:clrMapOvr>
+</p:notes>
+</file>
+
+<file path=ppt/notesSlides/notesSlide41.xml><?xml version="1.0" encoding="utf-8"?>
+<p:notes xmlns:a="http://schemas.openxmlformats.org/drawingml/2006/main" xmlns:r="http://schemas.openxmlformats.org/officeDocument/2006/relationships" xmlns:p="http://schemas.openxmlformats.org/presentationml/2006/main">
+  <p:cSld>
+    <p:spTree>
+      <p:nvGrpSpPr>
+        <p:cNvPr id="1" name=""/>
+        <p:cNvGrpSpPr/>
+        <p:nvPr/>
+      </p:nvGrpSpPr>
+      <p:grpSpPr>
+        <a:xfrm>
+          <a:off x="0" y="0"/>
+          <a:ext cx="0" cy="0"/>
+          <a:chOff x="0" y="0"/>
+          <a:chExt cx="0" cy="0"/>
+        </a:xfrm>
+      </p:grpSpPr>
+      <p:sp>
+        <p:nvSpPr>
+          <p:cNvPr id="2" name="슬라이드 이미지 개체 틀 1"/>
+          <p:cNvSpPr>
+            <a:spLocks noGrp="1" noRot="1" noChangeAspect="1"/>
+          </p:cNvSpPr>
+          <p:nvPr>
+            <p:ph type="sldImg"/>
+          </p:nvPr>
+        </p:nvSpPr>
+        <p:spPr/>
+      </p:sp>
+      <p:sp>
+        <p:nvSpPr>
+          <p:cNvPr id="3" name="슬라이드 노트 개체 틀 2"/>
+          <p:cNvSpPr>
+            <a:spLocks noGrp="1"/>
+          </p:cNvSpPr>
+          <p:nvPr>
+            <p:ph type="body" idx="1"/>
+          </p:nvPr>
+        </p:nvSpPr>
+        <p:spPr/>
+        <p:txBody>
+          <a:bodyPr/>
+          <a:lstStyle/>
+          <a:p>
+            <a:endParaRPr lang="ko-KR" altLang="en-US" dirty="0"/>
+          </a:p>
+        </p:txBody>
+      </p:sp>
+      <p:sp>
+        <p:nvSpPr>
+          <p:cNvPr id="4" name="슬라이드 번호 개체 틀 3"/>
+          <p:cNvSpPr>
+            <a:spLocks noGrp="1"/>
+          </p:cNvSpPr>
+          <p:nvPr>
+            <p:ph type="sldNum" sz="quarter" idx="5"/>
+          </p:nvPr>
+        </p:nvSpPr>
+        <p:spPr/>
+        <p:txBody>
+          <a:bodyPr/>
+          <a:lstStyle/>
+          <a:p>
+            <a:fld id="{5057EB2F-C82E-4E4F-83F0-A5F4853ACDE3}" type="slidenum">
+              <a:rPr kumimoji="1" lang="ko-KR" altLang="en-US" smtClean="0"/>
+              <a:t>41</a:t>
+            </a:fld>
+            <a:endParaRPr kumimoji="1" lang="ko-KR" altLang="en-US"/>
+          </a:p>
+        </p:txBody>
+      </p:sp>
+    </p:spTree>
+    <p:extLst>
+      <p:ext uri="{BB962C8B-B14F-4D97-AF65-F5344CB8AC3E}">
+        <p14:creationId xmlns:p14="http://schemas.microsoft.com/office/powerpoint/2010/main" val="233248304"/>
+      </p:ext>
+    </p:extLst>
+  </p:cSld>
+  <p:clrMapOvr>
+    <a:masterClrMapping/>
+  </p:clrMapOvr>
+</p:notes>
+</file>
+
+<file path=ppt/notesSlides/notesSlide42.xml><?xml version="1.0" encoding="utf-8"?>
+<p:notes xmlns:a="http://schemas.openxmlformats.org/drawingml/2006/main" xmlns:r="http://schemas.openxmlformats.org/officeDocument/2006/relationships" xmlns:p="http://schemas.openxmlformats.org/presentationml/2006/main">
+  <p:cSld>
+    <p:spTree>
+      <p:nvGrpSpPr>
+        <p:cNvPr id="1" name=""/>
+        <p:cNvGrpSpPr/>
+        <p:nvPr/>
+      </p:nvGrpSpPr>
+      <p:grpSpPr>
+        <a:xfrm>
+          <a:off x="0" y="0"/>
+          <a:ext cx="0" cy="0"/>
+          <a:chOff x="0" y="0"/>
+          <a:chExt cx="0" cy="0"/>
+        </a:xfrm>
+      </p:grpSpPr>
+      <p:sp>
+        <p:nvSpPr>
+          <p:cNvPr id="2" name="슬라이드 이미지 개체 틀 1"/>
+          <p:cNvSpPr>
+            <a:spLocks noGrp="1" noRot="1" noChangeAspect="1"/>
+          </p:cNvSpPr>
+          <p:nvPr>
+            <p:ph type="sldImg"/>
+          </p:nvPr>
+        </p:nvSpPr>
+        <p:spPr/>
+      </p:sp>
+      <p:sp>
+        <p:nvSpPr>
+          <p:cNvPr id="3" name="슬라이드 노트 개체 틀 2"/>
+          <p:cNvSpPr>
+            <a:spLocks noGrp="1"/>
+          </p:cNvSpPr>
+          <p:nvPr>
+            <p:ph type="body" idx="1"/>
+          </p:nvPr>
+        </p:nvSpPr>
+        <p:spPr/>
+        <p:txBody>
+          <a:bodyPr/>
+          <a:lstStyle/>
+          <a:p>
+            <a:endParaRPr kumimoji="1" lang="ko-KR" altLang="en-US" dirty="0"/>
+          </a:p>
+        </p:txBody>
+      </p:sp>
+      <p:sp>
+        <p:nvSpPr>
+          <p:cNvPr id="4" name="슬라이드 번호 개체 틀 3"/>
+          <p:cNvSpPr>
+            <a:spLocks noGrp="1"/>
+          </p:cNvSpPr>
+          <p:nvPr>
+            <p:ph type="sldNum" sz="quarter" idx="10"/>
+          </p:nvPr>
+        </p:nvSpPr>
+        <p:spPr/>
+        <p:txBody>
+          <a:bodyPr/>
+          <a:lstStyle/>
+          <a:p>
+            <a:fld id="{5057EB2F-C82E-4E4F-83F0-A5F4853ACDE3}" type="slidenum">
+              <a:rPr kumimoji="1" lang="ko-KR" altLang="en-US" smtClean="0"/>
+              <a:t>42</a:t>
+            </a:fld>
+            <a:endParaRPr kumimoji="1" lang="ko-KR" altLang="en-US"/>
+          </a:p>
+        </p:txBody>
+      </p:sp>
+    </p:spTree>
+    <p:extLst>
+      <p:ext uri="{BB962C8B-B14F-4D97-AF65-F5344CB8AC3E}">
+        <p14:creationId xmlns:p14="http://schemas.microsoft.com/office/powerpoint/2010/main" val="3006097984"/>
+      </p:ext>
+    </p:extLst>
+  </p:cSld>
+  <p:clrMapOvr>
+    <a:masterClrMapping/>
+  </p:clrMapOvr>
+</p:notes>
+</file>
+
+<file path=ppt/notesSlides/notesSlide43.xml><?xml version="1.0" encoding="utf-8"?>
+<p:notes xmlns:a="http://schemas.openxmlformats.org/drawingml/2006/main" xmlns:r="http://schemas.openxmlformats.org/officeDocument/2006/relationships" xmlns:p="http://schemas.openxmlformats.org/presentationml/2006/main">
+  <p:cSld>
+    <p:spTree>
+      <p:nvGrpSpPr>
+        <p:cNvPr id="1" name=""/>
+        <p:cNvGrpSpPr/>
+        <p:nvPr/>
+      </p:nvGrpSpPr>
+      <p:grpSpPr>
+        <a:xfrm>
+          <a:off x="0" y="0"/>
+          <a:ext cx="0" cy="0"/>
+          <a:chOff x="0" y="0"/>
+          <a:chExt cx="0" cy="0"/>
+        </a:xfrm>
+      </p:grpSpPr>
+      <p:sp>
+        <p:nvSpPr>
+          <p:cNvPr id="2" name="슬라이드 이미지 개체 틀 1"/>
+          <p:cNvSpPr>
+            <a:spLocks noGrp="1" noRot="1" noChangeAspect="1"/>
+          </p:cNvSpPr>
+          <p:nvPr>
+            <p:ph type="sldImg"/>
+          </p:nvPr>
+        </p:nvSpPr>
+        <p:spPr/>
+      </p:sp>
+      <p:sp>
+        <p:nvSpPr>
+          <p:cNvPr id="3" name="슬라이드 노트 개체 틀 2"/>
+          <p:cNvSpPr>
+            <a:spLocks noGrp="1"/>
+          </p:cNvSpPr>
+          <p:nvPr>
+            <p:ph type="body" idx="1"/>
+          </p:nvPr>
+        </p:nvSpPr>
+        <p:spPr/>
+        <p:txBody>
+          <a:bodyPr/>
+          <a:lstStyle/>
+          <a:p>
+            <a:endParaRPr lang="ko-KR" altLang="en-US" dirty="0"/>
+          </a:p>
+        </p:txBody>
+      </p:sp>
+      <p:sp>
+        <p:nvSpPr>
+          <p:cNvPr id="4" name="슬라이드 번호 개체 틀 3"/>
+          <p:cNvSpPr>
+            <a:spLocks noGrp="1"/>
+          </p:cNvSpPr>
+          <p:nvPr>
+            <p:ph type="sldNum" sz="quarter" idx="5"/>
+          </p:nvPr>
+        </p:nvSpPr>
+        <p:spPr/>
+        <p:txBody>
+          <a:bodyPr/>
+          <a:lstStyle/>
+          <a:p>
+            <a:fld id="{5057EB2F-C82E-4E4F-83F0-A5F4853ACDE3}" type="slidenum">
+              <a:rPr kumimoji="1" lang="ko-KR" altLang="en-US" smtClean="0"/>
+              <a:t>43</a:t>
+            </a:fld>
+            <a:endParaRPr kumimoji="1" lang="ko-KR" altLang="en-US"/>
+          </a:p>
+        </p:txBody>
+      </p:sp>
+    </p:spTree>
+    <p:extLst>
+      <p:ext uri="{BB962C8B-B14F-4D97-AF65-F5344CB8AC3E}">
+        <p14:creationId xmlns:p14="http://schemas.microsoft.com/office/powerpoint/2010/main" val="3579803396"/>
+      </p:ext>
+    </p:extLst>
+  </p:cSld>
+  <p:clrMapOvr>
+    <a:masterClrMapping/>
+  </p:clrMapOvr>
+</p:notes>
+</file>
+
+<file path=ppt/notesSlides/notesSlide44.xml><?xml version="1.0" encoding="utf-8"?>
+<p:notes xmlns:a="http://schemas.openxmlformats.org/drawingml/2006/main" xmlns:r="http://schemas.openxmlformats.org/officeDocument/2006/relationships" xmlns:p="http://schemas.openxmlformats.org/presentationml/2006/main">
+  <p:cSld>
+    <p:spTree>
+      <p:nvGrpSpPr>
+        <p:cNvPr id="1" name=""/>
+        <p:cNvGrpSpPr/>
+        <p:nvPr/>
+      </p:nvGrpSpPr>
+      <p:grpSpPr>
+        <a:xfrm>
+          <a:off x="0" y="0"/>
+          <a:ext cx="0" cy="0"/>
+          <a:chOff x="0" y="0"/>
+          <a:chExt cx="0" cy="0"/>
+        </a:xfrm>
+      </p:grpSpPr>
+      <p:sp>
+        <p:nvSpPr>
+          <p:cNvPr id="2" name="슬라이드 이미지 개체 틀 1"/>
+          <p:cNvSpPr>
+            <a:spLocks noGrp="1" noRot="1" noChangeAspect="1"/>
+          </p:cNvSpPr>
+          <p:nvPr>
+            <p:ph type="sldImg"/>
+          </p:nvPr>
+        </p:nvSpPr>
+        <p:spPr/>
+      </p:sp>
+      <p:sp>
+        <p:nvSpPr>
+          <p:cNvPr id="3" name="슬라이드 노트 개체 틀 2"/>
+          <p:cNvSpPr>
+            <a:spLocks noGrp="1"/>
+          </p:cNvSpPr>
+          <p:nvPr>
+            <p:ph type="body" idx="1"/>
+          </p:nvPr>
+        </p:nvSpPr>
+        <p:spPr/>
+        <p:txBody>
+          <a:bodyPr/>
+          <a:lstStyle/>
+          <a:p>
+            <a:endParaRPr lang="ko-KR" altLang="en-US" dirty="0"/>
+          </a:p>
+        </p:txBody>
+      </p:sp>
+      <p:sp>
+        <p:nvSpPr>
+          <p:cNvPr id="4" name="슬라이드 번호 개체 틀 3"/>
+          <p:cNvSpPr>
+            <a:spLocks noGrp="1"/>
+          </p:cNvSpPr>
+          <p:nvPr>
+            <p:ph type="sldNum" sz="quarter" idx="5"/>
+          </p:nvPr>
+        </p:nvSpPr>
+        <p:spPr/>
+        <p:txBody>
+          <a:bodyPr/>
+          <a:lstStyle/>
+          <a:p>
+            <a:fld id="{5057EB2F-C82E-4E4F-83F0-A5F4853ACDE3}" type="slidenum">
+              <a:rPr kumimoji="1" lang="ko-KR" altLang="en-US" smtClean="0"/>
+              <a:t>44</a:t>
+            </a:fld>
+            <a:endParaRPr kumimoji="1" lang="ko-KR" altLang="en-US"/>
+          </a:p>
+        </p:txBody>
+      </p:sp>
+    </p:spTree>
+    <p:extLst>
+      <p:ext uri="{BB962C8B-B14F-4D97-AF65-F5344CB8AC3E}">
+        <p14:creationId xmlns:p14="http://schemas.microsoft.com/office/powerpoint/2010/main" val="3045986056"/>
+      </p:ext>
+    </p:extLst>
+  </p:cSld>
+  <p:clrMapOvr>
+    <a:masterClrMapping/>
+  </p:clrMapOvr>
+</p:notes>
+</file>
+
+<file path=ppt/notesSlides/notesSlide45.xml><?xml version="1.0" encoding="utf-8"?>
+<p:notes xmlns:a="http://schemas.openxmlformats.org/drawingml/2006/main" xmlns:r="http://schemas.openxmlformats.org/officeDocument/2006/relationships" xmlns:p="http://schemas.openxmlformats.org/presentationml/2006/main">
+  <p:cSld>
+    <p:spTree>
+      <p:nvGrpSpPr>
+        <p:cNvPr id="1" name=""/>
+        <p:cNvGrpSpPr/>
+        <p:nvPr/>
+      </p:nvGrpSpPr>
+      <p:grpSpPr>
+        <a:xfrm>
+          <a:off x="0" y="0"/>
+          <a:ext cx="0" cy="0"/>
+          <a:chOff x="0" y="0"/>
+          <a:chExt cx="0" cy="0"/>
+        </a:xfrm>
+      </p:grpSpPr>
+      <p:sp>
+        <p:nvSpPr>
+          <p:cNvPr id="2" name="슬라이드 이미지 개체 틀 1"/>
+          <p:cNvSpPr>
+            <a:spLocks noGrp="1" noRot="1" noChangeAspect="1"/>
+          </p:cNvSpPr>
+          <p:nvPr>
+            <p:ph type="sldImg"/>
+          </p:nvPr>
+        </p:nvSpPr>
+        <p:spPr/>
+      </p:sp>
+      <p:sp>
+        <p:nvSpPr>
+          <p:cNvPr id="3" name="슬라이드 노트 개체 틀 2"/>
+          <p:cNvSpPr>
+            <a:spLocks noGrp="1"/>
+          </p:cNvSpPr>
+          <p:nvPr>
+            <p:ph type="body" idx="1"/>
+          </p:nvPr>
+        </p:nvSpPr>
+        <p:spPr/>
+        <p:txBody>
+          <a:bodyPr/>
+          <a:lstStyle/>
+          <a:p>
+            <a:endParaRPr kumimoji="1" lang="ko-KR" altLang="en-US" dirty="0"/>
+          </a:p>
+        </p:txBody>
+      </p:sp>
+      <p:sp>
+        <p:nvSpPr>
+          <p:cNvPr id="4" name="슬라이드 번호 개체 틀 3"/>
+          <p:cNvSpPr>
+            <a:spLocks noGrp="1"/>
+          </p:cNvSpPr>
+          <p:nvPr>
+            <p:ph type="sldNum" sz="quarter" idx="10"/>
+          </p:nvPr>
+        </p:nvSpPr>
+        <p:spPr/>
+        <p:txBody>
+          <a:bodyPr/>
+          <a:lstStyle/>
+          <a:p>
+            <a:fld id="{5057EB2F-C82E-4E4F-83F0-A5F4853ACDE3}" type="slidenum">
+              <a:rPr kumimoji="1" lang="ko-KR" altLang="en-US" smtClean="0"/>
+              <a:t>45</a:t>
+            </a:fld>
+            <a:endParaRPr kumimoji="1" lang="ko-KR" altLang="en-US"/>
+          </a:p>
+        </p:txBody>
+      </p:sp>
+    </p:spTree>
+    <p:extLst>
+      <p:ext uri="{BB962C8B-B14F-4D97-AF65-F5344CB8AC3E}">
+        <p14:creationId xmlns:p14="http://schemas.microsoft.com/office/powerpoint/2010/main" val="3026057861"/>
+      </p:ext>
+    </p:extLst>
+  </p:cSld>
+  <p:clrMapOvr>
+    <a:masterClrMapping/>
+  </p:clrMapOvr>
+</p:notes>
+</file>
+
+<file path=ppt/notesSlides/notesSlide46.xml><?xml version="1.0" encoding="utf-8"?>
+<p:notes xmlns:a="http://schemas.openxmlformats.org/drawingml/2006/main" xmlns:r="http://schemas.openxmlformats.org/officeDocument/2006/relationships" xmlns:p="http://schemas.openxmlformats.org/presentationml/2006/main">
+  <p:cSld>
+    <p:spTree>
+      <p:nvGrpSpPr>
+        <p:cNvPr id="1" name=""/>
+        <p:cNvGrpSpPr/>
+        <p:nvPr/>
+      </p:nvGrpSpPr>
+      <p:grpSpPr>
+        <a:xfrm>
+          <a:off x="0" y="0"/>
+          <a:ext cx="0" cy="0"/>
+          <a:chOff x="0" y="0"/>
+          <a:chExt cx="0" cy="0"/>
+        </a:xfrm>
+      </p:grpSpPr>
+      <p:sp>
+        <p:nvSpPr>
+          <p:cNvPr id="2" name="슬라이드 이미지 개체 틀 1"/>
+          <p:cNvSpPr>
+            <a:spLocks noGrp="1" noRot="1" noChangeAspect="1"/>
+          </p:cNvSpPr>
+          <p:nvPr>
+            <p:ph type="sldImg"/>
+          </p:nvPr>
+        </p:nvSpPr>
+        <p:spPr/>
+      </p:sp>
+      <p:sp>
+        <p:nvSpPr>
+          <p:cNvPr id="3" name="슬라이드 노트 개체 틀 2"/>
+          <p:cNvSpPr>
+            <a:spLocks noGrp="1"/>
+          </p:cNvSpPr>
+          <p:nvPr>
+            <p:ph type="body" idx="1"/>
+          </p:nvPr>
+        </p:nvSpPr>
+        <p:spPr/>
+        <p:txBody>
+          <a:bodyPr/>
+          <a:lstStyle/>
+          <a:p>
+            <a:endParaRPr lang="ko-KR" altLang="en-US" dirty="0"/>
+          </a:p>
+        </p:txBody>
+      </p:sp>
+      <p:sp>
+        <p:nvSpPr>
+          <p:cNvPr id="4" name="슬라이드 번호 개체 틀 3"/>
+          <p:cNvSpPr>
+            <a:spLocks noGrp="1"/>
+          </p:cNvSpPr>
+          <p:nvPr>
+            <p:ph type="sldNum" sz="quarter" idx="5"/>
+          </p:nvPr>
+        </p:nvSpPr>
+        <p:spPr/>
+        <p:txBody>
+          <a:bodyPr/>
+          <a:lstStyle/>
+          <a:p>
+            <a:fld id="{5057EB2F-C82E-4E4F-83F0-A5F4853ACDE3}" type="slidenum">
+              <a:rPr kumimoji="1" lang="ko-KR" altLang="en-US" smtClean="0"/>
+              <a:t>46</a:t>
+            </a:fld>
+            <a:endParaRPr kumimoji="1" lang="ko-KR" altLang="en-US"/>
+          </a:p>
+        </p:txBody>
+      </p:sp>
+    </p:spTree>
+    <p:extLst>
+      <p:ext uri="{BB962C8B-B14F-4D97-AF65-F5344CB8AC3E}">
+        <p14:creationId xmlns:p14="http://schemas.microsoft.com/office/powerpoint/2010/main" val="768854592"/>
+      </p:ext>
+    </p:extLst>
+  </p:cSld>
+  <p:clrMapOvr>
+    <a:masterClrMapping/>
+  </p:clrMapOvr>
+</p:notes>
+</file>
+
+<file path=ppt/notesSlides/notesSlide47.xml><?xml version="1.0" encoding="utf-8"?>
+<p:notes xmlns:a="http://schemas.openxmlformats.org/drawingml/2006/main" xmlns:r="http://schemas.openxmlformats.org/officeDocument/2006/relationships" xmlns:p="http://schemas.openxmlformats.org/presentationml/2006/main">
+  <p:cSld>
+    <p:spTree>
+      <p:nvGrpSpPr>
+        <p:cNvPr id="1" name=""/>
+        <p:cNvGrpSpPr/>
+        <p:nvPr/>
+      </p:nvGrpSpPr>
+      <p:grpSpPr>
+        <a:xfrm>
+          <a:off x="0" y="0"/>
+          <a:ext cx="0" cy="0"/>
+          <a:chOff x="0" y="0"/>
+          <a:chExt cx="0" cy="0"/>
+        </a:xfrm>
+      </p:grpSpPr>
+      <p:sp>
+        <p:nvSpPr>
+          <p:cNvPr id="2" name="슬라이드 이미지 개체 틀 1"/>
+          <p:cNvSpPr>
+            <a:spLocks noGrp="1" noRot="1" noChangeAspect="1"/>
+          </p:cNvSpPr>
+          <p:nvPr>
+            <p:ph type="sldImg"/>
+          </p:nvPr>
+        </p:nvSpPr>
+        <p:spPr/>
+      </p:sp>
+      <p:sp>
+        <p:nvSpPr>
+          <p:cNvPr id="3" name="슬라이드 노트 개체 틀 2"/>
+          <p:cNvSpPr>
+            <a:spLocks noGrp="1"/>
+          </p:cNvSpPr>
+          <p:nvPr>
+            <p:ph type="body" idx="1"/>
+          </p:nvPr>
+        </p:nvSpPr>
+        <p:spPr/>
+        <p:txBody>
+          <a:bodyPr/>
+          <a:lstStyle/>
+          <a:p>
+            <a:endParaRPr lang="ko-KR" altLang="en-US" dirty="0"/>
+          </a:p>
+        </p:txBody>
+      </p:sp>
+      <p:sp>
+        <p:nvSpPr>
+          <p:cNvPr id="4" name="슬라이드 번호 개체 틀 3"/>
+          <p:cNvSpPr>
+            <a:spLocks noGrp="1"/>
+          </p:cNvSpPr>
+          <p:nvPr>
+            <p:ph type="sldNum" sz="quarter" idx="5"/>
+          </p:nvPr>
+        </p:nvSpPr>
+        <p:spPr/>
+        <p:txBody>
+          <a:bodyPr/>
+          <a:lstStyle/>
+          <a:p>
+            <a:fld id="{5057EB2F-C82E-4E4F-83F0-A5F4853ACDE3}" type="slidenum">
+              <a:rPr kumimoji="1" lang="ko-KR" altLang="en-US" smtClean="0"/>
+              <a:t>47</a:t>
+            </a:fld>
+            <a:endParaRPr kumimoji="1" lang="ko-KR" altLang="en-US"/>
+          </a:p>
+        </p:txBody>
+      </p:sp>
+    </p:spTree>
+    <p:extLst>
+      <p:ext uri="{BB962C8B-B14F-4D97-AF65-F5344CB8AC3E}">
+        <p14:creationId xmlns:p14="http://schemas.microsoft.com/office/powerpoint/2010/main" val="58049808"/>
       </p:ext>
     </p:extLst>
   </p:cSld>
@@ -2834,7 +4619,7 @@
           <a:p>
             <a:fld id="{12E54B19-A276-1141-9188-62D0EC529C60}" type="datetimeFigureOut">
               <a:rPr kumimoji="1" lang="ko-KR" altLang="en-US" smtClean="0"/>
-              <a:t>2019-04-01</a:t>
+              <a:t>2019-04-02</a:t>
             </a:fld>
             <a:endParaRPr kumimoji="1" lang="ko-KR" altLang="en-US"/>
           </a:p>
@@ -3002,7 +4787,7 @@
           <a:p>
             <a:fld id="{12E54B19-A276-1141-9188-62D0EC529C60}" type="datetimeFigureOut">
               <a:rPr kumimoji="1" lang="ko-KR" altLang="en-US" smtClean="0"/>
-              <a:t>2019-04-01</a:t>
+              <a:t>2019-04-02</a:t>
             </a:fld>
             <a:endParaRPr kumimoji="1" lang="ko-KR" altLang="en-US"/>
           </a:p>
@@ -3180,7 +4965,7 @@
           <a:p>
             <a:fld id="{12E54B19-A276-1141-9188-62D0EC529C60}" type="datetimeFigureOut">
               <a:rPr kumimoji="1" lang="ko-KR" altLang="en-US" smtClean="0"/>
-              <a:t>2019-04-01</a:t>
+              <a:t>2019-04-02</a:t>
             </a:fld>
             <a:endParaRPr kumimoji="1" lang="ko-KR" altLang="en-US"/>
           </a:p>
@@ -3348,7 +5133,7 @@
           <a:p>
             <a:fld id="{12E54B19-A276-1141-9188-62D0EC529C60}" type="datetimeFigureOut">
               <a:rPr kumimoji="1" lang="ko-KR" altLang="en-US" smtClean="0"/>
-              <a:t>2019-04-01</a:t>
+              <a:t>2019-04-02</a:t>
             </a:fld>
             <a:endParaRPr kumimoji="1" lang="ko-KR" altLang="en-US"/>
           </a:p>
@@ -3593,7 +5378,7 @@
           <a:p>
             <a:fld id="{12E54B19-A276-1141-9188-62D0EC529C60}" type="datetimeFigureOut">
               <a:rPr kumimoji="1" lang="ko-KR" altLang="en-US" smtClean="0"/>
-              <a:t>2019-04-01</a:t>
+              <a:t>2019-04-02</a:t>
             </a:fld>
             <a:endParaRPr kumimoji="1" lang="ko-KR" altLang="en-US"/>
           </a:p>
@@ -3822,7 +5607,7 @@
           <a:p>
             <a:fld id="{12E54B19-A276-1141-9188-62D0EC529C60}" type="datetimeFigureOut">
               <a:rPr kumimoji="1" lang="ko-KR" altLang="en-US" smtClean="0"/>
-              <a:t>2019-04-01</a:t>
+              <a:t>2019-04-02</a:t>
             </a:fld>
             <a:endParaRPr kumimoji="1" lang="ko-KR" altLang="en-US"/>
           </a:p>
@@ -4186,7 +5971,7 @@
           <a:p>
             <a:fld id="{12E54B19-A276-1141-9188-62D0EC529C60}" type="datetimeFigureOut">
               <a:rPr kumimoji="1" lang="ko-KR" altLang="en-US" smtClean="0"/>
-              <a:t>2019-04-01</a:t>
+              <a:t>2019-04-02</a:t>
             </a:fld>
             <a:endParaRPr kumimoji="1" lang="ko-KR" altLang="en-US"/>
           </a:p>
@@ -4303,7 +6088,7 @@
           <a:p>
             <a:fld id="{12E54B19-A276-1141-9188-62D0EC529C60}" type="datetimeFigureOut">
               <a:rPr kumimoji="1" lang="ko-KR" altLang="en-US" smtClean="0"/>
-              <a:t>2019-04-01</a:t>
+              <a:t>2019-04-02</a:t>
             </a:fld>
             <a:endParaRPr kumimoji="1" lang="ko-KR" altLang="en-US"/>
           </a:p>
@@ -4398,7 +6183,7 @@
           <a:p>
             <a:fld id="{12E54B19-A276-1141-9188-62D0EC529C60}" type="datetimeFigureOut">
               <a:rPr kumimoji="1" lang="ko-KR" altLang="en-US" smtClean="0"/>
-              <a:t>2019-04-01</a:t>
+              <a:t>2019-04-02</a:t>
             </a:fld>
             <a:endParaRPr kumimoji="1" lang="ko-KR" altLang="en-US"/>
           </a:p>
@@ -4673,7 +6458,7 @@
           <a:p>
             <a:fld id="{12E54B19-A276-1141-9188-62D0EC529C60}" type="datetimeFigureOut">
               <a:rPr kumimoji="1" lang="ko-KR" altLang="en-US" smtClean="0"/>
-              <a:t>2019-04-01</a:t>
+              <a:t>2019-04-02</a:t>
             </a:fld>
             <a:endParaRPr kumimoji="1" lang="ko-KR" altLang="en-US"/>
           </a:p>
@@ -4925,7 +6710,7 @@
           <a:p>
             <a:fld id="{12E54B19-A276-1141-9188-62D0EC529C60}" type="datetimeFigureOut">
               <a:rPr kumimoji="1" lang="ko-KR" altLang="en-US" smtClean="0"/>
-              <a:t>2019-04-01</a:t>
+              <a:t>2019-04-02</a:t>
             </a:fld>
             <a:endParaRPr kumimoji="1" lang="ko-KR" altLang="en-US"/>
           </a:p>
@@ -5136,7 +6921,7 @@
           <a:p>
             <a:fld id="{12E54B19-A276-1141-9188-62D0EC529C60}" type="datetimeFigureOut">
               <a:rPr kumimoji="1" lang="ko-KR" altLang="en-US" smtClean="0"/>
-              <a:t>2019-04-01</a:t>
+              <a:t>2019-04-02</a:t>
             </a:fld>
             <a:endParaRPr kumimoji="1" lang="ko-KR" altLang="en-US"/>
           </a:p>
@@ -9572,8 +11357,8 @@
         </p:nvSpPr>
         <p:spPr>
           <a:xfrm>
-            <a:off x="760256" y="3244334"/>
-            <a:ext cx="2568332" cy="369332"/>
+            <a:off x="5362171" y="3944867"/>
+            <a:ext cx="1031051" cy="369332"/>
           </a:xfrm>
           <a:prstGeom prst="rect">
             <a:avLst/>
@@ -9586,46 +11371,20 @@
           </a:bodyPr>
           <a:lstStyle/>
           <a:p>
-            <a:r>
-              <a:rPr kumimoji="1" lang="ko-KR" altLang="en-US" dirty="0">
-                <a:latin typeface="Noto Sans CJK KR DemiLight" charset="-127"/>
-                <a:ea typeface="Noto Sans CJK KR DemiLight" charset="-127"/>
-                <a:cs typeface="Noto Sans CJK KR DemiLight" charset="-127"/>
-              </a:rPr>
-              <a:t>감사합니다</a:t>
-            </a:r>
-            <a:r>
-              <a:rPr kumimoji="1" lang="en-US" altLang="ko-KR" dirty="0">
-                <a:latin typeface="Noto Sans CJK KR DemiLight" charset="-127"/>
-                <a:ea typeface="Noto Sans CJK KR DemiLight" charset="-127"/>
-                <a:cs typeface="Noto Sans CJK KR DemiLight" charset="-127"/>
-              </a:rPr>
-              <a:t>. </a:t>
-            </a:r>
-            <a:r>
-              <a:rPr kumimoji="1" lang="ko-KR" altLang="en-US" dirty="0">
-                <a:latin typeface="Noto Sans CJK KR DemiLight" charset="-127"/>
-                <a:ea typeface="Noto Sans CJK KR DemiLight" charset="-127"/>
-                <a:cs typeface="Noto Sans CJK KR DemiLight" charset="-127"/>
-              </a:rPr>
-              <a:t>알려진 </a:t>
-            </a:r>
+            <a:pPr algn="ctr"/>
             <a:r>
               <a:rPr kumimoji="1" lang="ko-KR" altLang="en-US" dirty="0" err="1">
                 <a:latin typeface="Noto Sans CJK KR DemiLight" charset="-127"/>
                 <a:ea typeface="Noto Sans CJK KR DemiLight" charset="-127"/>
                 <a:cs typeface="Noto Sans CJK KR DemiLight" charset="-127"/>
               </a:rPr>
-              <a:t>평문</a:t>
-            </a:r>
-            <a:r>
-              <a:rPr kumimoji="1" lang="ko-KR" altLang="en-US" dirty="0">
-                <a:latin typeface="Noto Sans CJK KR DemiLight" charset="-127"/>
-                <a:ea typeface="Noto Sans CJK KR DemiLight" charset="-127"/>
-                <a:cs typeface="Noto Sans CJK KR DemiLight" charset="-127"/>
-              </a:rPr>
-              <a:t> </a:t>
-            </a:r>
+              <a:t>ㅁㄴㅇㄹ</a:t>
+            </a:r>
+            <a:endParaRPr kumimoji="1" lang="ko-KR" altLang="en-US" dirty="0">
+              <a:latin typeface="Noto Sans CJK KR DemiLight" charset="-127"/>
+              <a:ea typeface="Noto Sans CJK KR DemiLight" charset="-127"/>
+              <a:cs typeface="Noto Sans CJK KR DemiLight" charset="-127"/>
+            </a:endParaRPr>
           </a:p>
         </p:txBody>
       </p:sp>
@@ -9637,8 +11396,8 @@
         </p:nvSpPr>
         <p:spPr>
           <a:xfrm>
-            <a:off x="711272" y="634816"/>
-            <a:ext cx="1790875" cy="1446550"/>
+            <a:off x="3993231" y="2820054"/>
+            <a:ext cx="3768980" cy="769441"/>
           </a:xfrm>
           <a:prstGeom prst="rect">
             <a:avLst/>
@@ -9651,23 +11410,14 @@
           </a:bodyPr>
           <a:lstStyle/>
           <a:p>
-            <a:r>
-              <a:rPr kumimoji="1" lang="en-US" altLang="ko-KR" sz="4400" b="1" dirty="0">
-                <a:latin typeface="Kohinoor Devanagari" charset="0"/>
-                <a:ea typeface="Kohinoor Devanagari" charset="0"/>
-                <a:cs typeface="Kohinoor Devanagari" charset="0"/>
-              </a:rPr>
-              <a:t>Thank</a:t>
-            </a:r>
-          </a:p>
-          <a:p>
-            <a:r>
-              <a:rPr kumimoji="1" lang="en-US" altLang="ko-KR" sz="4400" b="1" dirty="0">
-                <a:latin typeface="Kohinoor Devanagari" charset="0"/>
-                <a:ea typeface="Kohinoor Devanagari" charset="0"/>
-                <a:cs typeface="Kohinoor Devanagari" charset="0"/>
-              </a:rPr>
-              <a:t>You</a:t>
+            <a:pPr algn="ctr"/>
+            <a:r>
+              <a:rPr kumimoji="1" lang="ko-KR" altLang="en-US" sz="4400" b="1" dirty="0">
+                <a:latin typeface="Noto Sans CJK KR" charset="-127"/>
+                <a:ea typeface="Noto Sans CJK KR" charset="-127"/>
+                <a:cs typeface="Noto Sans CJK KR" charset="-127"/>
+              </a:rPr>
+              <a:t>리스트 익히기</a:t>
             </a:r>
           </a:p>
         </p:txBody>
@@ -9675,13 +11425,15 @@
       <p:cxnSp>
         <p:nvCxnSpPr>
           <p:cNvPr id="9" name="직선 연결선[R] 8"/>
-          <p:cNvCxnSpPr/>
+          <p:cNvCxnSpPr>
+            <a:cxnSpLocks/>
+          </p:cNvCxnSpPr>
           <p:nvPr/>
         </p:nvCxnSpPr>
         <p:spPr>
           <a:xfrm>
-            <a:off x="825572" y="2922814"/>
-            <a:ext cx="954242" cy="0"/>
+            <a:off x="4639951" y="3771497"/>
+            <a:ext cx="2541433" cy="0"/>
           </a:xfrm>
           <a:prstGeom prst="line">
             <a:avLst/>
@@ -9705,7 +11457,673 @@
     </p:spTree>
     <p:extLst>
       <p:ext uri="{BB962C8B-B14F-4D97-AF65-F5344CB8AC3E}">
-        <p14:creationId xmlns:p14="http://schemas.microsoft.com/office/powerpoint/2010/main" val="1436063138"/>
+        <p14:creationId xmlns:p14="http://schemas.microsoft.com/office/powerpoint/2010/main" val="4003560610"/>
+      </p:ext>
+    </p:extLst>
+  </p:cSld>
+  <p:clrMapOvr>
+    <a:masterClrMapping/>
+  </p:clrMapOvr>
+</p:sld>
+</file>
+
+<file path=ppt/slides/slide28.xml><?xml version="1.0" encoding="utf-8"?>
+<p:sld xmlns:a="http://schemas.openxmlformats.org/drawingml/2006/main" xmlns:r="http://schemas.openxmlformats.org/officeDocument/2006/relationships" xmlns:p="http://schemas.openxmlformats.org/presentationml/2006/main">
+  <p:cSld>
+    <p:spTree>
+      <p:nvGrpSpPr>
+        <p:cNvPr id="1" name=""/>
+        <p:cNvGrpSpPr/>
+        <p:nvPr/>
+      </p:nvGrpSpPr>
+      <p:grpSpPr>
+        <a:xfrm>
+          <a:off x="0" y="0"/>
+          <a:ext cx="0" cy="0"/>
+          <a:chOff x="0" y="0"/>
+          <a:chExt cx="0" cy="0"/>
+        </a:xfrm>
+      </p:grpSpPr>
+      <p:sp>
+        <p:nvSpPr>
+          <p:cNvPr id="9" name="Rectangle 8"/>
+          <p:cNvSpPr>
+            <a:spLocks noGrp="1" noRot="1" noChangeAspect="1" noMove="1" noResize="1" noEditPoints="1" noAdjustHandles="1" noChangeArrowheads="1" noChangeShapeType="1" noTextEdit="1"/>
+          </p:cNvSpPr>
+          <p:nvPr>
+            <p:extLst>
+              <p:ext uri="{386F3935-93C4-4BCD-93E2-E3B085C9AB24}">
+                <p16:designElem xmlns:p16="http://schemas.microsoft.com/office/powerpoint/2015/main" val="1"/>
+              </p:ext>
+            </p:extLst>
+          </p:nvPr>
+        </p:nvSpPr>
+        <p:spPr bwMode="white">
+          <a:xfrm>
+            <a:off x="0" y="0"/>
+            <a:ext cx="12192000" cy="6858000"/>
+          </a:xfrm>
+          <a:prstGeom prst="rect">
+            <a:avLst/>
+          </a:prstGeom>
+          <a:solidFill>
+            <a:schemeClr val="bg1"/>
+          </a:solidFill>
+          <a:ln>
+            <a:noFill/>
+          </a:ln>
+          <a:effectLst/>
+        </p:spPr>
+      </p:sp>
+      <p:sp>
+        <p:nvSpPr>
+          <p:cNvPr id="10" name="텍스트 상자 6">
+            <a:extLst>
+              <a:ext uri="{FF2B5EF4-FFF2-40B4-BE49-F238E27FC236}">
+                <a16:creationId xmlns:a16="http://schemas.microsoft.com/office/drawing/2014/main" id="{0154DA88-CBF7-4050-86DD-70A40DC7613A}"/>
+              </a:ext>
+            </a:extLst>
+          </p:cNvPr>
+          <p:cNvSpPr txBox="1"/>
+          <p:nvPr/>
+        </p:nvSpPr>
+        <p:spPr>
+          <a:xfrm>
+            <a:off x="454598" y="297932"/>
+            <a:ext cx="5084354" cy="584775"/>
+          </a:xfrm>
+          <a:prstGeom prst="rect">
+            <a:avLst/>
+          </a:prstGeom>
+          <a:noFill/>
+        </p:spPr>
+        <p:txBody>
+          <a:bodyPr wrap="square" rtlCol="0">
+            <a:spAutoFit/>
+          </a:bodyPr>
+          <a:lstStyle/>
+          <a:p>
+            <a:r>
+              <a:rPr kumimoji="1" lang="ko-KR" altLang="en-US" sz="3200" b="1" dirty="0">
+                <a:latin typeface="Noto Sans CJK KR" charset="-127"/>
+                <a:ea typeface="Noto Sans CJK KR" charset="-127"/>
+                <a:cs typeface="Noto Sans CJK KR" charset="-127"/>
+              </a:rPr>
+              <a:t>리스트 익히기</a:t>
+            </a:r>
+          </a:p>
+        </p:txBody>
+      </p:sp>
+      <p:cxnSp>
+        <p:nvCxnSpPr>
+          <p:cNvPr id="12" name="직선 연결선[R] 7">
+            <a:extLst>
+              <a:ext uri="{FF2B5EF4-FFF2-40B4-BE49-F238E27FC236}">
+                <a16:creationId xmlns:a16="http://schemas.microsoft.com/office/drawing/2014/main" id="{8B7FBEC7-F95D-4966-BE79-BF568C7CDDE4}"/>
+              </a:ext>
+            </a:extLst>
+          </p:cNvPr>
+          <p:cNvCxnSpPr>
+            <a:cxnSpLocks/>
+          </p:cNvCxnSpPr>
+          <p:nvPr/>
+        </p:nvCxnSpPr>
+        <p:spPr>
+          <a:xfrm>
+            <a:off x="575761" y="942398"/>
+            <a:ext cx="651760" cy="0"/>
+          </a:xfrm>
+          <a:prstGeom prst="line">
+            <a:avLst/>
+          </a:prstGeom>
+        </p:spPr>
+        <p:style>
+          <a:lnRef idx="1">
+            <a:schemeClr val="dk1"/>
+          </a:lnRef>
+          <a:fillRef idx="0">
+            <a:schemeClr val="dk1"/>
+          </a:fillRef>
+          <a:effectRef idx="0">
+            <a:schemeClr val="dk1"/>
+          </a:effectRef>
+          <a:fontRef idx="minor">
+            <a:schemeClr val="tx1"/>
+          </a:fontRef>
+        </p:style>
+      </p:cxnSp>
+      <p:sp>
+        <p:nvSpPr>
+          <p:cNvPr id="8" name="텍스트 상자 12">
+            <a:extLst>
+              <a:ext uri="{FF2B5EF4-FFF2-40B4-BE49-F238E27FC236}">
+                <a16:creationId xmlns:a16="http://schemas.microsoft.com/office/drawing/2014/main" id="{3229EB50-51D6-480B-9438-45233E5B8B1C}"/>
+              </a:ext>
+            </a:extLst>
+          </p:cNvPr>
+          <p:cNvSpPr txBox="1"/>
+          <p:nvPr/>
+        </p:nvSpPr>
+        <p:spPr>
+          <a:xfrm>
+            <a:off x="2087458" y="2997501"/>
+            <a:ext cx="8269332" cy="966675"/>
+          </a:xfrm>
+          <a:prstGeom prst="rect">
+            <a:avLst/>
+          </a:prstGeom>
+          <a:noFill/>
+        </p:spPr>
+        <p:txBody>
+          <a:bodyPr wrap="square" rtlCol="0">
+            <a:spAutoFit/>
+          </a:bodyPr>
+          <a:lstStyle/>
+          <a:p>
+            <a:pPr>
+              <a:lnSpc>
+                <a:spcPct val="150000"/>
+              </a:lnSpc>
+            </a:pPr>
+            <a:r>
+              <a:rPr kumimoji="1" lang="ko-KR" altLang="en-US" sz="2000" spc="-150" dirty="0">
+                <a:solidFill>
+                  <a:schemeClr val="tx1">
+                    <a:lumMod val="95000"/>
+                    <a:lumOff val="5000"/>
+                  </a:schemeClr>
+                </a:solidFill>
+                <a:latin typeface="Consolas" panose="020B0609020204030204" pitchFamily="49" charset="0"/>
+                <a:ea typeface="Noto Sans CJK KR DemiLight" charset="-127"/>
+                <a:cs typeface="Noto Sans CJK KR DemiLight" charset="-127"/>
+              </a:rPr>
+              <a:t>변수는 하나의 변수에 하나의 값만 넣을 수 있다</a:t>
+            </a:r>
+            <a:r>
+              <a:rPr kumimoji="1" lang="en-US" altLang="ko-KR" sz="2000" spc="-150" dirty="0">
+                <a:solidFill>
+                  <a:schemeClr val="tx1">
+                    <a:lumMod val="95000"/>
+                    <a:lumOff val="5000"/>
+                  </a:schemeClr>
+                </a:solidFill>
+                <a:latin typeface="Consolas" panose="020B0609020204030204" pitchFamily="49" charset="0"/>
+                <a:ea typeface="Noto Sans CJK KR DemiLight" charset="-127"/>
+                <a:cs typeface="Noto Sans CJK KR DemiLight" charset="-127"/>
+              </a:rPr>
+              <a:t>. </a:t>
+            </a:r>
+            <a:r>
+              <a:rPr kumimoji="1" lang="ko-KR" altLang="en-US" sz="2000" spc="-150" dirty="0">
+                <a:solidFill>
+                  <a:schemeClr val="tx1">
+                    <a:lumMod val="95000"/>
+                    <a:lumOff val="5000"/>
+                  </a:schemeClr>
+                </a:solidFill>
+                <a:latin typeface="Consolas" panose="020B0609020204030204" pitchFamily="49" charset="0"/>
+                <a:ea typeface="Noto Sans CJK KR DemiLight" charset="-127"/>
+                <a:cs typeface="Noto Sans CJK KR DemiLight" charset="-127"/>
+              </a:rPr>
+              <a:t>하지만 리스트를 사용하면 하나의 변수에도 여러가지 값을 넣을 수 있다</a:t>
+            </a:r>
+            <a:r>
+              <a:rPr kumimoji="1" lang="en-US" altLang="ko-KR" sz="2000" spc="-150" dirty="0">
+                <a:solidFill>
+                  <a:schemeClr val="tx1">
+                    <a:lumMod val="95000"/>
+                    <a:lumOff val="5000"/>
+                  </a:schemeClr>
+                </a:solidFill>
+                <a:latin typeface="Consolas" panose="020B0609020204030204" pitchFamily="49" charset="0"/>
+                <a:ea typeface="Noto Sans CJK KR DemiLight" charset="-127"/>
+                <a:cs typeface="Noto Sans CJK KR DemiLight" charset="-127"/>
+              </a:rPr>
+              <a:t>.</a:t>
+            </a:r>
+          </a:p>
+        </p:txBody>
+      </p:sp>
+      <p:sp>
+        <p:nvSpPr>
+          <p:cNvPr id="11" name="텍스트 상자 12">
+            <a:extLst>
+              <a:ext uri="{FF2B5EF4-FFF2-40B4-BE49-F238E27FC236}">
+                <a16:creationId xmlns:a16="http://schemas.microsoft.com/office/drawing/2014/main" id="{05879D4C-85A1-455E-8CF9-1356E14CD423}"/>
+              </a:ext>
+            </a:extLst>
+          </p:cNvPr>
+          <p:cNvSpPr txBox="1"/>
+          <p:nvPr/>
+        </p:nvSpPr>
+        <p:spPr>
+          <a:xfrm>
+            <a:off x="1574362" y="2353743"/>
+            <a:ext cx="8269332" cy="587533"/>
+          </a:xfrm>
+          <a:prstGeom prst="rect">
+            <a:avLst/>
+          </a:prstGeom>
+          <a:noFill/>
+        </p:spPr>
+        <p:txBody>
+          <a:bodyPr wrap="square" rtlCol="0">
+            <a:spAutoFit/>
+          </a:bodyPr>
+          <a:lstStyle/>
+          <a:p>
+            <a:pPr>
+              <a:lnSpc>
+                <a:spcPct val="150000"/>
+              </a:lnSpc>
+            </a:pPr>
+            <a:r>
+              <a:rPr kumimoji="1" lang="ko-KR" altLang="en-US" sz="2400" b="1" spc="-150" dirty="0">
+                <a:solidFill>
+                  <a:schemeClr val="tx1">
+                    <a:lumMod val="95000"/>
+                    <a:lumOff val="5000"/>
+                  </a:schemeClr>
+                </a:solidFill>
+                <a:latin typeface="Consolas" panose="020B0609020204030204" pitchFamily="49" charset="0"/>
+                <a:ea typeface="Noto Sans CJK KR DemiLight" charset="-127"/>
+                <a:cs typeface="Noto Sans CJK KR DemiLight" charset="-127"/>
+              </a:rPr>
+              <a:t>리스트란 </a:t>
+            </a:r>
+            <a:r>
+              <a:rPr kumimoji="1" lang="en-US" altLang="ko-KR" sz="2400" b="1" spc="-150" dirty="0">
+                <a:solidFill>
+                  <a:schemeClr val="tx1">
+                    <a:lumMod val="95000"/>
+                    <a:lumOff val="5000"/>
+                  </a:schemeClr>
+                </a:solidFill>
+                <a:latin typeface="Consolas" panose="020B0609020204030204" pitchFamily="49" charset="0"/>
+                <a:ea typeface="Noto Sans CJK KR DemiLight" charset="-127"/>
+                <a:cs typeface="Noto Sans CJK KR DemiLight" charset="-127"/>
+              </a:rPr>
+              <a:t>?</a:t>
+            </a:r>
+          </a:p>
+        </p:txBody>
+      </p:sp>
+      <p:sp>
+        <p:nvSpPr>
+          <p:cNvPr id="13" name="텍스트 상자 12">
+            <a:extLst>
+              <a:ext uri="{FF2B5EF4-FFF2-40B4-BE49-F238E27FC236}">
+                <a16:creationId xmlns:a16="http://schemas.microsoft.com/office/drawing/2014/main" id="{C7E26CC6-5AA0-44E8-B08E-B242F8BCAF51}"/>
+              </a:ext>
+            </a:extLst>
+          </p:cNvPr>
+          <p:cNvSpPr txBox="1"/>
+          <p:nvPr/>
+        </p:nvSpPr>
+        <p:spPr>
+          <a:xfrm>
+            <a:off x="2087458" y="4115313"/>
+            <a:ext cx="8269332" cy="966675"/>
+          </a:xfrm>
+          <a:prstGeom prst="rect">
+            <a:avLst/>
+          </a:prstGeom>
+          <a:noFill/>
+        </p:spPr>
+        <p:txBody>
+          <a:bodyPr wrap="square" rtlCol="0">
+            <a:spAutoFit/>
+          </a:bodyPr>
+          <a:lstStyle/>
+          <a:p>
+            <a:pPr>
+              <a:lnSpc>
+                <a:spcPct val="150000"/>
+              </a:lnSpc>
+            </a:pPr>
+            <a:r>
+              <a:rPr kumimoji="1" lang="en-US" altLang="ko-KR" sz="2000" spc="-150" dirty="0" err="1">
+                <a:solidFill>
+                  <a:schemeClr val="tx1">
+                    <a:lumMod val="95000"/>
+                    <a:lumOff val="5000"/>
+                  </a:schemeClr>
+                </a:solidFill>
+                <a:latin typeface="Consolas" panose="020B0609020204030204" pitchFamily="49" charset="0"/>
+                <a:ea typeface="Noto Sans CJK KR DemiLight" charset="-127"/>
+                <a:cs typeface="Noto Sans CJK KR DemiLight" charset="-127"/>
+              </a:rPr>
+              <a:t>kodular</a:t>
+            </a:r>
+            <a:r>
+              <a:rPr kumimoji="1" lang="en-US" altLang="ko-KR" sz="2000" spc="-150" dirty="0">
+                <a:solidFill>
+                  <a:schemeClr val="tx1">
+                    <a:lumMod val="95000"/>
+                    <a:lumOff val="5000"/>
+                  </a:schemeClr>
+                </a:solidFill>
+                <a:latin typeface="Consolas" panose="020B0609020204030204" pitchFamily="49" charset="0"/>
+                <a:ea typeface="Noto Sans CJK KR DemiLight" charset="-127"/>
+                <a:cs typeface="Noto Sans CJK KR DemiLight" charset="-127"/>
+              </a:rPr>
+              <a:t> </a:t>
+            </a:r>
+            <a:r>
+              <a:rPr kumimoji="1" lang="ko-KR" altLang="en-US" sz="2000" spc="-150" dirty="0">
+                <a:solidFill>
+                  <a:schemeClr val="tx1">
+                    <a:lumMod val="95000"/>
+                    <a:lumOff val="5000"/>
+                  </a:schemeClr>
+                </a:solidFill>
+                <a:latin typeface="Consolas" panose="020B0609020204030204" pitchFamily="49" charset="0"/>
+                <a:ea typeface="Noto Sans CJK KR DemiLight" charset="-127"/>
+                <a:cs typeface="Noto Sans CJK KR DemiLight" charset="-127"/>
+              </a:rPr>
+              <a:t>의 리스트는 하나의 독립된 공간이 아닌 </a:t>
+            </a:r>
+            <a:r>
+              <a:rPr kumimoji="1" lang="en-US" altLang="ko-KR" sz="2000" spc="-150" dirty="0">
+                <a:solidFill>
+                  <a:schemeClr val="tx1">
+                    <a:lumMod val="95000"/>
+                    <a:lumOff val="5000"/>
+                  </a:schemeClr>
+                </a:solidFill>
+                <a:latin typeface="Consolas" panose="020B0609020204030204" pitchFamily="49" charset="0"/>
+                <a:ea typeface="Noto Sans CJK KR DemiLight" charset="-127"/>
+                <a:cs typeface="Noto Sans CJK KR DemiLight" charset="-127"/>
+              </a:rPr>
+              <a:t>‘</a:t>
+            </a:r>
+            <a:r>
+              <a:rPr kumimoji="1" lang="ko-KR" altLang="en-US" sz="2000" spc="-150" dirty="0">
+                <a:solidFill>
+                  <a:schemeClr val="tx1">
+                    <a:lumMod val="95000"/>
+                    <a:lumOff val="5000"/>
+                  </a:schemeClr>
+                </a:solidFill>
+                <a:latin typeface="Consolas" panose="020B0609020204030204" pitchFamily="49" charset="0"/>
+                <a:ea typeface="Noto Sans CJK KR DemiLight" charset="-127"/>
+                <a:cs typeface="Noto Sans CJK KR DemiLight" charset="-127"/>
+              </a:rPr>
+              <a:t>칸막이</a:t>
+            </a:r>
+            <a:r>
+              <a:rPr kumimoji="1" lang="en-US" altLang="ko-KR" sz="2000" spc="-150" dirty="0">
+                <a:solidFill>
+                  <a:schemeClr val="tx1">
+                    <a:lumMod val="95000"/>
+                    <a:lumOff val="5000"/>
+                  </a:schemeClr>
+                </a:solidFill>
+                <a:latin typeface="Consolas" panose="020B0609020204030204" pitchFamily="49" charset="0"/>
+                <a:ea typeface="Noto Sans CJK KR DemiLight" charset="-127"/>
+                <a:cs typeface="Noto Sans CJK KR DemiLight" charset="-127"/>
+              </a:rPr>
+              <a:t>’ </a:t>
+            </a:r>
+            <a:r>
+              <a:rPr kumimoji="1" lang="ko-KR" altLang="en-US" sz="2000" spc="-150" dirty="0">
+                <a:solidFill>
+                  <a:schemeClr val="tx1">
+                    <a:lumMod val="95000"/>
+                    <a:lumOff val="5000"/>
+                  </a:schemeClr>
+                </a:solidFill>
+                <a:latin typeface="Consolas" panose="020B0609020204030204" pitchFamily="49" charset="0"/>
+                <a:ea typeface="Noto Sans CJK KR DemiLight" charset="-127"/>
+                <a:cs typeface="Noto Sans CJK KR DemiLight" charset="-127"/>
+              </a:rPr>
+              <a:t>라고 이해하면 쉽다</a:t>
+            </a:r>
+            <a:r>
+              <a:rPr kumimoji="1" lang="en-US" altLang="ko-KR" sz="2000" spc="-150" dirty="0">
+                <a:solidFill>
+                  <a:schemeClr val="tx1">
+                    <a:lumMod val="95000"/>
+                    <a:lumOff val="5000"/>
+                  </a:schemeClr>
+                </a:solidFill>
+                <a:latin typeface="Consolas" panose="020B0609020204030204" pitchFamily="49" charset="0"/>
+                <a:ea typeface="Noto Sans CJK KR DemiLight" charset="-127"/>
+                <a:cs typeface="Noto Sans CJK KR DemiLight" charset="-127"/>
+              </a:rPr>
+              <a:t>. </a:t>
+            </a:r>
+            <a:r>
+              <a:rPr kumimoji="1" lang="ko-KR" altLang="en-US" sz="2000" spc="-150" dirty="0">
+                <a:solidFill>
+                  <a:schemeClr val="tx1">
+                    <a:lumMod val="95000"/>
+                    <a:lumOff val="5000"/>
+                  </a:schemeClr>
+                </a:solidFill>
+                <a:latin typeface="Consolas" panose="020B0609020204030204" pitchFamily="49" charset="0"/>
+                <a:ea typeface="Noto Sans CJK KR DemiLight" charset="-127"/>
+                <a:cs typeface="Noto Sans CJK KR DemiLight" charset="-127"/>
+              </a:rPr>
+              <a:t>독자적으로 쓰이지 않고 변수나 </a:t>
+            </a:r>
+            <a:r>
+              <a:rPr kumimoji="1" lang="en-US" altLang="ko-KR" sz="2000" spc="-150" dirty="0">
+                <a:solidFill>
+                  <a:schemeClr val="tx1">
+                    <a:lumMod val="95000"/>
+                    <a:lumOff val="5000"/>
+                  </a:schemeClr>
+                </a:solidFill>
+                <a:latin typeface="Consolas" panose="020B0609020204030204" pitchFamily="49" charset="0"/>
+                <a:ea typeface="Noto Sans CJK KR DemiLight" charset="-127"/>
+                <a:cs typeface="Noto Sans CJK KR DemiLight" charset="-127"/>
+              </a:rPr>
+              <a:t>DB</a:t>
+            </a:r>
+            <a:r>
+              <a:rPr kumimoji="1" lang="ko-KR" altLang="en-US" sz="2000" spc="-150" dirty="0">
+                <a:solidFill>
+                  <a:schemeClr val="tx1">
+                    <a:lumMod val="95000"/>
+                    <a:lumOff val="5000"/>
+                  </a:schemeClr>
+                </a:solidFill>
+                <a:latin typeface="Consolas" panose="020B0609020204030204" pitchFamily="49" charset="0"/>
+                <a:ea typeface="Noto Sans CJK KR DemiLight" charset="-127"/>
+                <a:cs typeface="Noto Sans CJK KR DemiLight" charset="-127"/>
+              </a:rPr>
+              <a:t>와 함께 활용해야만 한다</a:t>
+            </a:r>
+            <a:r>
+              <a:rPr kumimoji="1" lang="en-US" altLang="ko-KR" sz="2000" spc="-150" dirty="0">
+                <a:solidFill>
+                  <a:schemeClr val="tx1">
+                    <a:lumMod val="95000"/>
+                    <a:lumOff val="5000"/>
+                  </a:schemeClr>
+                </a:solidFill>
+                <a:latin typeface="Consolas" panose="020B0609020204030204" pitchFamily="49" charset="0"/>
+                <a:ea typeface="Noto Sans CJK KR DemiLight" charset="-127"/>
+                <a:cs typeface="Noto Sans CJK KR DemiLight" charset="-127"/>
+              </a:rPr>
+              <a:t>.</a:t>
+            </a:r>
+          </a:p>
+        </p:txBody>
+      </p:sp>
+    </p:spTree>
+    <p:extLst>
+      <p:ext uri="{BB962C8B-B14F-4D97-AF65-F5344CB8AC3E}">
+        <p14:creationId xmlns:p14="http://schemas.microsoft.com/office/powerpoint/2010/main" val="1679044466"/>
+      </p:ext>
+    </p:extLst>
+  </p:cSld>
+  <p:clrMapOvr>
+    <a:masterClrMapping/>
+  </p:clrMapOvr>
+</p:sld>
+</file>
+
+<file path=ppt/slides/slide29.xml><?xml version="1.0" encoding="utf-8"?>
+<p:sld xmlns:a="http://schemas.openxmlformats.org/drawingml/2006/main" xmlns:r="http://schemas.openxmlformats.org/officeDocument/2006/relationships" xmlns:p="http://schemas.openxmlformats.org/presentationml/2006/main">
+  <p:cSld>
+    <p:spTree>
+      <p:nvGrpSpPr>
+        <p:cNvPr id="1" name=""/>
+        <p:cNvGrpSpPr/>
+        <p:nvPr/>
+      </p:nvGrpSpPr>
+      <p:grpSpPr>
+        <a:xfrm>
+          <a:off x="0" y="0"/>
+          <a:ext cx="0" cy="0"/>
+          <a:chOff x="0" y="0"/>
+          <a:chExt cx="0" cy="0"/>
+        </a:xfrm>
+      </p:grpSpPr>
+      <p:sp>
+        <p:nvSpPr>
+          <p:cNvPr id="9" name="Rectangle 8"/>
+          <p:cNvSpPr>
+            <a:spLocks noGrp="1" noRot="1" noChangeAspect="1" noMove="1" noResize="1" noEditPoints="1" noAdjustHandles="1" noChangeArrowheads="1" noChangeShapeType="1" noTextEdit="1"/>
+          </p:cNvSpPr>
+          <p:nvPr>
+            <p:extLst>
+              <p:ext uri="{386F3935-93C4-4BCD-93E2-E3B085C9AB24}">
+                <p16:designElem xmlns:p16="http://schemas.microsoft.com/office/powerpoint/2015/main" val="1"/>
+              </p:ext>
+            </p:extLst>
+          </p:nvPr>
+        </p:nvSpPr>
+        <p:spPr bwMode="white">
+          <a:xfrm>
+            <a:off x="0" y="0"/>
+            <a:ext cx="12192000" cy="6858000"/>
+          </a:xfrm>
+          <a:prstGeom prst="rect">
+            <a:avLst/>
+          </a:prstGeom>
+          <a:solidFill>
+            <a:schemeClr val="bg1"/>
+          </a:solidFill>
+          <a:ln>
+            <a:noFill/>
+          </a:ln>
+          <a:effectLst/>
+        </p:spPr>
+      </p:sp>
+      <p:sp>
+        <p:nvSpPr>
+          <p:cNvPr id="10" name="텍스트 상자 6">
+            <a:extLst>
+              <a:ext uri="{FF2B5EF4-FFF2-40B4-BE49-F238E27FC236}">
+                <a16:creationId xmlns:a16="http://schemas.microsoft.com/office/drawing/2014/main" id="{0154DA88-CBF7-4050-86DD-70A40DC7613A}"/>
+              </a:ext>
+            </a:extLst>
+          </p:cNvPr>
+          <p:cNvSpPr txBox="1"/>
+          <p:nvPr/>
+        </p:nvSpPr>
+        <p:spPr>
+          <a:xfrm>
+            <a:off x="454598" y="297932"/>
+            <a:ext cx="5084354" cy="584775"/>
+          </a:xfrm>
+          <a:prstGeom prst="rect">
+            <a:avLst/>
+          </a:prstGeom>
+          <a:noFill/>
+        </p:spPr>
+        <p:txBody>
+          <a:bodyPr wrap="square" rtlCol="0">
+            <a:spAutoFit/>
+          </a:bodyPr>
+          <a:lstStyle/>
+          <a:p>
+            <a:r>
+              <a:rPr kumimoji="1" lang="ko-KR" altLang="en-US" sz="3200" b="1" dirty="0">
+                <a:latin typeface="Noto Sans CJK KR" charset="-127"/>
+                <a:ea typeface="Noto Sans CJK KR" charset="-127"/>
+                <a:cs typeface="Noto Sans CJK KR" charset="-127"/>
+              </a:rPr>
+              <a:t>리스트 익히기</a:t>
+            </a:r>
+          </a:p>
+        </p:txBody>
+      </p:sp>
+      <p:cxnSp>
+        <p:nvCxnSpPr>
+          <p:cNvPr id="12" name="직선 연결선[R] 7">
+            <a:extLst>
+              <a:ext uri="{FF2B5EF4-FFF2-40B4-BE49-F238E27FC236}">
+                <a16:creationId xmlns:a16="http://schemas.microsoft.com/office/drawing/2014/main" id="{8B7FBEC7-F95D-4966-BE79-BF568C7CDDE4}"/>
+              </a:ext>
+            </a:extLst>
+          </p:cNvPr>
+          <p:cNvCxnSpPr>
+            <a:cxnSpLocks/>
+          </p:cNvCxnSpPr>
+          <p:nvPr/>
+        </p:nvCxnSpPr>
+        <p:spPr>
+          <a:xfrm>
+            <a:off x="575761" y="942398"/>
+            <a:ext cx="651760" cy="0"/>
+          </a:xfrm>
+          <a:prstGeom prst="line">
+            <a:avLst/>
+          </a:prstGeom>
+        </p:spPr>
+        <p:style>
+          <a:lnRef idx="1">
+            <a:schemeClr val="dk1"/>
+          </a:lnRef>
+          <a:fillRef idx="0">
+            <a:schemeClr val="dk1"/>
+          </a:fillRef>
+          <a:effectRef idx="0">
+            <a:schemeClr val="dk1"/>
+          </a:effectRef>
+          <a:fontRef idx="minor">
+            <a:schemeClr val="tx1"/>
+          </a:fontRef>
+        </p:style>
+      </p:cxnSp>
+      <p:pic>
+        <p:nvPicPr>
+          <p:cNvPr id="2" name="그림 1">
+            <a:extLst>
+              <a:ext uri="{FF2B5EF4-FFF2-40B4-BE49-F238E27FC236}">
+                <a16:creationId xmlns:a16="http://schemas.microsoft.com/office/drawing/2014/main" id="{E048075A-A6A3-40C4-8BFF-30605681C4BA}"/>
+              </a:ext>
+            </a:extLst>
+          </p:cNvPr>
+          <p:cNvPicPr>
+            <a:picLocks noChangeAspect="1"/>
+          </p:cNvPicPr>
+          <p:nvPr/>
+        </p:nvPicPr>
+        <p:blipFill>
+          <a:blip r:embed="rId3"/>
+          <a:stretch>
+            <a:fillRect/>
+          </a:stretch>
+        </p:blipFill>
+        <p:spPr>
+          <a:xfrm>
+            <a:off x="1085850" y="1157739"/>
+            <a:ext cx="10020300" cy="5229225"/>
+          </a:xfrm>
+          <a:prstGeom prst="rect">
+            <a:avLst/>
+          </a:prstGeom>
+        </p:spPr>
+      </p:pic>
+    </p:spTree>
+    <p:extLst>
+      <p:ext uri="{BB962C8B-B14F-4D97-AF65-F5344CB8AC3E}">
+        <p14:creationId xmlns:p14="http://schemas.microsoft.com/office/powerpoint/2010/main" val="2740826628"/>
       </p:ext>
     </p:extLst>
   </p:cSld>
@@ -9999,6 +12417,2641 @@
 </p:sld>
 </file>
 
+<file path=ppt/slides/slide30.xml><?xml version="1.0" encoding="utf-8"?>
+<p:sld xmlns:a="http://schemas.openxmlformats.org/drawingml/2006/main" xmlns:r="http://schemas.openxmlformats.org/officeDocument/2006/relationships" xmlns:p="http://schemas.openxmlformats.org/presentationml/2006/main">
+  <p:cSld>
+    <p:spTree>
+      <p:nvGrpSpPr>
+        <p:cNvPr id="1" name=""/>
+        <p:cNvGrpSpPr/>
+        <p:nvPr/>
+      </p:nvGrpSpPr>
+      <p:grpSpPr>
+        <a:xfrm>
+          <a:off x="0" y="0"/>
+          <a:ext cx="0" cy="0"/>
+          <a:chOff x="0" y="0"/>
+          <a:chExt cx="0" cy="0"/>
+        </a:xfrm>
+      </p:grpSpPr>
+      <p:sp>
+        <p:nvSpPr>
+          <p:cNvPr id="9" name="Rectangle 8"/>
+          <p:cNvSpPr>
+            <a:spLocks noGrp="1" noRot="1" noChangeAspect="1" noMove="1" noResize="1" noEditPoints="1" noAdjustHandles="1" noChangeArrowheads="1" noChangeShapeType="1" noTextEdit="1"/>
+          </p:cNvSpPr>
+          <p:nvPr>
+            <p:extLst>
+              <p:ext uri="{386F3935-93C4-4BCD-93E2-E3B085C9AB24}">
+                <p16:designElem xmlns:p16="http://schemas.microsoft.com/office/powerpoint/2015/main" val="1"/>
+              </p:ext>
+            </p:extLst>
+          </p:nvPr>
+        </p:nvSpPr>
+        <p:spPr bwMode="white">
+          <a:xfrm>
+            <a:off x="0" y="0"/>
+            <a:ext cx="12192000" cy="6858000"/>
+          </a:xfrm>
+          <a:prstGeom prst="rect">
+            <a:avLst/>
+          </a:prstGeom>
+          <a:solidFill>
+            <a:schemeClr val="bg1"/>
+          </a:solidFill>
+          <a:ln>
+            <a:noFill/>
+          </a:ln>
+          <a:effectLst/>
+        </p:spPr>
+      </p:sp>
+      <p:sp>
+        <p:nvSpPr>
+          <p:cNvPr id="10" name="텍스트 상자 6">
+            <a:extLst>
+              <a:ext uri="{FF2B5EF4-FFF2-40B4-BE49-F238E27FC236}">
+                <a16:creationId xmlns:a16="http://schemas.microsoft.com/office/drawing/2014/main" id="{0154DA88-CBF7-4050-86DD-70A40DC7613A}"/>
+              </a:ext>
+            </a:extLst>
+          </p:cNvPr>
+          <p:cNvSpPr txBox="1"/>
+          <p:nvPr/>
+        </p:nvSpPr>
+        <p:spPr>
+          <a:xfrm>
+            <a:off x="454598" y="297932"/>
+            <a:ext cx="5084354" cy="584775"/>
+          </a:xfrm>
+          <a:prstGeom prst="rect">
+            <a:avLst/>
+          </a:prstGeom>
+          <a:noFill/>
+        </p:spPr>
+        <p:txBody>
+          <a:bodyPr wrap="square" rtlCol="0">
+            <a:spAutoFit/>
+          </a:bodyPr>
+          <a:lstStyle/>
+          <a:p>
+            <a:r>
+              <a:rPr kumimoji="1" lang="ko-KR" altLang="en-US" sz="3200" b="1" dirty="0">
+                <a:latin typeface="Noto Sans CJK KR" charset="-127"/>
+                <a:ea typeface="Noto Sans CJK KR" charset="-127"/>
+                <a:cs typeface="Noto Sans CJK KR" charset="-127"/>
+              </a:rPr>
+              <a:t>리스트 익히기</a:t>
+            </a:r>
+          </a:p>
+        </p:txBody>
+      </p:sp>
+      <p:cxnSp>
+        <p:nvCxnSpPr>
+          <p:cNvPr id="12" name="직선 연결선[R] 7">
+            <a:extLst>
+              <a:ext uri="{FF2B5EF4-FFF2-40B4-BE49-F238E27FC236}">
+                <a16:creationId xmlns:a16="http://schemas.microsoft.com/office/drawing/2014/main" id="{8B7FBEC7-F95D-4966-BE79-BF568C7CDDE4}"/>
+              </a:ext>
+            </a:extLst>
+          </p:cNvPr>
+          <p:cNvCxnSpPr>
+            <a:cxnSpLocks/>
+          </p:cNvCxnSpPr>
+          <p:nvPr/>
+        </p:nvCxnSpPr>
+        <p:spPr>
+          <a:xfrm>
+            <a:off x="575761" y="942398"/>
+            <a:ext cx="651760" cy="0"/>
+          </a:xfrm>
+          <a:prstGeom prst="line">
+            <a:avLst/>
+          </a:prstGeom>
+        </p:spPr>
+        <p:style>
+          <a:lnRef idx="1">
+            <a:schemeClr val="dk1"/>
+          </a:lnRef>
+          <a:fillRef idx="0">
+            <a:schemeClr val="dk1"/>
+          </a:fillRef>
+          <a:effectRef idx="0">
+            <a:schemeClr val="dk1"/>
+          </a:effectRef>
+          <a:fontRef idx="minor">
+            <a:schemeClr val="tx1"/>
+          </a:fontRef>
+        </p:style>
+      </p:cxnSp>
+      <p:sp>
+        <p:nvSpPr>
+          <p:cNvPr id="8" name="텍스트 상자 12">
+            <a:extLst>
+              <a:ext uri="{FF2B5EF4-FFF2-40B4-BE49-F238E27FC236}">
+                <a16:creationId xmlns:a16="http://schemas.microsoft.com/office/drawing/2014/main" id="{3229EB50-51D6-480B-9438-45233E5B8B1C}"/>
+              </a:ext>
+            </a:extLst>
+          </p:cNvPr>
+          <p:cNvSpPr txBox="1"/>
+          <p:nvPr/>
+        </p:nvSpPr>
+        <p:spPr>
+          <a:xfrm>
+            <a:off x="4330175" y="866837"/>
+            <a:ext cx="7115504" cy="966675"/>
+          </a:xfrm>
+          <a:prstGeom prst="rect">
+            <a:avLst/>
+          </a:prstGeom>
+          <a:noFill/>
+        </p:spPr>
+        <p:txBody>
+          <a:bodyPr wrap="square" rtlCol="0">
+            <a:spAutoFit/>
+          </a:bodyPr>
+          <a:lstStyle/>
+          <a:p>
+            <a:pPr algn="ctr">
+              <a:lnSpc>
+                <a:spcPct val="150000"/>
+              </a:lnSpc>
+            </a:pPr>
+            <a:r>
+              <a:rPr kumimoji="1" lang="en-US" altLang="ko-KR" sz="2000" spc="-150" dirty="0">
+                <a:solidFill>
+                  <a:schemeClr val="tx1">
+                    <a:lumMod val="95000"/>
+                    <a:lumOff val="5000"/>
+                  </a:schemeClr>
+                </a:solidFill>
+                <a:latin typeface="Consolas" panose="020B0609020204030204" pitchFamily="49" charset="0"/>
+                <a:ea typeface="Noto Sans CJK KR DemiLight" charset="-127"/>
+                <a:cs typeface="Noto Sans CJK KR DemiLight" charset="-127"/>
+              </a:rPr>
+              <a:t>(</a:t>
+            </a:r>
+            <a:r>
+              <a:rPr kumimoji="1" lang="ko-KR" altLang="en-US" sz="2000" spc="-150" dirty="0">
+                <a:solidFill>
+                  <a:schemeClr val="tx1">
+                    <a:lumMod val="95000"/>
+                    <a:lumOff val="5000"/>
+                  </a:schemeClr>
+                </a:solidFill>
+                <a:latin typeface="Consolas" panose="020B0609020204030204" pitchFamily="49" charset="0"/>
+                <a:ea typeface="Noto Sans CJK KR DemiLight" charset="-127"/>
+                <a:cs typeface="Noto Sans CJK KR DemiLight" charset="-127"/>
+              </a:rPr>
+              <a:t>빨강 주황 노랑 초록 파랑 남색 보라</a:t>
+            </a:r>
+            <a:r>
+              <a:rPr kumimoji="1" lang="en-US" altLang="ko-KR" sz="2000" spc="-150" dirty="0">
+                <a:solidFill>
+                  <a:schemeClr val="tx1">
+                    <a:lumMod val="95000"/>
+                    <a:lumOff val="5000"/>
+                  </a:schemeClr>
+                </a:solidFill>
+                <a:latin typeface="Consolas" panose="020B0609020204030204" pitchFamily="49" charset="0"/>
+                <a:ea typeface="Noto Sans CJK KR DemiLight" charset="-127"/>
+                <a:cs typeface="Noto Sans CJK KR DemiLight" charset="-127"/>
+              </a:rPr>
+              <a:t>)</a:t>
+            </a:r>
+          </a:p>
+          <a:p>
+            <a:pPr algn="ctr">
+              <a:lnSpc>
+                <a:spcPct val="150000"/>
+              </a:lnSpc>
+            </a:pPr>
+            <a:r>
+              <a:rPr kumimoji="1" lang="ko-KR" altLang="en-US" sz="2000" spc="-150" dirty="0">
+                <a:solidFill>
+                  <a:schemeClr val="tx1">
+                    <a:lumMod val="95000"/>
+                    <a:lumOff val="5000"/>
+                  </a:schemeClr>
+                </a:solidFill>
+                <a:latin typeface="Consolas" panose="020B0609020204030204" pitchFamily="49" charset="0"/>
+                <a:ea typeface="Noto Sans CJK KR DemiLight" charset="-127"/>
+                <a:cs typeface="Noto Sans CJK KR DemiLight" charset="-127"/>
+              </a:rPr>
+              <a:t>배열과 비슷하다</a:t>
+            </a:r>
+            <a:r>
+              <a:rPr kumimoji="1" lang="en-US" altLang="ko-KR" sz="2000" spc="-150" dirty="0">
+                <a:solidFill>
+                  <a:schemeClr val="tx1">
+                    <a:lumMod val="95000"/>
+                    <a:lumOff val="5000"/>
+                  </a:schemeClr>
+                </a:solidFill>
+                <a:latin typeface="Consolas" panose="020B0609020204030204" pitchFamily="49" charset="0"/>
+                <a:ea typeface="Noto Sans CJK KR DemiLight" charset="-127"/>
+                <a:cs typeface="Noto Sans CJK KR DemiLight" charset="-127"/>
+              </a:rPr>
+              <a:t>.</a:t>
+            </a:r>
+          </a:p>
+        </p:txBody>
+      </p:sp>
+      <p:pic>
+        <p:nvPicPr>
+          <p:cNvPr id="3" name="그림 2">
+            <a:extLst>
+              <a:ext uri="{FF2B5EF4-FFF2-40B4-BE49-F238E27FC236}">
+                <a16:creationId xmlns:a16="http://schemas.microsoft.com/office/drawing/2014/main" id="{3DD23AB6-9B97-4A8D-B1B0-0F9CDC85EE03}"/>
+              </a:ext>
+            </a:extLst>
+          </p:cNvPr>
+          <p:cNvPicPr>
+            <a:picLocks noChangeAspect="1"/>
+          </p:cNvPicPr>
+          <p:nvPr/>
+        </p:nvPicPr>
+        <p:blipFill>
+          <a:blip r:embed="rId3"/>
+          <a:stretch>
+            <a:fillRect/>
+          </a:stretch>
+        </p:blipFill>
+        <p:spPr>
+          <a:xfrm>
+            <a:off x="454598" y="942398"/>
+            <a:ext cx="3255554" cy="5856360"/>
+          </a:xfrm>
+          <a:prstGeom prst="rect">
+            <a:avLst/>
+          </a:prstGeom>
+        </p:spPr>
+      </p:pic>
+      <p:pic>
+        <p:nvPicPr>
+          <p:cNvPr id="4" name="그림 3">
+            <a:extLst>
+              <a:ext uri="{FF2B5EF4-FFF2-40B4-BE49-F238E27FC236}">
+                <a16:creationId xmlns:a16="http://schemas.microsoft.com/office/drawing/2014/main" id="{EF172E3D-1AB4-45CA-918C-410CD33C6D17}"/>
+              </a:ext>
+            </a:extLst>
+          </p:cNvPr>
+          <p:cNvPicPr>
+            <a:picLocks noChangeAspect="1"/>
+          </p:cNvPicPr>
+          <p:nvPr/>
+        </p:nvPicPr>
+        <p:blipFill>
+          <a:blip r:embed="rId4"/>
+          <a:stretch>
+            <a:fillRect/>
+          </a:stretch>
+        </p:blipFill>
+        <p:spPr>
+          <a:xfrm>
+            <a:off x="3763020" y="2146124"/>
+            <a:ext cx="8249814" cy="4220066"/>
+          </a:xfrm>
+          <a:prstGeom prst="rect">
+            <a:avLst/>
+          </a:prstGeom>
+        </p:spPr>
+      </p:pic>
+    </p:spTree>
+    <p:extLst>
+      <p:ext uri="{BB962C8B-B14F-4D97-AF65-F5344CB8AC3E}">
+        <p14:creationId xmlns:p14="http://schemas.microsoft.com/office/powerpoint/2010/main" val="2178335020"/>
+      </p:ext>
+    </p:extLst>
+  </p:cSld>
+  <p:clrMapOvr>
+    <a:masterClrMapping/>
+  </p:clrMapOvr>
+</p:sld>
+</file>
+
+<file path=ppt/slides/slide31.xml><?xml version="1.0" encoding="utf-8"?>
+<p:sld xmlns:a="http://schemas.openxmlformats.org/drawingml/2006/main" xmlns:r="http://schemas.openxmlformats.org/officeDocument/2006/relationships" xmlns:p="http://schemas.openxmlformats.org/presentationml/2006/main">
+  <p:cSld>
+    <p:spTree>
+      <p:nvGrpSpPr>
+        <p:cNvPr id="1" name=""/>
+        <p:cNvGrpSpPr/>
+        <p:nvPr/>
+      </p:nvGrpSpPr>
+      <p:grpSpPr>
+        <a:xfrm>
+          <a:off x="0" y="0"/>
+          <a:ext cx="0" cy="0"/>
+          <a:chOff x="0" y="0"/>
+          <a:chExt cx="0" cy="0"/>
+        </a:xfrm>
+      </p:grpSpPr>
+      <p:sp>
+        <p:nvSpPr>
+          <p:cNvPr id="5" name="텍스트 상자 4"/>
+          <p:cNvSpPr txBox="1"/>
+          <p:nvPr/>
+        </p:nvSpPr>
+        <p:spPr>
+          <a:xfrm>
+            <a:off x="5362171" y="3944867"/>
+            <a:ext cx="1031051" cy="369332"/>
+          </a:xfrm>
+          <a:prstGeom prst="rect">
+            <a:avLst/>
+          </a:prstGeom>
+          <a:noFill/>
+        </p:spPr>
+        <p:txBody>
+          <a:bodyPr wrap="none" rtlCol="0">
+            <a:spAutoFit/>
+          </a:bodyPr>
+          <a:lstStyle/>
+          <a:p>
+            <a:pPr algn="ctr"/>
+            <a:r>
+              <a:rPr kumimoji="1" lang="ko-KR" altLang="en-US" dirty="0" err="1">
+                <a:latin typeface="Noto Sans CJK KR DemiLight" charset="-127"/>
+                <a:ea typeface="Noto Sans CJK KR DemiLight" charset="-127"/>
+                <a:cs typeface="Noto Sans CJK KR DemiLight" charset="-127"/>
+              </a:rPr>
+              <a:t>ㅁㄴㅇㄹ</a:t>
+            </a:r>
+            <a:endParaRPr kumimoji="1" lang="ko-KR" altLang="en-US" dirty="0">
+              <a:latin typeface="Noto Sans CJK KR DemiLight" charset="-127"/>
+              <a:ea typeface="Noto Sans CJK KR DemiLight" charset="-127"/>
+              <a:cs typeface="Noto Sans CJK KR DemiLight" charset="-127"/>
+            </a:endParaRPr>
+          </a:p>
+        </p:txBody>
+      </p:sp>
+      <p:sp>
+        <p:nvSpPr>
+          <p:cNvPr id="7" name="텍스트 상자 6"/>
+          <p:cNvSpPr txBox="1"/>
+          <p:nvPr/>
+        </p:nvSpPr>
+        <p:spPr>
+          <a:xfrm>
+            <a:off x="3602903" y="2820054"/>
+            <a:ext cx="4549643" cy="769441"/>
+          </a:xfrm>
+          <a:prstGeom prst="rect">
+            <a:avLst/>
+          </a:prstGeom>
+          <a:noFill/>
+        </p:spPr>
+        <p:txBody>
+          <a:bodyPr wrap="none" rtlCol="0">
+            <a:spAutoFit/>
+          </a:bodyPr>
+          <a:lstStyle/>
+          <a:p>
+            <a:pPr algn="ctr"/>
+            <a:r>
+              <a:rPr kumimoji="1" lang="en-US" altLang="ko-KR" sz="4400" b="1" dirty="0" err="1">
+                <a:latin typeface="Noto Sans CJK KR" charset="-127"/>
+                <a:ea typeface="Noto Sans CJK KR" charset="-127"/>
+                <a:cs typeface="Noto Sans CJK KR" charset="-127"/>
+              </a:rPr>
+              <a:t>TinyDB</a:t>
+            </a:r>
+            <a:r>
+              <a:rPr kumimoji="1" lang="en-US" altLang="ko-KR" sz="4400" b="1" dirty="0">
+                <a:latin typeface="Noto Sans CJK KR" charset="-127"/>
+                <a:ea typeface="Noto Sans CJK KR" charset="-127"/>
+                <a:cs typeface="Noto Sans CJK KR" charset="-127"/>
+              </a:rPr>
+              <a:t> </a:t>
+            </a:r>
+            <a:r>
+              <a:rPr kumimoji="1" lang="ko-KR" altLang="en-US" sz="4400" b="1" dirty="0">
+                <a:latin typeface="Noto Sans CJK KR" charset="-127"/>
+                <a:ea typeface="Noto Sans CJK KR" charset="-127"/>
+                <a:cs typeface="Noto Sans CJK KR" charset="-127"/>
+              </a:rPr>
+              <a:t>활용하기</a:t>
+            </a:r>
+          </a:p>
+        </p:txBody>
+      </p:sp>
+      <p:cxnSp>
+        <p:nvCxnSpPr>
+          <p:cNvPr id="9" name="직선 연결선[R] 8"/>
+          <p:cNvCxnSpPr>
+            <a:cxnSpLocks/>
+          </p:cNvCxnSpPr>
+          <p:nvPr/>
+        </p:nvCxnSpPr>
+        <p:spPr>
+          <a:xfrm>
+            <a:off x="4639951" y="3771497"/>
+            <a:ext cx="2541433" cy="0"/>
+          </a:xfrm>
+          <a:prstGeom prst="line">
+            <a:avLst/>
+          </a:prstGeom>
+        </p:spPr>
+        <p:style>
+          <a:lnRef idx="1">
+            <a:schemeClr val="dk1"/>
+          </a:lnRef>
+          <a:fillRef idx="0">
+            <a:schemeClr val="dk1"/>
+          </a:fillRef>
+          <a:effectRef idx="0">
+            <a:schemeClr val="dk1"/>
+          </a:effectRef>
+          <a:fontRef idx="minor">
+            <a:schemeClr val="tx1"/>
+          </a:fontRef>
+        </p:style>
+      </p:cxnSp>
+    </p:spTree>
+    <p:extLst>
+      <p:ext uri="{BB962C8B-B14F-4D97-AF65-F5344CB8AC3E}">
+        <p14:creationId xmlns:p14="http://schemas.microsoft.com/office/powerpoint/2010/main" val="375214117"/>
+      </p:ext>
+    </p:extLst>
+  </p:cSld>
+  <p:clrMapOvr>
+    <a:masterClrMapping/>
+  </p:clrMapOvr>
+</p:sld>
+</file>
+
+<file path=ppt/slides/slide32.xml><?xml version="1.0" encoding="utf-8"?>
+<p:sld xmlns:a="http://schemas.openxmlformats.org/drawingml/2006/main" xmlns:r="http://schemas.openxmlformats.org/officeDocument/2006/relationships" xmlns:p="http://schemas.openxmlformats.org/presentationml/2006/main">
+  <p:cSld>
+    <p:spTree>
+      <p:nvGrpSpPr>
+        <p:cNvPr id="1" name=""/>
+        <p:cNvGrpSpPr/>
+        <p:nvPr/>
+      </p:nvGrpSpPr>
+      <p:grpSpPr>
+        <a:xfrm>
+          <a:off x="0" y="0"/>
+          <a:ext cx="0" cy="0"/>
+          <a:chOff x="0" y="0"/>
+          <a:chExt cx="0" cy="0"/>
+        </a:xfrm>
+      </p:grpSpPr>
+      <p:sp>
+        <p:nvSpPr>
+          <p:cNvPr id="9" name="Rectangle 8"/>
+          <p:cNvSpPr>
+            <a:spLocks noGrp="1" noRot="1" noChangeAspect="1" noMove="1" noResize="1" noEditPoints="1" noAdjustHandles="1" noChangeArrowheads="1" noChangeShapeType="1" noTextEdit="1"/>
+          </p:cNvSpPr>
+          <p:nvPr>
+            <p:extLst>
+              <p:ext uri="{386F3935-93C4-4BCD-93E2-E3B085C9AB24}">
+                <p16:designElem xmlns:p16="http://schemas.microsoft.com/office/powerpoint/2015/main" val="1"/>
+              </p:ext>
+            </p:extLst>
+          </p:nvPr>
+        </p:nvSpPr>
+        <p:spPr bwMode="white">
+          <a:xfrm>
+            <a:off x="0" y="0"/>
+            <a:ext cx="12192000" cy="6858000"/>
+          </a:xfrm>
+          <a:prstGeom prst="rect">
+            <a:avLst/>
+          </a:prstGeom>
+          <a:solidFill>
+            <a:schemeClr val="bg1"/>
+          </a:solidFill>
+          <a:ln>
+            <a:noFill/>
+          </a:ln>
+          <a:effectLst/>
+        </p:spPr>
+      </p:sp>
+      <p:sp>
+        <p:nvSpPr>
+          <p:cNvPr id="10" name="텍스트 상자 6">
+            <a:extLst>
+              <a:ext uri="{FF2B5EF4-FFF2-40B4-BE49-F238E27FC236}">
+                <a16:creationId xmlns:a16="http://schemas.microsoft.com/office/drawing/2014/main" id="{0154DA88-CBF7-4050-86DD-70A40DC7613A}"/>
+              </a:ext>
+            </a:extLst>
+          </p:cNvPr>
+          <p:cNvSpPr txBox="1"/>
+          <p:nvPr/>
+        </p:nvSpPr>
+        <p:spPr>
+          <a:xfrm>
+            <a:off x="454598" y="297932"/>
+            <a:ext cx="5084354" cy="584775"/>
+          </a:xfrm>
+          <a:prstGeom prst="rect">
+            <a:avLst/>
+          </a:prstGeom>
+          <a:noFill/>
+        </p:spPr>
+        <p:txBody>
+          <a:bodyPr wrap="square" rtlCol="0">
+            <a:spAutoFit/>
+          </a:bodyPr>
+          <a:lstStyle/>
+          <a:p>
+            <a:r>
+              <a:rPr kumimoji="1" lang="en-US" altLang="ko-KR" sz="3200" b="1" dirty="0" err="1">
+                <a:latin typeface="Noto Sans CJK KR" charset="-127"/>
+                <a:ea typeface="Noto Sans CJK KR" charset="-127"/>
+                <a:cs typeface="Noto Sans CJK KR" charset="-127"/>
+              </a:rPr>
+              <a:t>TinyDB</a:t>
+            </a:r>
+            <a:r>
+              <a:rPr kumimoji="1" lang="en-US" altLang="ko-KR" sz="3200" b="1" dirty="0">
+                <a:latin typeface="Noto Sans CJK KR" charset="-127"/>
+                <a:ea typeface="Noto Sans CJK KR" charset="-127"/>
+                <a:cs typeface="Noto Sans CJK KR" charset="-127"/>
+              </a:rPr>
+              <a:t> </a:t>
+            </a:r>
+            <a:r>
+              <a:rPr kumimoji="1" lang="ko-KR" altLang="en-US" sz="3200" b="1" dirty="0">
+                <a:latin typeface="Noto Sans CJK KR" charset="-127"/>
+                <a:ea typeface="Noto Sans CJK KR" charset="-127"/>
+                <a:cs typeface="Noto Sans CJK KR" charset="-127"/>
+              </a:rPr>
+              <a:t>활용하기</a:t>
+            </a:r>
+          </a:p>
+        </p:txBody>
+      </p:sp>
+      <p:cxnSp>
+        <p:nvCxnSpPr>
+          <p:cNvPr id="12" name="직선 연결선[R] 7">
+            <a:extLst>
+              <a:ext uri="{FF2B5EF4-FFF2-40B4-BE49-F238E27FC236}">
+                <a16:creationId xmlns:a16="http://schemas.microsoft.com/office/drawing/2014/main" id="{8B7FBEC7-F95D-4966-BE79-BF568C7CDDE4}"/>
+              </a:ext>
+            </a:extLst>
+          </p:cNvPr>
+          <p:cNvCxnSpPr>
+            <a:cxnSpLocks/>
+          </p:cNvCxnSpPr>
+          <p:nvPr/>
+        </p:nvCxnSpPr>
+        <p:spPr>
+          <a:xfrm>
+            <a:off x="575761" y="942398"/>
+            <a:ext cx="651760" cy="0"/>
+          </a:xfrm>
+          <a:prstGeom prst="line">
+            <a:avLst/>
+          </a:prstGeom>
+        </p:spPr>
+        <p:style>
+          <a:lnRef idx="1">
+            <a:schemeClr val="dk1"/>
+          </a:lnRef>
+          <a:fillRef idx="0">
+            <a:schemeClr val="dk1"/>
+          </a:fillRef>
+          <a:effectRef idx="0">
+            <a:schemeClr val="dk1"/>
+          </a:effectRef>
+          <a:fontRef idx="minor">
+            <a:schemeClr val="tx1"/>
+          </a:fontRef>
+        </p:style>
+      </p:cxnSp>
+      <p:sp>
+        <p:nvSpPr>
+          <p:cNvPr id="8" name="텍스트 상자 12">
+            <a:extLst>
+              <a:ext uri="{FF2B5EF4-FFF2-40B4-BE49-F238E27FC236}">
+                <a16:creationId xmlns:a16="http://schemas.microsoft.com/office/drawing/2014/main" id="{3229EB50-51D6-480B-9438-45233E5B8B1C}"/>
+              </a:ext>
+            </a:extLst>
+          </p:cNvPr>
+          <p:cNvSpPr txBox="1"/>
+          <p:nvPr/>
+        </p:nvSpPr>
+        <p:spPr>
+          <a:xfrm>
+            <a:off x="1873149" y="5809292"/>
+            <a:ext cx="9246795" cy="1890005"/>
+          </a:xfrm>
+          <a:prstGeom prst="rect">
+            <a:avLst/>
+          </a:prstGeom>
+          <a:noFill/>
+        </p:spPr>
+        <p:txBody>
+          <a:bodyPr wrap="square" rtlCol="0">
+            <a:spAutoFit/>
+          </a:bodyPr>
+          <a:lstStyle/>
+          <a:p>
+            <a:pPr>
+              <a:lnSpc>
+                <a:spcPct val="150000"/>
+              </a:lnSpc>
+            </a:pPr>
+            <a:r>
+              <a:rPr kumimoji="1" lang="ko-KR" altLang="en-US" sz="2000" spc="-150" dirty="0">
+                <a:solidFill>
+                  <a:schemeClr val="tx1">
+                    <a:lumMod val="95000"/>
+                    <a:lumOff val="5000"/>
+                  </a:schemeClr>
+                </a:solidFill>
+                <a:latin typeface="Consolas" panose="020B0609020204030204" pitchFamily="49" charset="0"/>
+                <a:ea typeface="Noto Sans CJK KR DemiLight" charset="-127"/>
+                <a:cs typeface="Noto Sans CJK KR DemiLight" charset="-127"/>
+              </a:rPr>
+              <a:t>텍스트 상자를 통해 </a:t>
+            </a:r>
+            <a:r>
+              <a:rPr kumimoji="1" lang="en-US" altLang="ko-KR" sz="2000" spc="-150" dirty="0" err="1">
+                <a:solidFill>
+                  <a:schemeClr val="tx1">
+                    <a:lumMod val="95000"/>
+                    <a:lumOff val="5000"/>
+                  </a:schemeClr>
+                </a:solidFill>
+                <a:latin typeface="Consolas" panose="020B0609020204030204" pitchFamily="49" charset="0"/>
+                <a:ea typeface="Noto Sans CJK KR DemiLight" charset="-127"/>
+                <a:cs typeface="Noto Sans CJK KR DemiLight" charset="-127"/>
+              </a:rPr>
+              <a:t>TinyDB</a:t>
+            </a:r>
+            <a:r>
+              <a:rPr kumimoji="1" lang="ko-KR" altLang="en-US" sz="2000" spc="-150" dirty="0">
+                <a:solidFill>
+                  <a:schemeClr val="tx1">
+                    <a:lumMod val="95000"/>
+                    <a:lumOff val="5000"/>
+                  </a:schemeClr>
+                </a:solidFill>
+                <a:latin typeface="Consolas" panose="020B0609020204030204" pitchFamily="49" charset="0"/>
+                <a:ea typeface="Noto Sans CJK KR DemiLight" charset="-127"/>
+                <a:cs typeface="Noto Sans CJK KR DemiLight" charset="-127"/>
+              </a:rPr>
+              <a:t> 의 태그</a:t>
+            </a:r>
+            <a:r>
+              <a:rPr kumimoji="1" lang="en-US" altLang="ko-KR" sz="2000" spc="-150" dirty="0">
+                <a:solidFill>
+                  <a:schemeClr val="tx1">
+                    <a:lumMod val="95000"/>
+                    <a:lumOff val="5000"/>
+                  </a:schemeClr>
+                </a:solidFill>
+                <a:latin typeface="Consolas" panose="020B0609020204030204" pitchFamily="49" charset="0"/>
+                <a:ea typeface="Noto Sans CJK KR DemiLight" charset="-127"/>
+                <a:cs typeface="Noto Sans CJK KR DemiLight" charset="-127"/>
+              </a:rPr>
+              <a:t>(Tag)</a:t>
+            </a:r>
+            <a:r>
+              <a:rPr kumimoji="1" lang="ko-KR" altLang="en-US" sz="2000" spc="-150" dirty="0">
+                <a:solidFill>
+                  <a:schemeClr val="tx1">
+                    <a:lumMod val="95000"/>
+                    <a:lumOff val="5000"/>
+                  </a:schemeClr>
+                </a:solidFill>
+                <a:latin typeface="Consolas" panose="020B0609020204030204" pitchFamily="49" charset="0"/>
+                <a:ea typeface="Noto Sans CJK KR DemiLight" charset="-127"/>
+                <a:cs typeface="Noto Sans CJK KR DemiLight" charset="-127"/>
+              </a:rPr>
+              <a:t>와 값을 지정해 줄 수 있다</a:t>
+            </a:r>
+            <a:r>
+              <a:rPr kumimoji="1" lang="en-US" altLang="ko-KR" sz="2000" spc="-150" dirty="0">
+                <a:solidFill>
+                  <a:schemeClr val="tx1">
+                    <a:lumMod val="95000"/>
+                    <a:lumOff val="5000"/>
+                  </a:schemeClr>
+                </a:solidFill>
+                <a:latin typeface="Consolas" panose="020B0609020204030204" pitchFamily="49" charset="0"/>
+                <a:ea typeface="Noto Sans CJK KR DemiLight" charset="-127"/>
+                <a:cs typeface="Noto Sans CJK KR DemiLight" charset="-127"/>
+              </a:rPr>
+              <a:t>.</a:t>
+            </a:r>
+          </a:p>
+          <a:p>
+            <a:pPr>
+              <a:lnSpc>
+                <a:spcPct val="150000"/>
+              </a:lnSpc>
+            </a:pPr>
+            <a:r>
+              <a:rPr kumimoji="1" lang="en-US" altLang="ko-KR" sz="2000" spc="-150" dirty="0" err="1">
+                <a:solidFill>
+                  <a:schemeClr val="tx1">
+                    <a:lumMod val="95000"/>
+                    <a:lumOff val="5000"/>
+                  </a:schemeClr>
+                </a:solidFill>
+                <a:latin typeface="Consolas" panose="020B0609020204030204" pitchFamily="49" charset="0"/>
+                <a:ea typeface="Noto Sans CJK KR DemiLight" charset="-127"/>
+                <a:cs typeface="Noto Sans CJK KR DemiLight" charset="-127"/>
+              </a:rPr>
+              <a:t>TinyDB</a:t>
+            </a:r>
+            <a:r>
+              <a:rPr kumimoji="1" lang="en-US" altLang="ko-KR" sz="2000" spc="-150" dirty="0">
+                <a:solidFill>
+                  <a:schemeClr val="tx1">
+                    <a:lumMod val="95000"/>
+                    <a:lumOff val="5000"/>
+                  </a:schemeClr>
+                </a:solidFill>
+                <a:latin typeface="Consolas" panose="020B0609020204030204" pitchFamily="49" charset="0"/>
+                <a:ea typeface="Noto Sans CJK KR DemiLight" charset="-127"/>
+                <a:cs typeface="Noto Sans CJK KR DemiLight" charset="-127"/>
+              </a:rPr>
+              <a:t> </a:t>
+            </a:r>
+            <a:r>
+              <a:rPr kumimoji="1" lang="ko-KR" altLang="en-US" sz="2000" spc="-150" dirty="0">
+                <a:solidFill>
+                  <a:schemeClr val="tx1">
+                    <a:lumMod val="95000"/>
+                    <a:lumOff val="5000"/>
+                  </a:schemeClr>
+                </a:solidFill>
+                <a:latin typeface="Consolas" panose="020B0609020204030204" pitchFamily="49" charset="0"/>
+                <a:ea typeface="Noto Sans CJK KR DemiLight" charset="-127"/>
+                <a:cs typeface="Noto Sans CJK KR DemiLight" charset="-127"/>
+              </a:rPr>
+              <a:t>에 저장되는 값은 태그</a:t>
+            </a:r>
+            <a:r>
+              <a:rPr kumimoji="1" lang="en-US" altLang="ko-KR" sz="2000" spc="-150" dirty="0">
+                <a:solidFill>
+                  <a:schemeClr val="tx1">
+                    <a:lumMod val="95000"/>
+                    <a:lumOff val="5000"/>
+                  </a:schemeClr>
+                </a:solidFill>
+                <a:latin typeface="Consolas" panose="020B0609020204030204" pitchFamily="49" charset="0"/>
+                <a:ea typeface="Noto Sans CJK KR DemiLight" charset="-127"/>
+                <a:cs typeface="Noto Sans CJK KR DemiLight" charset="-127"/>
+              </a:rPr>
+              <a:t>(Tag)</a:t>
+            </a:r>
+            <a:r>
+              <a:rPr kumimoji="1" lang="ko-KR" altLang="en-US" sz="2000" spc="-150" dirty="0">
+                <a:solidFill>
+                  <a:schemeClr val="tx1">
+                    <a:lumMod val="95000"/>
+                    <a:lumOff val="5000"/>
+                  </a:schemeClr>
+                </a:solidFill>
+                <a:latin typeface="Consolas" panose="020B0609020204030204" pitchFamily="49" charset="0"/>
+                <a:ea typeface="Noto Sans CJK KR DemiLight" charset="-127"/>
+                <a:cs typeface="Noto Sans CJK KR DemiLight" charset="-127"/>
+              </a:rPr>
+              <a:t>라는 꼬리표를 붙여 저장할 수 있다</a:t>
+            </a:r>
+            <a:r>
+              <a:rPr kumimoji="1" lang="en-US" altLang="ko-KR" sz="2000" spc="-150" dirty="0">
+                <a:solidFill>
+                  <a:schemeClr val="tx1">
+                    <a:lumMod val="95000"/>
+                    <a:lumOff val="5000"/>
+                  </a:schemeClr>
+                </a:solidFill>
+                <a:latin typeface="Consolas" panose="020B0609020204030204" pitchFamily="49" charset="0"/>
+                <a:ea typeface="Noto Sans CJK KR DemiLight" charset="-127"/>
+                <a:cs typeface="Noto Sans CJK KR DemiLight" charset="-127"/>
+              </a:rPr>
+              <a:t>.</a:t>
+            </a:r>
+          </a:p>
+          <a:p>
+            <a:pPr>
+              <a:lnSpc>
+                <a:spcPct val="150000"/>
+              </a:lnSpc>
+            </a:pPr>
+            <a:r>
+              <a:rPr kumimoji="1" lang="ko-KR" altLang="en-US" sz="2000" spc="-150" dirty="0">
+                <a:solidFill>
+                  <a:schemeClr val="tx1">
+                    <a:lumMod val="95000"/>
+                    <a:lumOff val="5000"/>
+                  </a:schemeClr>
+                </a:solidFill>
+                <a:latin typeface="Consolas" panose="020B0609020204030204" pitchFamily="49" charset="0"/>
+                <a:ea typeface="Noto Sans CJK KR DemiLight" charset="-127"/>
+                <a:cs typeface="Noto Sans CJK KR DemiLight" charset="-127"/>
+              </a:rPr>
+              <a:t>저장한 값은 태그를 통해 불러올 수 있다</a:t>
+            </a:r>
+            <a:r>
+              <a:rPr kumimoji="1" lang="en-US" altLang="ko-KR" sz="2000" spc="-150" dirty="0">
+                <a:solidFill>
+                  <a:schemeClr val="tx1">
+                    <a:lumMod val="95000"/>
+                    <a:lumOff val="5000"/>
+                  </a:schemeClr>
+                </a:solidFill>
+                <a:latin typeface="Consolas" panose="020B0609020204030204" pitchFamily="49" charset="0"/>
+                <a:ea typeface="Noto Sans CJK KR DemiLight" charset="-127"/>
+                <a:cs typeface="Noto Sans CJK KR DemiLight" charset="-127"/>
+              </a:rPr>
+              <a:t>.</a:t>
+            </a:r>
+          </a:p>
+          <a:p>
+            <a:pPr>
+              <a:lnSpc>
+                <a:spcPct val="150000"/>
+              </a:lnSpc>
+            </a:pPr>
+            <a:r>
+              <a:rPr kumimoji="1" lang="ko-KR" altLang="en-US" sz="2000" spc="-150" dirty="0">
+                <a:solidFill>
+                  <a:schemeClr val="tx1">
+                    <a:lumMod val="95000"/>
+                    <a:lumOff val="5000"/>
+                  </a:schemeClr>
+                </a:solidFill>
+                <a:latin typeface="Consolas" panose="020B0609020204030204" pitchFamily="49" charset="0"/>
+                <a:ea typeface="Noto Sans CJK KR DemiLight" charset="-127"/>
+                <a:cs typeface="Noto Sans CJK KR DemiLight" charset="-127"/>
+              </a:rPr>
+              <a:t>만약</a:t>
+            </a:r>
+            <a:r>
+              <a:rPr kumimoji="1" lang="en-US" altLang="ko-KR" sz="2000" spc="-150" dirty="0">
+                <a:solidFill>
+                  <a:schemeClr val="tx1">
+                    <a:lumMod val="95000"/>
+                    <a:lumOff val="5000"/>
+                  </a:schemeClr>
+                </a:solidFill>
+                <a:latin typeface="Consolas" panose="020B0609020204030204" pitchFamily="49" charset="0"/>
+                <a:ea typeface="Noto Sans CJK KR DemiLight" charset="-127"/>
+                <a:cs typeface="Noto Sans CJK KR DemiLight" charset="-127"/>
+              </a:rPr>
+              <a:t>, </a:t>
+            </a:r>
+            <a:r>
+              <a:rPr kumimoji="1" lang="ko-KR" altLang="en-US" sz="2000" spc="-150" dirty="0">
+                <a:solidFill>
+                  <a:schemeClr val="tx1">
+                    <a:lumMod val="95000"/>
+                    <a:lumOff val="5000"/>
+                  </a:schemeClr>
+                </a:solidFill>
+                <a:latin typeface="Consolas" panose="020B0609020204030204" pitchFamily="49" charset="0"/>
+                <a:ea typeface="Noto Sans CJK KR DemiLight" charset="-127"/>
+                <a:cs typeface="Noto Sans CJK KR DemiLight" charset="-127"/>
+              </a:rPr>
+              <a:t>사용자가 불러오려는 태그가 없을 경우 반환 값을 지정해서 출력해 줄 수 있다</a:t>
+            </a:r>
+            <a:r>
+              <a:rPr kumimoji="1" lang="en-US" altLang="ko-KR" sz="2000" spc="-150" dirty="0">
+                <a:solidFill>
+                  <a:schemeClr val="tx1">
+                    <a:lumMod val="95000"/>
+                    <a:lumOff val="5000"/>
+                  </a:schemeClr>
+                </a:solidFill>
+                <a:latin typeface="Consolas" panose="020B0609020204030204" pitchFamily="49" charset="0"/>
+                <a:ea typeface="Noto Sans CJK KR DemiLight" charset="-127"/>
+                <a:cs typeface="Noto Sans CJK KR DemiLight" charset="-127"/>
+              </a:rPr>
+              <a:t>.</a:t>
+            </a:r>
+          </a:p>
+        </p:txBody>
+      </p:sp>
+      <p:sp>
+        <p:nvSpPr>
+          <p:cNvPr id="11" name="텍스트 상자 12">
+            <a:extLst>
+              <a:ext uri="{FF2B5EF4-FFF2-40B4-BE49-F238E27FC236}">
+                <a16:creationId xmlns:a16="http://schemas.microsoft.com/office/drawing/2014/main" id="{05879D4C-85A1-455E-8CF9-1356E14CD423}"/>
+              </a:ext>
+            </a:extLst>
+          </p:cNvPr>
+          <p:cNvSpPr txBox="1"/>
+          <p:nvPr/>
+        </p:nvSpPr>
+        <p:spPr>
+          <a:xfrm>
+            <a:off x="1574362" y="2565301"/>
+            <a:ext cx="8269332" cy="587533"/>
+          </a:xfrm>
+          <a:prstGeom prst="rect">
+            <a:avLst/>
+          </a:prstGeom>
+          <a:noFill/>
+        </p:spPr>
+        <p:txBody>
+          <a:bodyPr wrap="square" rtlCol="0">
+            <a:spAutoFit/>
+          </a:bodyPr>
+          <a:lstStyle/>
+          <a:p>
+            <a:pPr>
+              <a:lnSpc>
+                <a:spcPct val="150000"/>
+              </a:lnSpc>
+            </a:pPr>
+            <a:r>
+              <a:rPr kumimoji="1" lang="en-US" altLang="ko-KR" sz="2400" b="1" spc="-150" dirty="0" err="1">
+                <a:solidFill>
+                  <a:schemeClr val="tx1">
+                    <a:lumMod val="95000"/>
+                    <a:lumOff val="5000"/>
+                  </a:schemeClr>
+                </a:solidFill>
+                <a:latin typeface="Consolas" panose="020B0609020204030204" pitchFamily="49" charset="0"/>
+                <a:ea typeface="Noto Sans CJK KR DemiLight" charset="-127"/>
+                <a:cs typeface="Noto Sans CJK KR DemiLight" charset="-127"/>
+              </a:rPr>
+              <a:t>TinyDB</a:t>
+            </a:r>
+            <a:endParaRPr kumimoji="1" lang="en-US" altLang="ko-KR" sz="2400" b="1" spc="-150" dirty="0">
+              <a:solidFill>
+                <a:schemeClr val="tx1">
+                  <a:lumMod val="95000"/>
+                  <a:lumOff val="5000"/>
+                </a:schemeClr>
+              </a:solidFill>
+              <a:latin typeface="Consolas" panose="020B0609020204030204" pitchFamily="49" charset="0"/>
+              <a:ea typeface="Noto Sans CJK KR DemiLight" charset="-127"/>
+              <a:cs typeface="Noto Sans CJK KR DemiLight" charset="-127"/>
+            </a:endParaRPr>
+          </a:p>
+        </p:txBody>
+      </p:sp>
+      <p:sp>
+        <p:nvSpPr>
+          <p:cNvPr id="14" name="텍스트 상자 12">
+            <a:extLst>
+              <a:ext uri="{FF2B5EF4-FFF2-40B4-BE49-F238E27FC236}">
+                <a16:creationId xmlns:a16="http://schemas.microsoft.com/office/drawing/2014/main" id="{9E4217FD-7991-4CD3-BBE6-A865D2AE4A7A}"/>
+              </a:ext>
+            </a:extLst>
+          </p:cNvPr>
+          <p:cNvSpPr txBox="1"/>
+          <p:nvPr/>
+        </p:nvSpPr>
+        <p:spPr>
+          <a:xfrm>
+            <a:off x="1704983" y="3152834"/>
+            <a:ext cx="9246795" cy="504562"/>
+          </a:xfrm>
+          <a:prstGeom prst="rect">
+            <a:avLst/>
+          </a:prstGeom>
+          <a:noFill/>
+        </p:spPr>
+        <p:txBody>
+          <a:bodyPr wrap="square" rtlCol="0">
+            <a:spAutoFit/>
+          </a:bodyPr>
+          <a:lstStyle/>
+          <a:p>
+            <a:pPr>
+              <a:lnSpc>
+                <a:spcPct val="150000"/>
+              </a:lnSpc>
+            </a:pPr>
+            <a:r>
+              <a:rPr kumimoji="1" lang="en-US" altLang="ko-KR" sz="2000" spc="-150" dirty="0" err="1">
+                <a:solidFill>
+                  <a:schemeClr val="tx1">
+                    <a:lumMod val="95000"/>
+                    <a:lumOff val="5000"/>
+                  </a:schemeClr>
+                </a:solidFill>
+                <a:latin typeface="Consolas" panose="020B0609020204030204" pitchFamily="49" charset="0"/>
+                <a:ea typeface="Noto Sans CJK KR DemiLight" charset="-127"/>
+                <a:cs typeface="Noto Sans CJK KR DemiLight" charset="-127"/>
+              </a:rPr>
+              <a:t>TinyDB</a:t>
+            </a:r>
+            <a:r>
+              <a:rPr kumimoji="1" lang="en-US" altLang="ko-KR" sz="2000" spc="-150" dirty="0">
+                <a:solidFill>
+                  <a:schemeClr val="tx1">
+                    <a:lumMod val="95000"/>
+                    <a:lumOff val="5000"/>
+                  </a:schemeClr>
+                </a:solidFill>
+                <a:latin typeface="Consolas" panose="020B0609020204030204" pitchFamily="49" charset="0"/>
+                <a:ea typeface="Noto Sans CJK KR DemiLight" charset="-127"/>
+                <a:cs typeface="Noto Sans CJK KR DemiLight" charset="-127"/>
+              </a:rPr>
+              <a:t> </a:t>
+            </a:r>
+            <a:r>
+              <a:rPr kumimoji="1" lang="ko-KR" altLang="en-US" sz="2000" spc="-150" dirty="0">
+                <a:solidFill>
+                  <a:schemeClr val="tx1">
+                    <a:lumMod val="95000"/>
+                    <a:lumOff val="5000"/>
+                  </a:schemeClr>
+                </a:solidFill>
+                <a:latin typeface="Consolas" panose="020B0609020204030204" pitchFamily="49" charset="0"/>
+                <a:ea typeface="Noto Sans CJK KR DemiLight" charset="-127"/>
+                <a:cs typeface="Noto Sans CJK KR DemiLight" charset="-127"/>
+              </a:rPr>
+              <a:t>는 </a:t>
+            </a:r>
+            <a:endParaRPr kumimoji="1" lang="en-US" altLang="ko-KR" sz="2000" spc="-150" dirty="0">
+              <a:solidFill>
+                <a:schemeClr val="tx1">
+                  <a:lumMod val="95000"/>
+                  <a:lumOff val="5000"/>
+                </a:schemeClr>
+              </a:solidFill>
+              <a:latin typeface="Consolas" panose="020B0609020204030204" pitchFamily="49" charset="0"/>
+              <a:ea typeface="Noto Sans CJK KR DemiLight" charset="-127"/>
+              <a:cs typeface="Noto Sans CJK KR DemiLight" charset="-127"/>
+            </a:endParaRPr>
+          </a:p>
+        </p:txBody>
+      </p:sp>
+    </p:spTree>
+    <p:extLst>
+      <p:ext uri="{BB962C8B-B14F-4D97-AF65-F5344CB8AC3E}">
+        <p14:creationId xmlns:p14="http://schemas.microsoft.com/office/powerpoint/2010/main" val="2235872185"/>
+      </p:ext>
+    </p:extLst>
+  </p:cSld>
+  <p:clrMapOvr>
+    <a:masterClrMapping/>
+  </p:clrMapOvr>
+</p:sld>
+</file>
+
+<file path=ppt/slides/slide33.xml><?xml version="1.0" encoding="utf-8"?>
+<p:sld xmlns:a="http://schemas.openxmlformats.org/drawingml/2006/main" xmlns:r="http://schemas.openxmlformats.org/officeDocument/2006/relationships" xmlns:p="http://schemas.openxmlformats.org/presentationml/2006/main">
+  <p:cSld>
+    <p:spTree>
+      <p:nvGrpSpPr>
+        <p:cNvPr id="1" name=""/>
+        <p:cNvGrpSpPr/>
+        <p:nvPr/>
+      </p:nvGrpSpPr>
+      <p:grpSpPr>
+        <a:xfrm>
+          <a:off x="0" y="0"/>
+          <a:ext cx="0" cy="0"/>
+          <a:chOff x="0" y="0"/>
+          <a:chExt cx="0" cy="0"/>
+        </a:xfrm>
+      </p:grpSpPr>
+      <p:sp>
+        <p:nvSpPr>
+          <p:cNvPr id="9" name="Rectangle 8"/>
+          <p:cNvSpPr>
+            <a:spLocks noGrp="1" noRot="1" noChangeAspect="1" noMove="1" noResize="1" noEditPoints="1" noAdjustHandles="1" noChangeArrowheads="1" noChangeShapeType="1" noTextEdit="1"/>
+          </p:cNvSpPr>
+          <p:nvPr>
+            <p:extLst>
+              <p:ext uri="{386F3935-93C4-4BCD-93E2-E3B085C9AB24}">
+                <p16:designElem xmlns:p16="http://schemas.microsoft.com/office/powerpoint/2015/main" val="1"/>
+              </p:ext>
+            </p:extLst>
+          </p:nvPr>
+        </p:nvSpPr>
+        <p:spPr bwMode="white">
+          <a:xfrm>
+            <a:off x="0" y="0"/>
+            <a:ext cx="12192000" cy="6858000"/>
+          </a:xfrm>
+          <a:prstGeom prst="rect">
+            <a:avLst/>
+          </a:prstGeom>
+          <a:solidFill>
+            <a:schemeClr val="bg1"/>
+          </a:solidFill>
+          <a:ln>
+            <a:noFill/>
+          </a:ln>
+          <a:effectLst/>
+        </p:spPr>
+      </p:sp>
+      <p:cxnSp>
+        <p:nvCxnSpPr>
+          <p:cNvPr id="12" name="직선 연결선[R] 7">
+            <a:extLst>
+              <a:ext uri="{FF2B5EF4-FFF2-40B4-BE49-F238E27FC236}">
+                <a16:creationId xmlns:a16="http://schemas.microsoft.com/office/drawing/2014/main" id="{8B7FBEC7-F95D-4966-BE79-BF568C7CDDE4}"/>
+              </a:ext>
+            </a:extLst>
+          </p:cNvPr>
+          <p:cNvCxnSpPr>
+            <a:cxnSpLocks/>
+          </p:cNvCxnSpPr>
+          <p:nvPr/>
+        </p:nvCxnSpPr>
+        <p:spPr>
+          <a:xfrm>
+            <a:off x="575761" y="942398"/>
+            <a:ext cx="651760" cy="0"/>
+          </a:xfrm>
+          <a:prstGeom prst="line">
+            <a:avLst/>
+          </a:prstGeom>
+        </p:spPr>
+        <p:style>
+          <a:lnRef idx="1">
+            <a:schemeClr val="dk1"/>
+          </a:lnRef>
+          <a:fillRef idx="0">
+            <a:schemeClr val="dk1"/>
+          </a:fillRef>
+          <a:effectRef idx="0">
+            <a:schemeClr val="dk1"/>
+          </a:effectRef>
+          <a:fontRef idx="minor">
+            <a:schemeClr val="tx1"/>
+          </a:fontRef>
+        </p:style>
+      </p:cxnSp>
+      <p:sp>
+        <p:nvSpPr>
+          <p:cNvPr id="6" name="텍스트 상자 6">
+            <a:extLst>
+              <a:ext uri="{FF2B5EF4-FFF2-40B4-BE49-F238E27FC236}">
+                <a16:creationId xmlns:a16="http://schemas.microsoft.com/office/drawing/2014/main" id="{B47ADEBB-7C17-4832-B68F-FB6B240BD82D}"/>
+              </a:ext>
+            </a:extLst>
+          </p:cNvPr>
+          <p:cNvSpPr txBox="1"/>
+          <p:nvPr/>
+        </p:nvSpPr>
+        <p:spPr>
+          <a:xfrm>
+            <a:off x="454598" y="297932"/>
+            <a:ext cx="5084354" cy="584775"/>
+          </a:xfrm>
+          <a:prstGeom prst="rect">
+            <a:avLst/>
+          </a:prstGeom>
+          <a:noFill/>
+        </p:spPr>
+        <p:txBody>
+          <a:bodyPr wrap="square" rtlCol="0">
+            <a:spAutoFit/>
+          </a:bodyPr>
+          <a:lstStyle/>
+          <a:p>
+            <a:r>
+              <a:rPr kumimoji="1" lang="en-US" altLang="ko-KR" sz="3200" b="1" dirty="0" err="1">
+                <a:latin typeface="Noto Sans CJK KR" charset="-127"/>
+                <a:ea typeface="Noto Sans CJK KR" charset="-127"/>
+                <a:cs typeface="Noto Sans CJK KR" charset="-127"/>
+              </a:rPr>
+              <a:t>TinyDB</a:t>
+            </a:r>
+            <a:r>
+              <a:rPr kumimoji="1" lang="en-US" altLang="ko-KR" sz="3200" b="1" dirty="0">
+                <a:latin typeface="Noto Sans CJK KR" charset="-127"/>
+                <a:ea typeface="Noto Sans CJK KR" charset="-127"/>
+                <a:cs typeface="Noto Sans CJK KR" charset="-127"/>
+              </a:rPr>
+              <a:t> </a:t>
+            </a:r>
+            <a:r>
+              <a:rPr kumimoji="1" lang="ko-KR" altLang="en-US" sz="3200" b="1" dirty="0">
+                <a:latin typeface="Noto Sans CJK KR" charset="-127"/>
+                <a:ea typeface="Noto Sans CJK KR" charset="-127"/>
+                <a:cs typeface="Noto Sans CJK KR" charset="-127"/>
+              </a:rPr>
+              <a:t>활용하기</a:t>
+            </a:r>
+          </a:p>
+        </p:txBody>
+      </p:sp>
+      <p:pic>
+        <p:nvPicPr>
+          <p:cNvPr id="3" name="그림 2">
+            <a:extLst>
+              <a:ext uri="{FF2B5EF4-FFF2-40B4-BE49-F238E27FC236}">
+                <a16:creationId xmlns:a16="http://schemas.microsoft.com/office/drawing/2014/main" id="{676EECA1-26A1-47F3-B53B-19B657D9B5AE}"/>
+              </a:ext>
+            </a:extLst>
+          </p:cNvPr>
+          <p:cNvPicPr>
+            <a:picLocks noChangeAspect="1"/>
+          </p:cNvPicPr>
+          <p:nvPr/>
+        </p:nvPicPr>
+        <p:blipFill>
+          <a:blip r:embed="rId3"/>
+          <a:stretch>
+            <a:fillRect/>
+          </a:stretch>
+        </p:blipFill>
+        <p:spPr>
+          <a:xfrm>
+            <a:off x="1855076" y="1180639"/>
+            <a:ext cx="8481848" cy="5117653"/>
+          </a:xfrm>
+          <a:prstGeom prst="rect">
+            <a:avLst/>
+          </a:prstGeom>
+        </p:spPr>
+      </p:pic>
+    </p:spTree>
+    <p:extLst>
+      <p:ext uri="{BB962C8B-B14F-4D97-AF65-F5344CB8AC3E}">
+        <p14:creationId xmlns:p14="http://schemas.microsoft.com/office/powerpoint/2010/main" val="212544216"/>
+      </p:ext>
+    </p:extLst>
+  </p:cSld>
+  <p:clrMapOvr>
+    <a:masterClrMapping/>
+  </p:clrMapOvr>
+</p:sld>
+</file>
+
+<file path=ppt/slides/slide34.xml><?xml version="1.0" encoding="utf-8"?>
+<p:sld xmlns:a="http://schemas.openxmlformats.org/drawingml/2006/main" xmlns:r="http://schemas.openxmlformats.org/officeDocument/2006/relationships" xmlns:p="http://schemas.openxmlformats.org/presentationml/2006/main">
+  <p:cSld>
+    <p:spTree>
+      <p:nvGrpSpPr>
+        <p:cNvPr id="1" name=""/>
+        <p:cNvGrpSpPr/>
+        <p:nvPr/>
+      </p:nvGrpSpPr>
+      <p:grpSpPr>
+        <a:xfrm>
+          <a:off x="0" y="0"/>
+          <a:ext cx="0" cy="0"/>
+          <a:chOff x="0" y="0"/>
+          <a:chExt cx="0" cy="0"/>
+        </a:xfrm>
+      </p:grpSpPr>
+      <p:sp>
+        <p:nvSpPr>
+          <p:cNvPr id="9" name="Rectangle 8"/>
+          <p:cNvSpPr>
+            <a:spLocks noGrp="1" noRot="1" noChangeAspect="1" noMove="1" noResize="1" noEditPoints="1" noAdjustHandles="1" noChangeArrowheads="1" noChangeShapeType="1" noTextEdit="1"/>
+          </p:cNvSpPr>
+          <p:nvPr>
+            <p:extLst>
+              <p:ext uri="{386F3935-93C4-4BCD-93E2-E3B085C9AB24}">
+                <p16:designElem xmlns:p16="http://schemas.microsoft.com/office/powerpoint/2015/main" val="1"/>
+              </p:ext>
+            </p:extLst>
+          </p:nvPr>
+        </p:nvSpPr>
+        <p:spPr bwMode="white">
+          <a:xfrm>
+            <a:off x="0" y="0"/>
+            <a:ext cx="12192000" cy="6858000"/>
+          </a:xfrm>
+          <a:prstGeom prst="rect">
+            <a:avLst/>
+          </a:prstGeom>
+          <a:solidFill>
+            <a:schemeClr val="bg1"/>
+          </a:solidFill>
+          <a:ln>
+            <a:noFill/>
+          </a:ln>
+          <a:effectLst/>
+        </p:spPr>
+      </p:sp>
+      <p:cxnSp>
+        <p:nvCxnSpPr>
+          <p:cNvPr id="12" name="직선 연결선[R] 7">
+            <a:extLst>
+              <a:ext uri="{FF2B5EF4-FFF2-40B4-BE49-F238E27FC236}">
+                <a16:creationId xmlns:a16="http://schemas.microsoft.com/office/drawing/2014/main" id="{8B7FBEC7-F95D-4966-BE79-BF568C7CDDE4}"/>
+              </a:ext>
+            </a:extLst>
+          </p:cNvPr>
+          <p:cNvCxnSpPr>
+            <a:cxnSpLocks/>
+          </p:cNvCxnSpPr>
+          <p:nvPr/>
+        </p:nvCxnSpPr>
+        <p:spPr>
+          <a:xfrm>
+            <a:off x="575761" y="942398"/>
+            <a:ext cx="651760" cy="0"/>
+          </a:xfrm>
+          <a:prstGeom prst="line">
+            <a:avLst/>
+          </a:prstGeom>
+        </p:spPr>
+        <p:style>
+          <a:lnRef idx="1">
+            <a:schemeClr val="dk1"/>
+          </a:lnRef>
+          <a:fillRef idx="0">
+            <a:schemeClr val="dk1"/>
+          </a:fillRef>
+          <a:effectRef idx="0">
+            <a:schemeClr val="dk1"/>
+          </a:effectRef>
+          <a:fontRef idx="minor">
+            <a:schemeClr val="tx1"/>
+          </a:fontRef>
+        </p:style>
+      </p:cxnSp>
+      <p:sp>
+        <p:nvSpPr>
+          <p:cNvPr id="11" name="텍스트 상자 6">
+            <a:extLst>
+              <a:ext uri="{FF2B5EF4-FFF2-40B4-BE49-F238E27FC236}">
+                <a16:creationId xmlns:a16="http://schemas.microsoft.com/office/drawing/2014/main" id="{8EEE588A-9402-4DB1-85D6-8E383FC0AF21}"/>
+              </a:ext>
+            </a:extLst>
+          </p:cNvPr>
+          <p:cNvSpPr txBox="1"/>
+          <p:nvPr/>
+        </p:nvSpPr>
+        <p:spPr>
+          <a:xfrm>
+            <a:off x="454598" y="297932"/>
+            <a:ext cx="5084354" cy="584775"/>
+          </a:xfrm>
+          <a:prstGeom prst="rect">
+            <a:avLst/>
+          </a:prstGeom>
+          <a:noFill/>
+        </p:spPr>
+        <p:txBody>
+          <a:bodyPr wrap="square" rtlCol="0">
+            <a:spAutoFit/>
+          </a:bodyPr>
+          <a:lstStyle/>
+          <a:p>
+            <a:r>
+              <a:rPr kumimoji="1" lang="en-US" altLang="ko-KR" sz="3200" b="1" dirty="0" err="1">
+                <a:latin typeface="Noto Sans CJK KR" charset="-127"/>
+                <a:ea typeface="Noto Sans CJK KR" charset="-127"/>
+                <a:cs typeface="Noto Sans CJK KR" charset="-127"/>
+              </a:rPr>
+              <a:t>TinyDB</a:t>
+            </a:r>
+            <a:r>
+              <a:rPr kumimoji="1" lang="en-US" altLang="ko-KR" sz="3200" b="1" dirty="0">
+                <a:latin typeface="Noto Sans CJK KR" charset="-127"/>
+                <a:ea typeface="Noto Sans CJK KR" charset="-127"/>
+                <a:cs typeface="Noto Sans CJK KR" charset="-127"/>
+              </a:rPr>
+              <a:t> </a:t>
+            </a:r>
+            <a:r>
+              <a:rPr kumimoji="1" lang="ko-KR" altLang="en-US" sz="3200" b="1" dirty="0">
+                <a:latin typeface="Noto Sans CJK KR" charset="-127"/>
+                <a:ea typeface="Noto Sans CJK KR" charset="-127"/>
+                <a:cs typeface="Noto Sans CJK KR" charset="-127"/>
+              </a:rPr>
+              <a:t>활용하기</a:t>
+            </a:r>
+          </a:p>
+        </p:txBody>
+      </p:sp>
+      <p:pic>
+        <p:nvPicPr>
+          <p:cNvPr id="2" name="그림 1">
+            <a:extLst>
+              <a:ext uri="{FF2B5EF4-FFF2-40B4-BE49-F238E27FC236}">
+                <a16:creationId xmlns:a16="http://schemas.microsoft.com/office/drawing/2014/main" id="{E0D9C24F-4A38-4BDE-AC5C-057AA1ADB515}"/>
+              </a:ext>
+            </a:extLst>
+          </p:cNvPr>
+          <p:cNvPicPr>
+            <a:picLocks noChangeAspect="1"/>
+          </p:cNvPicPr>
+          <p:nvPr/>
+        </p:nvPicPr>
+        <p:blipFill>
+          <a:blip r:embed="rId3"/>
+          <a:stretch>
+            <a:fillRect/>
+          </a:stretch>
+        </p:blipFill>
+        <p:spPr>
+          <a:xfrm>
+            <a:off x="3806223" y="2672886"/>
+            <a:ext cx="8289706" cy="2478864"/>
+          </a:xfrm>
+          <a:prstGeom prst="rect">
+            <a:avLst/>
+          </a:prstGeom>
+        </p:spPr>
+      </p:pic>
+      <p:pic>
+        <p:nvPicPr>
+          <p:cNvPr id="5" name="그림 4">
+            <a:extLst>
+              <a:ext uri="{FF2B5EF4-FFF2-40B4-BE49-F238E27FC236}">
+                <a16:creationId xmlns:a16="http://schemas.microsoft.com/office/drawing/2014/main" id="{B664CE5B-A10C-49B4-A099-F5267202E4C5}"/>
+              </a:ext>
+            </a:extLst>
+          </p:cNvPr>
+          <p:cNvPicPr>
+            <a:picLocks noChangeAspect="1"/>
+          </p:cNvPicPr>
+          <p:nvPr/>
+        </p:nvPicPr>
+        <p:blipFill>
+          <a:blip r:embed="rId4"/>
+          <a:stretch>
+            <a:fillRect/>
+          </a:stretch>
+        </p:blipFill>
+        <p:spPr>
+          <a:xfrm>
+            <a:off x="415323" y="936791"/>
+            <a:ext cx="3294829" cy="5951054"/>
+          </a:xfrm>
+          <a:prstGeom prst="rect">
+            <a:avLst/>
+          </a:prstGeom>
+        </p:spPr>
+      </p:pic>
+    </p:spTree>
+    <p:extLst>
+      <p:ext uri="{BB962C8B-B14F-4D97-AF65-F5344CB8AC3E}">
+        <p14:creationId xmlns:p14="http://schemas.microsoft.com/office/powerpoint/2010/main" val="2594319610"/>
+      </p:ext>
+    </p:extLst>
+  </p:cSld>
+  <p:clrMapOvr>
+    <a:masterClrMapping/>
+  </p:clrMapOvr>
+</p:sld>
+</file>
+
+<file path=ppt/slides/slide35.xml><?xml version="1.0" encoding="utf-8"?>
+<p:sld xmlns:a="http://schemas.openxmlformats.org/drawingml/2006/main" xmlns:r="http://schemas.openxmlformats.org/officeDocument/2006/relationships" xmlns:p="http://schemas.openxmlformats.org/presentationml/2006/main">
+  <p:cSld>
+    <p:spTree>
+      <p:nvGrpSpPr>
+        <p:cNvPr id="1" name=""/>
+        <p:cNvGrpSpPr/>
+        <p:nvPr/>
+      </p:nvGrpSpPr>
+      <p:grpSpPr>
+        <a:xfrm>
+          <a:off x="0" y="0"/>
+          <a:ext cx="0" cy="0"/>
+          <a:chOff x="0" y="0"/>
+          <a:chExt cx="0" cy="0"/>
+        </a:xfrm>
+      </p:grpSpPr>
+      <p:sp>
+        <p:nvSpPr>
+          <p:cNvPr id="9" name="Rectangle 8"/>
+          <p:cNvSpPr>
+            <a:spLocks noGrp="1" noRot="1" noChangeAspect="1" noMove="1" noResize="1" noEditPoints="1" noAdjustHandles="1" noChangeArrowheads="1" noChangeShapeType="1" noTextEdit="1"/>
+          </p:cNvSpPr>
+          <p:nvPr>
+            <p:extLst>
+              <p:ext uri="{386F3935-93C4-4BCD-93E2-E3B085C9AB24}">
+                <p16:designElem xmlns:p16="http://schemas.microsoft.com/office/powerpoint/2015/main" val="1"/>
+              </p:ext>
+            </p:extLst>
+          </p:nvPr>
+        </p:nvSpPr>
+        <p:spPr bwMode="white">
+          <a:xfrm>
+            <a:off x="0" y="0"/>
+            <a:ext cx="12192000" cy="6858000"/>
+          </a:xfrm>
+          <a:prstGeom prst="rect">
+            <a:avLst/>
+          </a:prstGeom>
+          <a:solidFill>
+            <a:schemeClr val="bg1"/>
+          </a:solidFill>
+          <a:ln>
+            <a:noFill/>
+          </a:ln>
+          <a:effectLst/>
+        </p:spPr>
+      </p:sp>
+      <p:cxnSp>
+        <p:nvCxnSpPr>
+          <p:cNvPr id="12" name="직선 연결선[R] 7">
+            <a:extLst>
+              <a:ext uri="{FF2B5EF4-FFF2-40B4-BE49-F238E27FC236}">
+                <a16:creationId xmlns:a16="http://schemas.microsoft.com/office/drawing/2014/main" id="{8B7FBEC7-F95D-4966-BE79-BF568C7CDDE4}"/>
+              </a:ext>
+            </a:extLst>
+          </p:cNvPr>
+          <p:cNvCxnSpPr>
+            <a:cxnSpLocks/>
+          </p:cNvCxnSpPr>
+          <p:nvPr/>
+        </p:nvCxnSpPr>
+        <p:spPr>
+          <a:xfrm>
+            <a:off x="575761" y="942398"/>
+            <a:ext cx="651760" cy="0"/>
+          </a:xfrm>
+          <a:prstGeom prst="line">
+            <a:avLst/>
+          </a:prstGeom>
+        </p:spPr>
+        <p:style>
+          <a:lnRef idx="1">
+            <a:schemeClr val="dk1"/>
+          </a:lnRef>
+          <a:fillRef idx="0">
+            <a:schemeClr val="dk1"/>
+          </a:fillRef>
+          <a:effectRef idx="0">
+            <a:schemeClr val="dk1"/>
+          </a:effectRef>
+          <a:fontRef idx="minor">
+            <a:schemeClr val="tx1"/>
+          </a:fontRef>
+        </p:style>
+      </p:cxnSp>
+      <p:sp>
+        <p:nvSpPr>
+          <p:cNvPr id="11" name="텍스트 상자 6">
+            <a:extLst>
+              <a:ext uri="{FF2B5EF4-FFF2-40B4-BE49-F238E27FC236}">
+                <a16:creationId xmlns:a16="http://schemas.microsoft.com/office/drawing/2014/main" id="{8EEE588A-9402-4DB1-85D6-8E383FC0AF21}"/>
+              </a:ext>
+            </a:extLst>
+          </p:cNvPr>
+          <p:cNvSpPr txBox="1"/>
+          <p:nvPr/>
+        </p:nvSpPr>
+        <p:spPr>
+          <a:xfrm>
+            <a:off x="454598" y="297932"/>
+            <a:ext cx="5084354" cy="584775"/>
+          </a:xfrm>
+          <a:prstGeom prst="rect">
+            <a:avLst/>
+          </a:prstGeom>
+          <a:noFill/>
+        </p:spPr>
+        <p:txBody>
+          <a:bodyPr wrap="square" rtlCol="0">
+            <a:spAutoFit/>
+          </a:bodyPr>
+          <a:lstStyle/>
+          <a:p>
+            <a:r>
+              <a:rPr kumimoji="1" lang="en-US" altLang="ko-KR" sz="3200" b="1" dirty="0" err="1">
+                <a:latin typeface="Noto Sans CJK KR" charset="-127"/>
+                <a:ea typeface="Noto Sans CJK KR" charset="-127"/>
+                <a:cs typeface="Noto Sans CJK KR" charset="-127"/>
+              </a:rPr>
+              <a:t>TinyDB</a:t>
+            </a:r>
+            <a:r>
+              <a:rPr kumimoji="1" lang="en-US" altLang="ko-KR" sz="3200" b="1" dirty="0">
+                <a:latin typeface="Noto Sans CJK KR" charset="-127"/>
+                <a:ea typeface="Noto Sans CJK KR" charset="-127"/>
+                <a:cs typeface="Noto Sans CJK KR" charset="-127"/>
+              </a:rPr>
+              <a:t> </a:t>
+            </a:r>
+            <a:r>
+              <a:rPr kumimoji="1" lang="ko-KR" altLang="en-US" sz="3200" b="1" dirty="0">
+                <a:latin typeface="Noto Sans CJK KR" charset="-127"/>
+                <a:ea typeface="Noto Sans CJK KR" charset="-127"/>
+                <a:cs typeface="Noto Sans CJK KR" charset="-127"/>
+              </a:rPr>
+              <a:t>활용하기</a:t>
+            </a:r>
+          </a:p>
+        </p:txBody>
+      </p:sp>
+      <p:pic>
+        <p:nvPicPr>
+          <p:cNvPr id="4" name="그림 3">
+            <a:extLst>
+              <a:ext uri="{FF2B5EF4-FFF2-40B4-BE49-F238E27FC236}">
+                <a16:creationId xmlns:a16="http://schemas.microsoft.com/office/drawing/2014/main" id="{C2769156-FE3B-4273-BA1D-A2EAB5677248}"/>
+              </a:ext>
+            </a:extLst>
+          </p:cNvPr>
+          <p:cNvPicPr>
+            <a:picLocks noChangeAspect="1"/>
+          </p:cNvPicPr>
+          <p:nvPr/>
+        </p:nvPicPr>
+        <p:blipFill>
+          <a:blip r:embed="rId3"/>
+          <a:stretch>
+            <a:fillRect/>
+          </a:stretch>
+        </p:blipFill>
+        <p:spPr>
+          <a:xfrm>
+            <a:off x="454598" y="1024047"/>
+            <a:ext cx="3246045" cy="5861169"/>
+          </a:xfrm>
+          <a:prstGeom prst="rect">
+            <a:avLst/>
+          </a:prstGeom>
+        </p:spPr>
+      </p:pic>
+      <p:pic>
+        <p:nvPicPr>
+          <p:cNvPr id="5" name="그림 4">
+            <a:extLst>
+              <a:ext uri="{FF2B5EF4-FFF2-40B4-BE49-F238E27FC236}">
+                <a16:creationId xmlns:a16="http://schemas.microsoft.com/office/drawing/2014/main" id="{D63A3D3A-F2C1-4B7C-9A7A-A7B0527CFF67}"/>
+              </a:ext>
+            </a:extLst>
+          </p:cNvPr>
+          <p:cNvPicPr>
+            <a:picLocks noChangeAspect="1"/>
+          </p:cNvPicPr>
+          <p:nvPr/>
+        </p:nvPicPr>
+        <p:blipFill>
+          <a:blip r:embed="rId4"/>
+          <a:stretch>
+            <a:fillRect/>
+          </a:stretch>
+        </p:blipFill>
+        <p:spPr>
+          <a:xfrm>
+            <a:off x="3862301" y="2594083"/>
+            <a:ext cx="8051252" cy="2956807"/>
+          </a:xfrm>
+          <a:prstGeom prst="rect">
+            <a:avLst/>
+          </a:prstGeom>
+        </p:spPr>
+      </p:pic>
+    </p:spTree>
+    <p:extLst>
+      <p:ext uri="{BB962C8B-B14F-4D97-AF65-F5344CB8AC3E}">
+        <p14:creationId xmlns:p14="http://schemas.microsoft.com/office/powerpoint/2010/main" val="3748703616"/>
+      </p:ext>
+    </p:extLst>
+  </p:cSld>
+  <p:clrMapOvr>
+    <a:masterClrMapping/>
+  </p:clrMapOvr>
+</p:sld>
+</file>
+
+<file path=ppt/slides/slide36.xml><?xml version="1.0" encoding="utf-8"?>
+<p:sld xmlns:a="http://schemas.openxmlformats.org/drawingml/2006/main" xmlns:r="http://schemas.openxmlformats.org/officeDocument/2006/relationships" xmlns:p="http://schemas.openxmlformats.org/presentationml/2006/main">
+  <p:cSld>
+    <p:spTree>
+      <p:nvGrpSpPr>
+        <p:cNvPr id="1" name=""/>
+        <p:cNvGrpSpPr/>
+        <p:nvPr/>
+      </p:nvGrpSpPr>
+      <p:grpSpPr>
+        <a:xfrm>
+          <a:off x="0" y="0"/>
+          <a:ext cx="0" cy="0"/>
+          <a:chOff x="0" y="0"/>
+          <a:chExt cx="0" cy="0"/>
+        </a:xfrm>
+      </p:grpSpPr>
+      <p:sp>
+        <p:nvSpPr>
+          <p:cNvPr id="5" name="텍스트 상자 4"/>
+          <p:cNvSpPr txBox="1"/>
+          <p:nvPr/>
+        </p:nvSpPr>
+        <p:spPr>
+          <a:xfrm>
+            <a:off x="5362171" y="3944867"/>
+            <a:ext cx="1031051" cy="369332"/>
+          </a:xfrm>
+          <a:prstGeom prst="rect">
+            <a:avLst/>
+          </a:prstGeom>
+          <a:noFill/>
+        </p:spPr>
+        <p:txBody>
+          <a:bodyPr wrap="none" rtlCol="0">
+            <a:spAutoFit/>
+          </a:bodyPr>
+          <a:lstStyle/>
+          <a:p>
+            <a:pPr algn="ctr"/>
+            <a:r>
+              <a:rPr kumimoji="1" lang="ko-KR" altLang="en-US" dirty="0" err="1">
+                <a:latin typeface="Noto Sans CJK KR DemiLight" charset="-127"/>
+                <a:ea typeface="Noto Sans CJK KR DemiLight" charset="-127"/>
+                <a:cs typeface="Noto Sans CJK KR DemiLight" charset="-127"/>
+              </a:rPr>
+              <a:t>ㅁㄴㅇㄹ</a:t>
+            </a:r>
+            <a:endParaRPr kumimoji="1" lang="ko-KR" altLang="en-US" dirty="0">
+              <a:latin typeface="Noto Sans CJK KR DemiLight" charset="-127"/>
+              <a:ea typeface="Noto Sans CJK KR DemiLight" charset="-127"/>
+              <a:cs typeface="Noto Sans CJK KR DemiLight" charset="-127"/>
+            </a:endParaRPr>
+          </a:p>
+        </p:txBody>
+      </p:sp>
+      <p:sp>
+        <p:nvSpPr>
+          <p:cNvPr id="7" name="텍스트 상자 6"/>
+          <p:cNvSpPr txBox="1"/>
+          <p:nvPr/>
+        </p:nvSpPr>
+        <p:spPr>
+          <a:xfrm>
+            <a:off x="3993237" y="2820054"/>
+            <a:ext cx="3768980" cy="769441"/>
+          </a:xfrm>
+          <a:prstGeom prst="rect">
+            <a:avLst/>
+          </a:prstGeom>
+          <a:noFill/>
+        </p:spPr>
+        <p:txBody>
+          <a:bodyPr wrap="none" rtlCol="0">
+            <a:spAutoFit/>
+          </a:bodyPr>
+          <a:lstStyle/>
+          <a:p>
+            <a:pPr algn="ctr"/>
+            <a:r>
+              <a:rPr kumimoji="1" lang="ko-KR" altLang="en-US" sz="4400" b="1" dirty="0" err="1">
+                <a:latin typeface="Noto Sans CJK KR" charset="-127"/>
+                <a:ea typeface="Noto Sans CJK KR" charset="-127"/>
+                <a:cs typeface="Noto Sans CJK KR" charset="-127"/>
+              </a:rPr>
+              <a:t>조건문</a:t>
+            </a:r>
+            <a:r>
+              <a:rPr kumimoji="1" lang="ko-KR" altLang="en-US" sz="4400" b="1" dirty="0">
+                <a:latin typeface="Noto Sans CJK KR" charset="-127"/>
+                <a:ea typeface="Noto Sans CJK KR" charset="-127"/>
+                <a:cs typeface="Noto Sans CJK KR" charset="-127"/>
+              </a:rPr>
+              <a:t> 익히기</a:t>
+            </a:r>
+            <a:endParaRPr kumimoji="1" lang="en-US" altLang="ko-KR" sz="4400" b="1" dirty="0">
+              <a:latin typeface="Noto Sans CJK KR" charset="-127"/>
+              <a:ea typeface="Noto Sans CJK KR" charset="-127"/>
+              <a:cs typeface="Noto Sans CJK KR" charset="-127"/>
+            </a:endParaRPr>
+          </a:p>
+        </p:txBody>
+      </p:sp>
+      <p:cxnSp>
+        <p:nvCxnSpPr>
+          <p:cNvPr id="9" name="직선 연결선[R] 8"/>
+          <p:cNvCxnSpPr>
+            <a:cxnSpLocks/>
+          </p:cNvCxnSpPr>
+          <p:nvPr/>
+        </p:nvCxnSpPr>
+        <p:spPr>
+          <a:xfrm>
+            <a:off x="4639951" y="3771497"/>
+            <a:ext cx="2541433" cy="0"/>
+          </a:xfrm>
+          <a:prstGeom prst="line">
+            <a:avLst/>
+          </a:prstGeom>
+        </p:spPr>
+        <p:style>
+          <a:lnRef idx="1">
+            <a:schemeClr val="dk1"/>
+          </a:lnRef>
+          <a:fillRef idx="0">
+            <a:schemeClr val="dk1"/>
+          </a:fillRef>
+          <a:effectRef idx="0">
+            <a:schemeClr val="dk1"/>
+          </a:effectRef>
+          <a:fontRef idx="minor">
+            <a:schemeClr val="tx1"/>
+          </a:fontRef>
+        </p:style>
+      </p:cxnSp>
+    </p:spTree>
+    <p:extLst>
+      <p:ext uri="{BB962C8B-B14F-4D97-AF65-F5344CB8AC3E}">
+        <p14:creationId xmlns:p14="http://schemas.microsoft.com/office/powerpoint/2010/main" val="1790822839"/>
+      </p:ext>
+    </p:extLst>
+  </p:cSld>
+  <p:clrMapOvr>
+    <a:masterClrMapping/>
+  </p:clrMapOvr>
+</p:sld>
+</file>
+
+<file path=ppt/slides/slide37.xml><?xml version="1.0" encoding="utf-8"?>
+<p:sld xmlns:a="http://schemas.openxmlformats.org/drawingml/2006/main" xmlns:r="http://schemas.openxmlformats.org/officeDocument/2006/relationships" xmlns:p="http://schemas.openxmlformats.org/presentationml/2006/main">
+  <p:cSld>
+    <p:spTree>
+      <p:nvGrpSpPr>
+        <p:cNvPr id="1" name=""/>
+        <p:cNvGrpSpPr/>
+        <p:nvPr/>
+      </p:nvGrpSpPr>
+      <p:grpSpPr>
+        <a:xfrm>
+          <a:off x="0" y="0"/>
+          <a:ext cx="0" cy="0"/>
+          <a:chOff x="0" y="0"/>
+          <a:chExt cx="0" cy="0"/>
+        </a:xfrm>
+      </p:grpSpPr>
+      <p:sp>
+        <p:nvSpPr>
+          <p:cNvPr id="9" name="Rectangle 8"/>
+          <p:cNvSpPr>
+            <a:spLocks noGrp="1" noRot="1" noChangeAspect="1" noMove="1" noResize="1" noEditPoints="1" noAdjustHandles="1" noChangeArrowheads="1" noChangeShapeType="1" noTextEdit="1"/>
+          </p:cNvSpPr>
+          <p:nvPr>
+            <p:extLst>
+              <p:ext uri="{386F3935-93C4-4BCD-93E2-E3B085C9AB24}">
+                <p16:designElem xmlns:p16="http://schemas.microsoft.com/office/powerpoint/2015/main" val="1"/>
+              </p:ext>
+            </p:extLst>
+          </p:nvPr>
+        </p:nvSpPr>
+        <p:spPr bwMode="white">
+          <a:xfrm>
+            <a:off x="0" y="0"/>
+            <a:ext cx="12192000" cy="6858000"/>
+          </a:xfrm>
+          <a:prstGeom prst="rect">
+            <a:avLst/>
+          </a:prstGeom>
+          <a:solidFill>
+            <a:schemeClr val="bg1"/>
+          </a:solidFill>
+          <a:ln>
+            <a:noFill/>
+          </a:ln>
+          <a:effectLst/>
+        </p:spPr>
+      </p:sp>
+      <p:sp>
+        <p:nvSpPr>
+          <p:cNvPr id="10" name="텍스트 상자 6">
+            <a:extLst>
+              <a:ext uri="{FF2B5EF4-FFF2-40B4-BE49-F238E27FC236}">
+                <a16:creationId xmlns:a16="http://schemas.microsoft.com/office/drawing/2014/main" id="{0154DA88-CBF7-4050-86DD-70A40DC7613A}"/>
+              </a:ext>
+            </a:extLst>
+          </p:cNvPr>
+          <p:cNvSpPr txBox="1"/>
+          <p:nvPr/>
+        </p:nvSpPr>
+        <p:spPr>
+          <a:xfrm>
+            <a:off x="454598" y="297932"/>
+            <a:ext cx="5084354" cy="584775"/>
+          </a:xfrm>
+          <a:prstGeom prst="rect">
+            <a:avLst/>
+          </a:prstGeom>
+          <a:noFill/>
+        </p:spPr>
+        <p:txBody>
+          <a:bodyPr wrap="square" rtlCol="0">
+            <a:spAutoFit/>
+          </a:bodyPr>
+          <a:lstStyle/>
+          <a:p>
+            <a:r>
+              <a:rPr kumimoji="1" lang="ko-KR" altLang="en-US" sz="3200" b="1" dirty="0" err="1">
+                <a:latin typeface="Noto Sans CJK KR" charset="-127"/>
+                <a:ea typeface="Noto Sans CJK KR" charset="-127"/>
+                <a:cs typeface="Noto Sans CJK KR" charset="-127"/>
+              </a:rPr>
+              <a:t>조건문</a:t>
+            </a:r>
+            <a:r>
+              <a:rPr kumimoji="1" lang="ko-KR" altLang="en-US" sz="3200" b="1" dirty="0">
+                <a:latin typeface="Noto Sans CJK KR" charset="-127"/>
+                <a:ea typeface="Noto Sans CJK KR" charset="-127"/>
+                <a:cs typeface="Noto Sans CJK KR" charset="-127"/>
+              </a:rPr>
+              <a:t> 익히기</a:t>
+            </a:r>
+          </a:p>
+        </p:txBody>
+      </p:sp>
+      <p:cxnSp>
+        <p:nvCxnSpPr>
+          <p:cNvPr id="12" name="직선 연결선[R] 7">
+            <a:extLst>
+              <a:ext uri="{FF2B5EF4-FFF2-40B4-BE49-F238E27FC236}">
+                <a16:creationId xmlns:a16="http://schemas.microsoft.com/office/drawing/2014/main" id="{8B7FBEC7-F95D-4966-BE79-BF568C7CDDE4}"/>
+              </a:ext>
+            </a:extLst>
+          </p:cNvPr>
+          <p:cNvCxnSpPr>
+            <a:cxnSpLocks/>
+          </p:cNvCxnSpPr>
+          <p:nvPr/>
+        </p:nvCxnSpPr>
+        <p:spPr>
+          <a:xfrm>
+            <a:off x="575761" y="942398"/>
+            <a:ext cx="651760" cy="0"/>
+          </a:xfrm>
+          <a:prstGeom prst="line">
+            <a:avLst/>
+          </a:prstGeom>
+        </p:spPr>
+        <p:style>
+          <a:lnRef idx="1">
+            <a:schemeClr val="dk1"/>
+          </a:lnRef>
+          <a:fillRef idx="0">
+            <a:schemeClr val="dk1"/>
+          </a:fillRef>
+          <a:effectRef idx="0">
+            <a:schemeClr val="dk1"/>
+          </a:effectRef>
+          <a:fontRef idx="minor">
+            <a:schemeClr val="tx1"/>
+          </a:fontRef>
+        </p:style>
+      </p:cxnSp>
+      <p:sp>
+        <p:nvSpPr>
+          <p:cNvPr id="11" name="텍스트 상자 12">
+            <a:extLst>
+              <a:ext uri="{FF2B5EF4-FFF2-40B4-BE49-F238E27FC236}">
+                <a16:creationId xmlns:a16="http://schemas.microsoft.com/office/drawing/2014/main" id="{05879D4C-85A1-455E-8CF9-1356E14CD423}"/>
+              </a:ext>
+            </a:extLst>
+          </p:cNvPr>
+          <p:cNvSpPr txBox="1"/>
+          <p:nvPr/>
+        </p:nvSpPr>
+        <p:spPr>
+          <a:xfrm>
+            <a:off x="1574362" y="2565301"/>
+            <a:ext cx="8269332" cy="587533"/>
+          </a:xfrm>
+          <a:prstGeom prst="rect">
+            <a:avLst/>
+          </a:prstGeom>
+          <a:noFill/>
+        </p:spPr>
+        <p:txBody>
+          <a:bodyPr wrap="square" rtlCol="0">
+            <a:spAutoFit/>
+          </a:bodyPr>
+          <a:lstStyle/>
+          <a:p>
+            <a:pPr>
+              <a:lnSpc>
+                <a:spcPct val="150000"/>
+              </a:lnSpc>
+            </a:pPr>
+            <a:r>
+              <a:rPr kumimoji="1" lang="en-US" altLang="ko-KR" sz="2400" b="1" spc="-150" dirty="0" err="1">
+                <a:solidFill>
+                  <a:schemeClr val="tx1">
+                    <a:lumMod val="95000"/>
+                    <a:lumOff val="5000"/>
+                  </a:schemeClr>
+                </a:solidFill>
+                <a:latin typeface="Consolas" panose="020B0609020204030204" pitchFamily="49" charset="0"/>
+                <a:ea typeface="Noto Sans CJK KR DemiLight" charset="-127"/>
+                <a:cs typeface="Noto Sans CJK KR DemiLight" charset="-127"/>
+              </a:rPr>
+              <a:t>TinyDB</a:t>
+            </a:r>
+            <a:endParaRPr kumimoji="1" lang="en-US" altLang="ko-KR" sz="2400" b="1" spc="-150" dirty="0">
+              <a:solidFill>
+                <a:schemeClr val="tx1">
+                  <a:lumMod val="95000"/>
+                  <a:lumOff val="5000"/>
+                </a:schemeClr>
+              </a:solidFill>
+              <a:latin typeface="Consolas" panose="020B0609020204030204" pitchFamily="49" charset="0"/>
+              <a:ea typeface="Noto Sans CJK KR DemiLight" charset="-127"/>
+              <a:cs typeface="Noto Sans CJK KR DemiLight" charset="-127"/>
+            </a:endParaRPr>
+          </a:p>
+        </p:txBody>
+      </p:sp>
+      <p:sp>
+        <p:nvSpPr>
+          <p:cNvPr id="14" name="텍스트 상자 12">
+            <a:extLst>
+              <a:ext uri="{FF2B5EF4-FFF2-40B4-BE49-F238E27FC236}">
+                <a16:creationId xmlns:a16="http://schemas.microsoft.com/office/drawing/2014/main" id="{9E4217FD-7991-4CD3-BBE6-A865D2AE4A7A}"/>
+              </a:ext>
+            </a:extLst>
+          </p:cNvPr>
+          <p:cNvSpPr txBox="1"/>
+          <p:nvPr/>
+        </p:nvSpPr>
+        <p:spPr>
+          <a:xfrm>
+            <a:off x="1704983" y="3152834"/>
+            <a:ext cx="9246795" cy="504562"/>
+          </a:xfrm>
+          <a:prstGeom prst="rect">
+            <a:avLst/>
+          </a:prstGeom>
+          <a:noFill/>
+        </p:spPr>
+        <p:txBody>
+          <a:bodyPr wrap="square" rtlCol="0">
+            <a:spAutoFit/>
+          </a:bodyPr>
+          <a:lstStyle/>
+          <a:p>
+            <a:pPr>
+              <a:lnSpc>
+                <a:spcPct val="150000"/>
+              </a:lnSpc>
+            </a:pPr>
+            <a:r>
+              <a:rPr kumimoji="1" lang="en-US" altLang="ko-KR" sz="2000" spc="-150" dirty="0" err="1">
+                <a:solidFill>
+                  <a:schemeClr val="tx1">
+                    <a:lumMod val="95000"/>
+                    <a:lumOff val="5000"/>
+                  </a:schemeClr>
+                </a:solidFill>
+                <a:latin typeface="Consolas" panose="020B0609020204030204" pitchFamily="49" charset="0"/>
+                <a:ea typeface="Noto Sans CJK KR DemiLight" charset="-127"/>
+                <a:cs typeface="Noto Sans CJK KR DemiLight" charset="-127"/>
+              </a:rPr>
+              <a:t>TinyDB</a:t>
+            </a:r>
+            <a:r>
+              <a:rPr kumimoji="1" lang="en-US" altLang="ko-KR" sz="2000" spc="-150" dirty="0">
+                <a:solidFill>
+                  <a:schemeClr val="tx1">
+                    <a:lumMod val="95000"/>
+                    <a:lumOff val="5000"/>
+                  </a:schemeClr>
+                </a:solidFill>
+                <a:latin typeface="Consolas" panose="020B0609020204030204" pitchFamily="49" charset="0"/>
+                <a:ea typeface="Noto Sans CJK KR DemiLight" charset="-127"/>
+                <a:cs typeface="Noto Sans CJK KR DemiLight" charset="-127"/>
+              </a:rPr>
+              <a:t> </a:t>
+            </a:r>
+            <a:r>
+              <a:rPr kumimoji="1" lang="ko-KR" altLang="en-US" sz="2000" spc="-150" dirty="0">
+                <a:solidFill>
+                  <a:schemeClr val="tx1">
+                    <a:lumMod val="95000"/>
+                    <a:lumOff val="5000"/>
+                  </a:schemeClr>
+                </a:solidFill>
+                <a:latin typeface="Consolas" panose="020B0609020204030204" pitchFamily="49" charset="0"/>
+                <a:ea typeface="Noto Sans CJK KR DemiLight" charset="-127"/>
+                <a:cs typeface="Noto Sans CJK KR DemiLight" charset="-127"/>
+              </a:rPr>
+              <a:t>는 </a:t>
+            </a:r>
+            <a:endParaRPr kumimoji="1" lang="en-US" altLang="ko-KR" sz="2000" spc="-150" dirty="0">
+              <a:solidFill>
+                <a:schemeClr val="tx1">
+                  <a:lumMod val="95000"/>
+                  <a:lumOff val="5000"/>
+                </a:schemeClr>
+              </a:solidFill>
+              <a:latin typeface="Consolas" panose="020B0609020204030204" pitchFamily="49" charset="0"/>
+              <a:ea typeface="Noto Sans CJK KR DemiLight" charset="-127"/>
+              <a:cs typeface="Noto Sans CJK KR DemiLight" charset="-127"/>
+            </a:endParaRPr>
+          </a:p>
+        </p:txBody>
+      </p:sp>
+    </p:spTree>
+    <p:extLst>
+      <p:ext uri="{BB962C8B-B14F-4D97-AF65-F5344CB8AC3E}">
+        <p14:creationId xmlns:p14="http://schemas.microsoft.com/office/powerpoint/2010/main" val="1965012163"/>
+      </p:ext>
+    </p:extLst>
+  </p:cSld>
+  <p:clrMapOvr>
+    <a:masterClrMapping/>
+  </p:clrMapOvr>
+</p:sld>
+</file>
+
+<file path=ppt/slides/slide38.xml><?xml version="1.0" encoding="utf-8"?>
+<p:sld xmlns:a="http://schemas.openxmlformats.org/drawingml/2006/main" xmlns:r="http://schemas.openxmlformats.org/officeDocument/2006/relationships" xmlns:p="http://schemas.openxmlformats.org/presentationml/2006/main">
+  <p:cSld>
+    <p:spTree>
+      <p:nvGrpSpPr>
+        <p:cNvPr id="1" name=""/>
+        <p:cNvGrpSpPr/>
+        <p:nvPr/>
+      </p:nvGrpSpPr>
+      <p:grpSpPr>
+        <a:xfrm>
+          <a:off x="0" y="0"/>
+          <a:ext cx="0" cy="0"/>
+          <a:chOff x="0" y="0"/>
+          <a:chExt cx="0" cy="0"/>
+        </a:xfrm>
+      </p:grpSpPr>
+      <p:sp>
+        <p:nvSpPr>
+          <p:cNvPr id="9" name="Rectangle 8"/>
+          <p:cNvSpPr>
+            <a:spLocks noGrp="1" noRot="1" noChangeAspect="1" noMove="1" noResize="1" noEditPoints="1" noAdjustHandles="1" noChangeArrowheads="1" noChangeShapeType="1" noTextEdit="1"/>
+          </p:cNvSpPr>
+          <p:nvPr>
+            <p:extLst>
+              <p:ext uri="{386F3935-93C4-4BCD-93E2-E3B085C9AB24}">
+                <p16:designElem xmlns:p16="http://schemas.microsoft.com/office/powerpoint/2015/main" val="1"/>
+              </p:ext>
+            </p:extLst>
+          </p:nvPr>
+        </p:nvSpPr>
+        <p:spPr bwMode="white">
+          <a:xfrm>
+            <a:off x="0" y="0"/>
+            <a:ext cx="12192000" cy="6858000"/>
+          </a:xfrm>
+          <a:prstGeom prst="rect">
+            <a:avLst/>
+          </a:prstGeom>
+          <a:solidFill>
+            <a:schemeClr val="bg1"/>
+          </a:solidFill>
+          <a:ln>
+            <a:noFill/>
+          </a:ln>
+          <a:effectLst/>
+        </p:spPr>
+      </p:sp>
+      <p:sp>
+        <p:nvSpPr>
+          <p:cNvPr id="10" name="텍스트 상자 6">
+            <a:extLst>
+              <a:ext uri="{FF2B5EF4-FFF2-40B4-BE49-F238E27FC236}">
+                <a16:creationId xmlns:a16="http://schemas.microsoft.com/office/drawing/2014/main" id="{0154DA88-CBF7-4050-86DD-70A40DC7613A}"/>
+              </a:ext>
+            </a:extLst>
+          </p:cNvPr>
+          <p:cNvSpPr txBox="1"/>
+          <p:nvPr/>
+        </p:nvSpPr>
+        <p:spPr>
+          <a:xfrm>
+            <a:off x="454598" y="297932"/>
+            <a:ext cx="5084354" cy="584775"/>
+          </a:xfrm>
+          <a:prstGeom prst="rect">
+            <a:avLst/>
+          </a:prstGeom>
+          <a:noFill/>
+        </p:spPr>
+        <p:txBody>
+          <a:bodyPr wrap="square" rtlCol="0">
+            <a:spAutoFit/>
+          </a:bodyPr>
+          <a:lstStyle/>
+          <a:p>
+            <a:r>
+              <a:rPr kumimoji="1" lang="ko-KR" altLang="en-US" sz="3200" b="1" dirty="0" err="1">
+                <a:latin typeface="Noto Sans CJK KR" charset="-127"/>
+                <a:ea typeface="Noto Sans CJK KR" charset="-127"/>
+                <a:cs typeface="Noto Sans CJK KR" charset="-127"/>
+              </a:rPr>
+              <a:t>조건문</a:t>
+            </a:r>
+            <a:r>
+              <a:rPr kumimoji="1" lang="ko-KR" altLang="en-US" sz="3200" b="1" dirty="0">
+                <a:latin typeface="Noto Sans CJK KR" charset="-127"/>
+                <a:ea typeface="Noto Sans CJK KR" charset="-127"/>
+                <a:cs typeface="Noto Sans CJK KR" charset="-127"/>
+              </a:rPr>
+              <a:t> 익히기</a:t>
+            </a:r>
+          </a:p>
+        </p:txBody>
+      </p:sp>
+      <p:cxnSp>
+        <p:nvCxnSpPr>
+          <p:cNvPr id="12" name="직선 연결선[R] 7">
+            <a:extLst>
+              <a:ext uri="{FF2B5EF4-FFF2-40B4-BE49-F238E27FC236}">
+                <a16:creationId xmlns:a16="http://schemas.microsoft.com/office/drawing/2014/main" id="{8B7FBEC7-F95D-4966-BE79-BF568C7CDDE4}"/>
+              </a:ext>
+            </a:extLst>
+          </p:cNvPr>
+          <p:cNvCxnSpPr>
+            <a:cxnSpLocks/>
+          </p:cNvCxnSpPr>
+          <p:nvPr/>
+        </p:nvCxnSpPr>
+        <p:spPr>
+          <a:xfrm>
+            <a:off x="575761" y="942398"/>
+            <a:ext cx="651760" cy="0"/>
+          </a:xfrm>
+          <a:prstGeom prst="line">
+            <a:avLst/>
+          </a:prstGeom>
+        </p:spPr>
+        <p:style>
+          <a:lnRef idx="1">
+            <a:schemeClr val="dk1"/>
+          </a:lnRef>
+          <a:fillRef idx="0">
+            <a:schemeClr val="dk1"/>
+          </a:fillRef>
+          <a:effectRef idx="0">
+            <a:schemeClr val="dk1"/>
+          </a:effectRef>
+          <a:fontRef idx="minor">
+            <a:schemeClr val="tx1"/>
+          </a:fontRef>
+        </p:style>
+      </p:cxnSp>
+      <p:sp>
+        <p:nvSpPr>
+          <p:cNvPr id="11" name="텍스트 상자 12">
+            <a:extLst>
+              <a:ext uri="{FF2B5EF4-FFF2-40B4-BE49-F238E27FC236}">
+                <a16:creationId xmlns:a16="http://schemas.microsoft.com/office/drawing/2014/main" id="{05879D4C-85A1-455E-8CF9-1356E14CD423}"/>
+              </a:ext>
+            </a:extLst>
+          </p:cNvPr>
+          <p:cNvSpPr txBox="1"/>
+          <p:nvPr/>
+        </p:nvSpPr>
+        <p:spPr>
+          <a:xfrm>
+            <a:off x="1574362" y="2565301"/>
+            <a:ext cx="8269332" cy="587533"/>
+          </a:xfrm>
+          <a:prstGeom prst="rect">
+            <a:avLst/>
+          </a:prstGeom>
+          <a:noFill/>
+        </p:spPr>
+        <p:txBody>
+          <a:bodyPr wrap="square" rtlCol="0">
+            <a:spAutoFit/>
+          </a:bodyPr>
+          <a:lstStyle/>
+          <a:p>
+            <a:pPr>
+              <a:lnSpc>
+                <a:spcPct val="150000"/>
+              </a:lnSpc>
+            </a:pPr>
+            <a:r>
+              <a:rPr kumimoji="1" lang="en-US" altLang="ko-KR" sz="2400" b="1" spc="-150" dirty="0" err="1">
+                <a:solidFill>
+                  <a:schemeClr val="tx1">
+                    <a:lumMod val="95000"/>
+                    <a:lumOff val="5000"/>
+                  </a:schemeClr>
+                </a:solidFill>
+                <a:latin typeface="Consolas" panose="020B0609020204030204" pitchFamily="49" charset="0"/>
+                <a:ea typeface="Noto Sans CJK KR DemiLight" charset="-127"/>
+                <a:cs typeface="Noto Sans CJK KR DemiLight" charset="-127"/>
+              </a:rPr>
+              <a:t>TinyDB</a:t>
+            </a:r>
+            <a:endParaRPr kumimoji="1" lang="en-US" altLang="ko-KR" sz="2400" b="1" spc="-150" dirty="0">
+              <a:solidFill>
+                <a:schemeClr val="tx1">
+                  <a:lumMod val="95000"/>
+                  <a:lumOff val="5000"/>
+                </a:schemeClr>
+              </a:solidFill>
+              <a:latin typeface="Consolas" panose="020B0609020204030204" pitchFamily="49" charset="0"/>
+              <a:ea typeface="Noto Sans CJK KR DemiLight" charset="-127"/>
+              <a:cs typeface="Noto Sans CJK KR DemiLight" charset="-127"/>
+            </a:endParaRPr>
+          </a:p>
+        </p:txBody>
+      </p:sp>
+      <p:sp>
+        <p:nvSpPr>
+          <p:cNvPr id="14" name="텍스트 상자 12">
+            <a:extLst>
+              <a:ext uri="{FF2B5EF4-FFF2-40B4-BE49-F238E27FC236}">
+                <a16:creationId xmlns:a16="http://schemas.microsoft.com/office/drawing/2014/main" id="{9E4217FD-7991-4CD3-BBE6-A865D2AE4A7A}"/>
+              </a:ext>
+            </a:extLst>
+          </p:cNvPr>
+          <p:cNvSpPr txBox="1"/>
+          <p:nvPr/>
+        </p:nvSpPr>
+        <p:spPr>
+          <a:xfrm>
+            <a:off x="1704983" y="3152834"/>
+            <a:ext cx="9246795" cy="504562"/>
+          </a:xfrm>
+          <a:prstGeom prst="rect">
+            <a:avLst/>
+          </a:prstGeom>
+          <a:noFill/>
+        </p:spPr>
+        <p:txBody>
+          <a:bodyPr wrap="square" rtlCol="0">
+            <a:spAutoFit/>
+          </a:bodyPr>
+          <a:lstStyle/>
+          <a:p>
+            <a:pPr>
+              <a:lnSpc>
+                <a:spcPct val="150000"/>
+              </a:lnSpc>
+            </a:pPr>
+            <a:r>
+              <a:rPr kumimoji="1" lang="en-US" altLang="ko-KR" sz="2000" spc="-150" dirty="0" err="1">
+                <a:solidFill>
+                  <a:schemeClr val="tx1">
+                    <a:lumMod val="95000"/>
+                    <a:lumOff val="5000"/>
+                  </a:schemeClr>
+                </a:solidFill>
+                <a:latin typeface="Consolas" panose="020B0609020204030204" pitchFamily="49" charset="0"/>
+                <a:ea typeface="Noto Sans CJK KR DemiLight" charset="-127"/>
+                <a:cs typeface="Noto Sans CJK KR DemiLight" charset="-127"/>
+              </a:rPr>
+              <a:t>TinyDB</a:t>
+            </a:r>
+            <a:r>
+              <a:rPr kumimoji="1" lang="en-US" altLang="ko-KR" sz="2000" spc="-150" dirty="0">
+                <a:solidFill>
+                  <a:schemeClr val="tx1">
+                    <a:lumMod val="95000"/>
+                    <a:lumOff val="5000"/>
+                  </a:schemeClr>
+                </a:solidFill>
+                <a:latin typeface="Consolas" panose="020B0609020204030204" pitchFamily="49" charset="0"/>
+                <a:ea typeface="Noto Sans CJK KR DemiLight" charset="-127"/>
+                <a:cs typeface="Noto Sans CJK KR DemiLight" charset="-127"/>
+              </a:rPr>
+              <a:t> </a:t>
+            </a:r>
+            <a:r>
+              <a:rPr kumimoji="1" lang="ko-KR" altLang="en-US" sz="2000" spc="-150" dirty="0">
+                <a:solidFill>
+                  <a:schemeClr val="tx1">
+                    <a:lumMod val="95000"/>
+                    <a:lumOff val="5000"/>
+                  </a:schemeClr>
+                </a:solidFill>
+                <a:latin typeface="Consolas" panose="020B0609020204030204" pitchFamily="49" charset="0"/>
+                <a:ea typeface="Noto Sans CJK KR DemiLight" charset="-127"/>
+                <a:cs typeface="Noto Sans CJK KR DemiLight" charset="-127"/>
+              </a:rPr>
+              <a:t>는 </a:t>
+            </a:r>
+            <a:endParaRPr kumimoji="1" lang="en-US" altLang="ko-KR" sz="2000" spc="-150" dirty="0">
+              <a:solidFill>
+                <a:schemeClr val="tx1">
+                  <a:lumMod val="95000"/>
+                  <a:lumOff val="5000"/>
+                </a:schemeClr>
+              </a:solidFill>
+              <a:latin typeface="Consolas" panose="020B0609020204030204" pitchFamily="49" charset="0"/>
+              <a:ea typeface="Noto Sans CJK KR DemiLight" charset="-127"/>
+              <a:cs typeface="Noto Sans CJK KR DemiLight" charset="-127"/>
+            </a:endParaRPr>
+          </a:p>
+        </p:txBody>
+      </p:sp>
+      <p:pic>
+        <p:nvPicPr>
+          <p:cNvPr id="2" name="그림 1">
+            <a:extLst>
+              <a:ext uri="{FF2B5EF4-FFF2-40B4-BE49-F238E27FC236}">
+                <a16:creationId xmlns:a16="http://schemas.microsoft.com/office/drawing/2014/main" id="{862EDEB7-2C81-4D9B-8450-CA5734D3C748}"/>
+              </a:ext>
+            </a:extLst>
+          </p:cNvPr>
+          <p:cNvPicPr>
+            <a:picLocks noChangeAspect="1"/>
+          </p:cNvPicPr>
+          <p:nvPr/>
+        </p:nvPicPr>
+        <p:blipFill>
+          <a:blip r:embed="rId3"/>
+          <a:stretch>
+            <a:fillRect/>
+          </a:stretch>
+        </p:blipFill>
+        <p:spPr>
+          <a:xfrm>
+            <a:off x="4254569" y="2400013"/>
+            <a:ext cx="7269674" cy="3471677"/>
+          </a:xfrm>
+          <a:prstGeom prst="rect">
+            <a:avLst/>
+          </a:prstGeom>
+        </p:spPr>
+      </p:pic>
+      <p:pic>
+        <p:nvPicPr>
+          <p:cNvPr id="3" name="그림 2">
+            <a:extLst>
+              <a:ext uri="{FF2B5EF4-FFF2-40B4-BE49-F238E27FC236}">
+                <a16:creationId xmlns:a16="http://schemas.microsoft.com/office/drawing/2014/main" id="{B25A518B-DE6A-4238-AE52-B9DC4302D911}"/>
+              </a:ext>
+            </a:extLst>
+          </p:cNvPr>
+          <p:cNvPicPr>
+            <a:picLocks noChangeAspect="1"/>
+          </p:cNvPicPr>
+          <p:nvPr/>
+        </p:nvPicPr>
+        <p:blipFill>
+          <a:blip r:embed="rId4"/>
+          <a:stretch>
+            <a:fillRect/>
+          </a:stretch>
+        </p:blipFill>
+        <p:spPr>
+          <a:xfrm>
+            <a:off x="575761" y="919983"/>
+            <a:ext cx="3291727" cy="5938017"/>
+          </a:xfrm>
+          <a:prstGeom prst="rect">
+            <a:avLst/>
+          </a:prstGeom>
+        </p:spPr>
+      </p:pic>
+    </p:spTree>
+    <p:extLst>
+      <p:ext uri="{BB962C8B-B14F-4D97-AF65-F5344CB8AC3E}">
+        <p14:creationId xmlns:p14="http://schemas.microsoft.com/office/powerpoint/2010/main" val="1641613364"/>
+      </p:ext>
+    </p:extLst>
+  </p:cSld>
+  <p:clrMapOvr>
+    <a:masterClrMapping/>
+  </p:clrMapOvr>
+</p:sld>
+</file>
+
+<file path=ppt/slides/slide39.xml><?xml version="1.0" encoding="utf-8"?>
+<p:sld xmlns:a="http://schemas.openxmlformats.org/drawingml/2006/main" xmlns:r="http://schemas.openxmlformats.org/officeDocument/2006/relationships" xmlns:p="http://schemas.openxmlformats.org/presentationml/2006/main">
+  <p:cSld>
+    <p:spTree>
+      <p:nvGrpSpPr>
+        <p:cNvPr id="1" name=""/>
+        <p:cNvGrpSpPr/>
+        <p:nvPr/>
+      </p:nvGrpSpPr>
+      <p:grpSpPr>
+        <a:xfrm>
+          <a:off x="0" y="0"/>
+          <a:ext cx="0" cy="0"/>
+          <a:chOff x="0" y="0"/>
+          <a:chExt cx="0" cy="0"/>
+        </a:xfrm>
+      </p:grpSpPr>
+      <p:sp>
+        <p:nvSpPr>
+          <p:cNvPr id="5" name="텍스트 상자 4"/>
+          <p:cNvSpPr txBox="1"/>
+          <p:nvPr/>
+        </p:nvSpPr>
+        <p:spPr>
+          <a:xfrm>
+            <a:off x="5362171" y="3944867"/>
+            <a:ext cx="1031051" cy="369332"/>
+          </a:xfrm>
+          <a:prstGeom prst="rect">
+            <a:avLst/>
+          </a:prstGeom>
+          <a:noFill/>
+        </p:spPr>
+        <p:txBody>
+          <a:bodyPr wrap="none" rtlCol="0">
+            <a:spAutoFit/>
+          </a:bodyPr>
+          <a:lstStyle/>
+          <a:p>
+            <a:pPr algn="ctr"/>
+            <a:r>
+              <a:rPr kumimoji="1" lang="ko-KR" altLang="en-US" dirty="0" err="1">
+                <a:latin typeface="Noto Sans CJK KR DemiLight" charset="-127"/>
+                <a:ea typeface="Noto Sans CJK KR DemiLight" charset="-127"/>
+                <a:cs typeface="Noto Sans CJK KR DemiLight" charset="-127"/>
+              </a:rPr>
+              <a:t>ㅁㄴㅇㄹ</a:t>
+            </a:r>
+            <a:endParaRPr kumimoji="1" lang="ko-KR" altLang="en-US" dirty="0">
+              <a:latin typeface="Noto Sans CJK KR DemiLight" charset="-127"/>
+              <a:ea typeface="Noto Sans CJK KR DemiLight" charset="-127"/>
+              <a:cs typeface="Noto Sans CJK KR DemiLight" charset="-127"/>
+            </a:endParaRPr>
+          </a:p>
+        </p:txBody>
+      </p:sp>
+      <p:sp>
+        <p:nvSpPr>
+          <p:cNvPr id="7" name="텍스트 상자 6"/>
+          <p:cNvSpPr txBox="1"/>
+          <p:nvPr/>
+        </p:nvSpPr>
+        <p:spPr>
+          <a:xfrm>
+            <a:off x="3993238" y="2820054"/>
+            <a:ext cx="3768980" cy="769441"/>
+          </a:xfrm>
+          <a:prstGeom prst="rect">
+            <a:avLst/>
+          </a:prstGeom>
+          <a:noFill/>
+        </p:spPr>
+        <p:txBody>
+          <a:bodyPr wrap="none" rtlCol="0">
+            <a:spAutoFit/>
+          </a:bodyPr>
+          <a:lstStyle/>
+          <a:p>
+            <a:pPr algn="ctr"/>
+            <a:r>
+              <a:rPr kumimoji="1" lang="ko-KR" altLang="en-US" sz="4400" b="1" dirty="0" err="1">
+                <a:latin typeface="Noto Sans CJK KR" charset="-127"/>
+                <a:ea typeface="Noto Sans CJK KR" charset="-127"/>
+                <a:cs typeface="Noto Sans CJK KR" charset="-127"/>
+              </a:rPr>
+              <a:t>반복문</a:t>
+            </a:r>
+            <a:r>
+              <a:rPr kumimoji="1" lang="ko-KR" altLang="en-US" sz="4400" b="1" dirty="0">
+                <a:latin typeface="Noto Sans CJK KR" charset="-127"/>
+                <a:ea typeface="Noto Sans CJK KR" charset="-127"/>
+                <a:cs typeface="Noto Sans CJK KR" charset="-127"/>
+              </a:rPr>
+              <a:t> 익히기</a:t>
+            </a:r>
+            <a:endParaRPr kumimoji="1" lang="en-US" altLang="ko-KR" sz="4400" b="1" dirty="0">
+              <a:latin typeface="Noto Sans CJK KR" charset="-127"/>
+              <a:ea typeface="Noto Sans CJK KR" charset="-127"/>
+              <a:cs typeface="Noto Sans CJK KR" charset="-127"/>
+            </a:endParaRPr>
+          </a:p>
+        </p:txBody>
+      </p:sp>
+      <p:cxnSp>
+        <p:nvCxnSpPr>
+          <p:cNvPr id="9" name="직선 연결선[R] 8"/>
+          <p:cNvCxnSpPr>
+            <a:cxnSpLocks/>
+          </p:cNvCxnSpPr>
+          <p:nvPr/>
+        </p:nvCxnSpPr>
+        <p:spPr>
+          <a:xfrm>
+            <a:off x="4639951" y="3771497"/>
+            <a:ext cx="2541433" cy="0"/>
+          </a:xfrm>
+          <a:prstGeom prst="line">
+            <a:avLst/>
+          </a:prstGeom>
+        </p:spPr>
+        <p:style>
+          <a:lnRef idx="1">
+            <a:schemeClr val="dk1"/>
+          </a:lnRef>
+          <a:fillRef idx="0">
+            <a:schemeClr val="dk1"/>
+          </a:fillRef>
+          <a:effectRef idx="0">
+            <a:schemeClr val="dk1"/>
+          </a:effectRef>
+          <a:fontRef idx="minor">
+            <a:schemeClr val="tx1"/>
+          </a:fontRef>
+        </p:style>
+      </p:cxnSp>
+    </p:spTree>
+    <p:extLst>
+      <p:ext uri="{BB962C8B-B14F-4D97-AF65-F5344CB8AC3E}">
+        <p14:creationId xmlns:p14="http://schemas.microsoft.com/office/powerpoint/2010/main" val="3172787842"/>
+      </p:ext>
+    </p:extLst>
+  </p:cSld>
+  <p:clrMapOvr>
+    <a:masterClrMapping/>
+  </p:clrMapOvr>
+</p:sld>
+</file>
+
 <file path=ppt/slides/slide4.xml><?xml version="1.0" encoding="utf-8"?>
 <p:sld xmlns:a="http://schemas.openxmlformats.org/drawingml/2006/main" xmlns:r="http://schemas.openxmlformats.org/officeDocument/2006/relationships" xmlns:p="http://schemas.openxmlformats.org/presentationml/2006/main">
   <p:cSld>
@@ -10224,6 +15277,2992 @@
     <p:extLst>
       <p:ext uri="{BB962C8B-B14F-4D97-AF65-F5344CB8AC3E}">
         <p14:creationId xmlns:p14="http://schemas.microsoft.com/office/powerpoint/2010/main" val="955660259"/>
+      </p:ext>
+    </p:extLst>
+  </p:cSld>
+  <p:clrMapOvr>
+    <a:masterClrMapping/>
+  </p:clrMapOvr>
+</p:sld>
+</file>
+
+<file path=ppt/slides/slide40.xml><?xml version="1.0" encoding="utf-8"?>
+<p:sld xmlns:a="http://schemas.openxmlformats.org/drawingml/2006/main" xmlns:r="http://schemas.openxmlformats.org/officeDocument/2006/relationships" xmlns:p="http://schemas.openxmlformats.org/presentationml/2006/main">
+  <p:cSld>
+    <p:spTree>
+      <p:nvGrpSpPr>
+        <p:cNvPr id="1" name=""/>
+        <p:cNvGrpSpPr/>
+        <p:nvPr/>
+      </p:nvGrpSpPr>
+      <p:grpSpPr>
+        <a:xfrm>
+          <a:off x="0" y="0"/>
+          <a:ext cx="0" cy="0"/>
+          <a:chOff x="0" y="0"/>
+          <a:chExt cx="0" cy="0"/>
+        </a:xfrm>
+      </p:grpSpPr>
+      <p:sp>
+        <p:nvSpPr>
+          <p:cNvPr id="9" name="Rectangle 8"/>
+          <p:cNvSpPr>
+            <a:spLocks noGrp="1" noRot="1" noChangeAspect="1" noMove="1" noResize="1" noEditPoints="1" noAdjustHandles="1" noChangeArrowheads="1" noChangeShapeType="1" noTextEdit="1"/>
+          </p:cNvSpPr>
+          <p:nvPr>
+            <p:extLst>
+              <p:ext uri="{386F3935-93C4-4BCD-93E2-E3B085C9AB24}">
+                <p16:designElem xmlns:p16="http://schemas.microsoft.com/office/powerpoint/2015/main" val="1"/>
+              </p:ext>
+            </p:extLst>
+          </p:nvPr>
+        </p:nvSpPr>
+        <p:spPr bwMode="white">
+          <a:xfrm>
+            <a:off x="0" y="0"/>
+            <a:ext cx="12192000" cy="6858000"/>
+          </a:xfrm>
+          <a:prstGeom prst="rect">
+            <a:avLst/>
+          </a:prstGeom>
+          <a:solidFill>
+            <a:schemeClr val="bg1"/>
+          </a:solidFill>
+          <a:ln>
+            <a:noFill/>
+          </a:ln>
+          <a:effectLst/>
+        </p:spPr>
+      </p:sp>
+      <p:sp>
+        <p:nvSpPr>
+          <p:cNvPr id="10" name="텍스트 상자 6">
+            <a:extLst>
+              <a:ext uri="{FF2B5EF4-FFF2-40B4-BE49-F238E27FC236}">
+                <a16:creationId xmlns:a16="http://schemas.microsoft.com/office/drawing/2014/main" id="{0154DA88-CBF7-4050-86DD-70A40DC7613A}"/>
+              </a:ext>
+            </a:extLst>
+          </p:cNvPr>
+          <p:cNvSpPr txBox="1"/>
+          <p:nvPr/>
+        </p:nvSpPr>
+        <p:spPr>
+          <a:xfrm>
+            <a:off x="454598" y="297932"/>
+            <a:ext cx="5084354" cy="584775"/>
+          </a:xfrm>
+          <a:prstGeom prst="rect">
+            <a:avLst/>
+          </a:prstGeom>
+          <a:noFill/>
+        </p:spPr>
+        <p:txBody>
+          <a:bodyPr wrap="square" rtlCol="0">
+            <a:spAutoFit/>
+          </a:bodyPr>
+          <a:lstStyle/>
+          <a:p>
+            <a:r>
+              <a:rPr kumimoji="1" lang="ko-KR" altLang="en-US" sz="3200" b="1" dirty="0" err="1">
+                <a:latin typeface="Noto Sans CJK KR" charset="-127"/>
+                <a:ea typeface="Noto Sans CJK KR" charset="-127"/>
+                <a:cs typeface="Noto Sans CJK KR" charset="-127"/>
+              </a:rPr>
+              <a:t>반복문</a:t>
+            </a:r>
+            <a:r>
+              <a:rPr kumimoji="1" lang="ko-KR" altLang="en-US" sz="3200" b="1" dirty="0">
+                <a:latin typeface="Noto Sans CJK KR" charset="-127"/>
+                <a:ea typeface="Noto Sans CJK KR" charset="-127"/>
+                <a:cs typeface="Noto Sans CJK KR" charset="-127"/>
+              </a:rPr>
+              <a:t> 익히기</a:t>
+            </a:r>
+          </a:p>
+        </p:txBody>
+      </p:sp>
+      <p:cxnSp>
+        <p:nvCxnSpPr>
+          <p:cNvPr id="12" name="직선 연결선[R] 7">
+            <a:extLst>
+              <a:ext uri="{FF2B5EF4-FFF2-40B4-BE49-F238E27FC236}">
+                <a16:creationId xmlns:a16="http://schemas.microsoft.com/office/drawing/2014/main" id="{8B7FBEC7-F95D-4966-BE79-BF568C7CDDE4}"/>
+              </a:ext>
+            </a:extLst>
+          </p:cNvPr>
+          <p:cNvCxnSpPr>
+            <a:cxnSpLocks/>
+          </p:cNvCxnSpPr>
+          <p:nvPr/>
+        </p:nvCxnSpPr>
+        <p:spPr>
+          <a:xfrm>
+            <a:off x="575761" y="942398"/>
+            <a:ext cx="651760" cy="0"/>
+          </a:xfrm>
+          <a:prstGeom prst="line">
+            <a:avLst/>
+          </a:prstGeom>
+        </p:spPr>
+        <p:style>
+          <a:lnRef idx="1">
+            <a:schemeClr val="dk1"/>
+          </a:lnRef>
+          <a:fillRef idx="0">
+            <a:schemeClr val="dk1"/>
+          </a:fillRef>
+          <a:effectRef idx="0">
+            <a:schemeClr val="dk1"/>
+          </a:effectRef>
+          <a:fontRef idx="minor">
+            <a:schemeClr val="tx1"/>
+          </a:fontRef>
+        </p:style>
+      </p:cxnSp>
+      <p:sp>
+        <p:nvSpPr>
+          <p:cNvPr id="11" name="텍스트 상자 12">
+            <a:extLst>
+              <a:ext uri="{FF2B5EF4-FFF2-40B4-BE49-F238E27FC236}">
+                <a16:creationId xmlns:a16="http://schemas.microsoft.com/office/drawing/2014/main" id="{05879D4C-85A1-455E-8CF9-1356E14CD423}"/>
+              </a:ext>
+            </a:extLst>
+          </p:cNvPr>
+          <p:cNvSpPr txBox="1"/>
+          <p:nvPr/>
+        </p:nvSpPr>
+        <p:spPr>
+          <a:xfrm>
+            <a:off x="1574362" y="2565301"/>
+            <a:ext cx="8269332" cy="587533"/>
+          </a:xfrm>
+          <a:prstGeom prst="rect">
+            <a:avLst/>
+          </a:prstGeom>
+          <a:noFill/>
+        </p:spPr>
+        <p:txBody>
+          <a:bodyPr wrap="square" rtlCol="0">
+            <a:spAutoFit/>
+          </a:bodyPr>
+          <a:lstStyle/>
+          <a:p>
+            <a:pPr>
+              <a:lnSpc>
+                <a:spcPct val="150000"/>
+              </a:lnSpc>
+            </a:pPr>
+            <a:r>
+              <a:rPr kumimoji="1" lang="en-US" altLang="ko-KR" sz="2400" b="1" spc="-150" dirty="0" err="1">
+                <a:solidFill>
+                  <a:schemeClr val="tx1">
+                    <a:lumMod val="95000"/>
+                    <a:lumOff val="5000"/>
+                  </a:schemeClr>
+                </a:solidFill>
+                <a:latin typeface="Consolas" panose="020B0609020204030204" pitchFamily="49" charset="0"/>
+                <a:ea typeface="Noto Sans CJK KR DemiLight" charset="-127"/>
+                <a:cs typeface="Noto Sans CJK KR DemiLight" charset="-127"/>
+              </a:rPr>
+              <a:t>TinyDB</a:t>
+            </a:r>
+            <a:endParaRPr kumimoji="1" lang="en-US" altLang="ko-KR" sz="2400" b="1" spc="-150" dirty="0">
+              <a:solidFill>
+                <a:schemeClr val="tx1">
+                  <a:lumMod val="95000"/>
+                  <a:lumOff val="5000"/>
+                </a:schemeClr>
+              </a:solidFill>
+              <a:latin typeface="Consolas" panose="020B0609020204030204" pitchFamily="49" charset="0"/>
+              <a:ea typeface="Noto Sans CJK KR DemiLight" charset="-127"/>
+              <a:cs typeface="Noto Sans CJK KR DemiLight" charset="-127"/>
+            </a:endParaRPr>
+          </a:p>
+        </p:txBody>
+      </p:sp>
+      <p:sp>
+        <p:nvSpPr>
+          <p:cNvPr id="14" name="텍스트 상자 12">
+            <a:extLst>
+              <a:ext uri="{FF2B5EF4-FFF2-40B4-BE49-F238E27FC236}">
+                <a16:creationId xmlns:a16="http://schemas.microsoft.com/office/drawing/2014/main" id="{9E4217FD-7991-4CD3-BBE6-A865D2AE4A7A}"/>
+              </a:ext>
+            </a:extLst>
+          </p:cNvPr>
+          <p:cNvSpPr txBox="1"/>
+          <p:nvPr/>
+        </p:nvSpPr>
+        <p:spPr>
+          <a:xfrm>
+            <a:off x="1704983" y="3152834"/>
+            <a:ext cx="9246795" cy="504562"/>
+          </a:xfrm>
+          <a:prstGeom prst="rect">
+            <a:avLst/>
+          </a:prstGeom>
+          <a:noFill/>
+        </p:spPr>
+        <p:txBody>
+          <a:bodyPr wrap="square" rtlCol="0">
+            <a:spAutoFit/>
+          </a:bodyPr>
+          <a:lstStyle/>
+          <a:p>
+            <a:pPr>
+              <a:lnSpc>
+                <a:spcPct val="150000"/>
+              </a:lnSpc>
+            </a:pPr>
+            <a:r>
+              <a:rPr kumimoji="1" lang="en-US" altLang="ko-KR" sz="2000" spc="-150" dirty="0" err="1">
+                <a:solidFill>
+                  <a:schemeClr val="tx1">
+                    <a:lumMod val="95000"/>
+                    <a:lumOff val="5000"/>
+                  </a:schemeClr>
+                </a:solidFill>
+                <a:latin typeface="Consolas" panose="020B0609020204030204" pitchFamily="49" charset="0"/>
+                <a:ea typeface="Noto Sans CJK KR DemiLight" charset="-127"/>
+                <a:cs typeface="Noto Sans CJK KR DemiLight" charset="-127"/>
+              </a:rPr>
+              <a:t>TinyDB</a:t>
+            </a:r>
+            <a:r>
+              <a:rPr kumimoji="1" lang="en-US" altLang="ko-KR" sz="2000" spc="-150" dirty="0">
+                <a:solidFill>
+                  <a:schemeClr val="tx1">
+                    <a:lumMod val="95000"/>
+                    <a:lumOff val="5000"/>
+                  </a:schemeClr>
+                </a:solidFill>
+                <a:latin typeface="Consolas" panose="020B0609020204030204" pitchFamily="49" charset="0"/>
+                <a:ea typeface="Noto Sans CJK KR DemiLight" charset="-127"/>
+                <a:cs typeface="Noto Sans CJK KR DemiLight" charset="-127"/>
+              </a:rPr>
+              <a:t> </a:t>
+            </a:r>
+            <a:r>
+              <a:rPr kumimoji="1" lang="ko-KR" altLang="en-US" sz="2000" spc="-150" dirty="0">
+                <a:solidFill>
+                  <a:schemeClr val="tx1">
+                    <a:lumMod val="95000"/>
+                    <a:lumOff val="5000"/>
+                  </a:schemeClr>
+                </a:solidFill>
+                <a:latin typeface="Consolas" panose="020B0609020204030204" pitchFamily="49" charset="0"/>
+                <a:ea typeface="Noto Sans CJK KR DemiLight" charset="-127"/>
+                <a:cs typeface="Noto Sans CJK KR DemiLight" charset="-127"/>
+              </a:rPr>
+              <a:t>는 </a:t>
+            </a:r>
+            <a:endParaRPr kumimoji="1" lang="en-US" altLang="ko-KR" sz="2000" spc="-150" dirty="0">
+              <a:solidFill>
+                <a:schemeClr val="tx1">
+                  <a:lumMod val="95000"/>
+                  <a:lumOff val="5000"/>
+                </a:schemeClr>
+              </a:solidFill>
+              <a:latin typeface="Consolas" panose="020B0609020204030204" pitchFamily="49" charset="0"/>
+              <a:ea typeface="Noto Sans CJK KR DemiLight" charset="-127"/>
+              <a:cs typeface="Noto Sans CJK KR DemiLight" charset="-127"/>
+            </a:endParaRPr>
+          </a:p>
+        </p:txBody>
+      </p:sp>
+      <p:pic>
+        <p:nvPicPr>
+          <p:cNvPr id="4" name="그림 3">
+            <a:extLst>
+              <a:ext uri="{FF2B5EF4-FFF2-40B4-BE49-F238E27FC236}">
+                <a16:creationId xmlns:a16="http://schemas.microsoft.com/office/drawing/2014/main" id="{0D02E84B-8C6D-4AA1-8805-60CF7D2F0A26}"/>
+              </a:ext>
+            </a:extLst>
+          </p:cNvPr>
+          <p:cNvPicPr>
+            <a:picLocks noChangeAspect="1"/>
+          </p:cNvPicPr>
+          <p:nvPr/>
+        </p:nvPicPr>
+        <p:blipFill>
+          <a:blip r:embed="rId3"/>
+          <a:stretch>
+            <a:fillRect/>
+          </a:stretch>
+        </p:blipFill>
+        <p:spPr>
+          <a:xfrm>
+            <a:off x="4077257" y="2859067"/>
+            <a:ext cx="7494632" cy="2470667"/>
+          </a:xfrm>
+          <a:prstGeom prst="rect">
+            <a:avLst/>
+          </a:prstGeom>
+        </p:spPr>
+      </p:pic>
+      <p:pic>
+        <p:nvPicPr>
+          <p:cNvPr id="5" name="그림 4">
+            <a:extLst>
+              <a:ext uri="{FF2B5EF4-FFF2-40B4-BE49-F238E27FC236}">
+                <a16:creationId xmlns:a16="http://schemas.microsoft.com/office/drawing/2014/main" id="{687B5C0E-8124-4F3F-9C02-A1C560FE73C4}"/>
+              </a:ext>
+            </a:extLst>
+          </p:cNvPr>
+          <p:cNvPicPr>
+            <a:picLocks noChangeAspect="1"/>
+          </p:cNvPicPr>
+          <p:nvPr/>
+        </p:nvPicPr>
+        <p:blipFill>
+          <a:blip r:embed="rId4"/>
+          <a:stretch>
+            <a:fillRect/>
+          </a:stretch>
+        </p:blipFill>
+        <p:spPr>
+          <a:xfrm>
+            <a:off x="479713" y="923203"/>
+            <a:ext cx="3323577" cy="5894300"/>
+          </a:xfrm>
+          <a:prstGeom prst="rect">
+            <a:avLst/>
+          </a:prstGeom>
+        </p:spPr>
+      </p:pic>
+    </p:spTree>
+    <p:extLst>
+      <p:ext uri="{BB962C8B-B14F-4D97-AF65-F5344CB8AC3E}">
+        <p14:creationId xmlns:p14="http://schemas.microsoft.com/office/powerpoint/2010/main" val="563679975"/>
+      </p:ext>
+    </p:extLst>
+  </p:cSld>
+  <p:clrMapOvr>
+    <a:masterClrMapping/>
+  </p:clrMapOvr>
+</p:sld>
+</file>
+
+<file path=ppt/slides/slide41.xml><?xml version="1.0" encoding="utf-8"?>
+<p:sld xmlns:a="http://schemas.openxmlformats.org/drawingml/2006/main" xmlns:r="http://schemas.openxmlformats.org/officeDocument/2006/relationships" xmlns:p="http://schemas.openxmlformats.org/presentationml/2006/main">
+  <p:cSld>
+    <p:spTree>
+      <p:nvGrpSpPr>
+        <p:cNvPr id="1" name=""/>
+        <p:cNvGrpSpPr/>
+        <p:nvPr/>
+      </p:nvGrpSpPr>
+      <p:grpSpPr>
+        <a:xfrm>
+          <a:off x="0" y="0"/>
+          <a:ext cx="0" cy="0"/>
+          <a:chOff x="0" y="0"/>
+          <a:chExt cx="0" cy="0"/>
+        </a:xfrm>
+      </p:grpSpPr>
+      <p:sp>
+        <p:nvSpPr>
+          <p:cNvPr id="9" name="Rectangle 8"/>
+          <p:cNvSpPr>
+            <a:spLocks noGrp="1" noRot="1" noChangeAspect="1" noMove="1" noResize="1" noEditPoints="1" noAdjustHandles="1" noChangeArrowheads="1" noChangeShapeType="1" noTextEdit="1"/>
+          </p:cNvSpPr>
+          <p:nvPr>
+            <p:extLst>
+              <p:ext uri="{386F3935-93C4-4BCD-93E2-E3B085C9AB24}">
+                <p16:designElem xmlns:p16="http://schemas.microsoft.com/office/powerpoint/2015/main" val="1"/>
+              </p:ext>
+            </p:extLst>
+          </p:nvPr>
+        </p:nvSpPr>
+        <p:spPr bwMode="white">
+          <a:xfrm>
+            <a:off x="0" y="0"/>
+            <a:ext cx="12192000" cy="6858000"/>
+          </a:xfrm>
+          <a:prstGeom prst="rect">
+            <a:avLst/>
+          </a:prstGeom>
+          <a:solidFill>
+            <a:schemeClr val="bg1"/>
+          </a:solidFill>
+          <a:ln>
+            <a:noFill/>
+          </a:ln>
+          <a:effectLst/>
+        </p:spPr>
+      </p:sp>
+      <p:sp>
+        <p:nvSpPr>
+          <p:cNvPr id="10" name="텍스트 상자 6">
+            <a:extLst>
+              <a:ext uri="{FF2B5EF4-FFF2-40B4-BE49-F238E27FC236}">
+                <a16:creationId xmlns:a16="http://schemas.microsoft.com/office/drawing/2014/main" id="{0154DA88-CBF7-4050-86DD-70A40DC7613A}"/>
+              </a:ext>
+            </a:extLst>
+          </p:cNvPr>
+          <p:cNvSpPr txBox="1"/>
+          <p:nvPr/>
+        </p:nvSpPr>
+        <p:spPr>
+          <a:xfrm>
+            <a:off x="454598" y="297932"/>
+            <a:ext cx="5084354" cy="584775"/>
+          </a:xfrm>
+          <a:prstGeom prst="rect">
+            <a:avLst/>
+          </a:prstGeom>
+          <a:noFill/>
+        </p:spPr>
+        <p:txBody>
+          <a:bodyPr wrap="square" rtlCol="0">
+            <a:spAutoFit/>
+          </a:bodyPr>
+          <a:lstStyle/>
+          <a:p>
+            <a:r>
+              <a:rPr kumimoji="1" lang="ko-KR" altLang="en-US" sz="3200" b="1" dirty="0" err="1">
+                <a:latin typeface="Noto Sans CJK KR" charset="-127"/>
+                <a:ea typeface="Noto Sans CJK KR" charset="-127"/>
+                <a:cs typeface="Noto Sans CJK KR" charset="-127"/>
+              </a:rPr>
+              <a:t>반복문</a:t>
+            </a:r>
+            <a:r>
+              <a:rPr kumimoji="1" lang="ko-KR" altLang="en-US" sz="3200" b="1" dirty="0">
+                <a:latin typeface="Noto Sans CJK KR" charset="-127"/>
+                <a:ea typeface="Noto Sans CJK KR" charset="-127"/>
+                <a:cs typeface="Noto Sans CJK KR" charset="-127"/>
+              </a:rPr>
+              <a:t> 익히기</a:t>
+            </a:r>
+          </a:p>
+        </p:txBody>
+      </p:sp>
+      <p:cxnSp>
+        <p:nvCxnSpPr>
+          <p:cNvPr id="12" name="직선 연결선[R] 7">
+            <a:extLst>
+              <a:ext uri="{FF2B5EF4-FFF2-40B4-BE49-F238E27FC236}">
+                <a16:creationId xmlns:a16="http://schemas.microsoft.com/office/drawing/2014/main" id="{8B7FBEC7-F95D-4966-BE79-BF568C7CDDE4}"/>
+              </a:ext>
+            </a:extLst>
+          </p:cNvPr>
+          <p:cNvCxnSpPr>
+            <a:cxnSpLocks/>
+          </p:cNvCxnSpPr>
+          <p:nvPr/>
+        </p:nvCxnSpPr>
+        <p:spPr>
+          <a:xfrm>
+            <a:off x="575761" y="942398"/>
+            <a:ext cx="651760" cy="0"/>
+          </a:xfrm>
+          <a:prstGeom prst="line">
+            <a:avLst/>
+          </a:prstGeom>
+        </p:spPr>
+        <p:style>
+          <a:lnRef idx="1">
+            <a:schemeClr val="dk1"/>
+          </a:lnRef>
+          <a:fillRef idx="0">
+            <a:schemeClr val="dk1"/>
+          </a:fillRef>
+          <a:effectRef idx="0">
+            <a:schemeClr val="dk1"/>
+          </a:effectRef>
+          <a:fontRef idx="minor">
+            <a:schemeClr val="tx1"/>
+          </a:fontRef>
+        </p:style>
+      </p:cxnSp>
+      <p:sp>
+        <p:nvSpPr>
+          <p:cNvPr id="11" name="텍스트 상자 12">
+            <a:extLst>
+              <a:ext uri="{FF2B5EF4-FFF2-40B4-BE49-F238E27FC236}">
+                <a16:creationId xmlns:a16="http://schemas.microsoft.com/office/drawing/2014/main" id="{05879D4C-85A1-455E-8CF9-1356E14CD423}"/>
+              </a:ext>
+            </a:extLst>
+          </p:cNvPr>
+          <p:cNvSpPr txBox="1"/>
+          <p:nvPr/>
+        </p:nvSpPr>
+        <p:spPr>
+          <a:xfrm>
+            <a:off x="1574362" y="2565301"/>
+            <a:ext cx="8269332" cy="587533"/>
+          </a:xfrm>
+          <a:prstGeom prst="rect">
+            <a:avLst/>
+          </a:prstGeom>
+          <a:noFill/>
+        </p:spPr>
+        <p:txBody>
+          <a:bodyPr wrap="square" rtlCol="0">
+            <a:spAutoFit/>
+          </a:bodyPr>
+          <a:lstStyle/>
+          <a:p>
+            <a:pPr>
+              <a:lnSpc>
+                <a:spcPct val="150000"/>
+              </a:lnSpc>
+            </a:pPr>
+            <a:r>
+              <a:rPr kumimoji="1" lang="en-US" altLang="ko-KR" sz="2400" b="1" spc="-150" dirty="0" err="1">
+                <a:solidFill>
+                  <a:schemeClr val="tx1">
+                    <a:lumMod val="95000"/>
+                    <a:lumOff val="5000"/>
+                  </a:schemeClr>
+                </a:solidFill>
+                <a:latin typeface="Consolas" panose="020B0609020204030204" pitchFamily="49" charset="0"/>
+                <a:ea typeface="Noto Sans CJK KR DemiLight" charset="-127"/>
+                <a:cs typeface="Noto Sans CJK KR DemiLight" charset="-127"/>
+              </a:rPr>
+              <a:t>TinyDB</a:t>
+            </a:r>
+            <a:endParaRPr kumimoji="1" lang="en-US" altLang="ko-KR" sz="2400" b="1" spc="-150" dirty="0">
+              <a:solidFill>
+                <a:schemeClr val="tx1">
+                  <a:lumMod val="95000"/>
+                  <a:lumOff val="5000"/>
+                </a:schemeClr>
+              </a:solidFill>
+              <a:latin typeface="Consolas" panose="020B0609020204030204" pitchFamily="49" charset="0"/>
+              <a:ea typeface="Noto Sans CJK KR DemiLight" charset="-127"/>
+              <a:cs typeface="Noto Sans CJK KR DemiLight" charset="-127"/>
+            </a:endParaRPr>
+          </a:p>
+        </p:txBody>
+      </p:sp>
+      <p:sp>
+        <p:nvSpPr>
+          <p:cNvPr id="14" name="텍스트 상자 12">
+            <a:extLst>
+              <a:ext uri="{FF2B5EF4-FFF2-40B4-BE49-F238E27FC236}">
+                <a16:creationId xmlns:a16="http://schemas.microsoft.com/office/drawing/2014/main" id="{9E4217FD-7991-4CD3-BBE6-A865D2AE4A7A}"/>
+              </a:ext>
+            </a:extLst>
+          </p:cNvPr>
+          <p:cNvSpPr txBox="1"/>
+          <p:nvPr/>
+        </p:nvSpPr>
+        <p:spPr>
+          <a:xfrm>
+            <a:off x="1704983" y="3152834"/>
+            <a:ext cx="9246795" cy="504562"/>
+          </a:xfrm>
+          <a:prstGeom prst="rect">
+            <a:avLst/>
+          </a:prstGeom>
+          <a:noFill/>
+        </p:spPr>
+        <p:txBody>
+          <a:bodyPr wrap="square" rtlCol="0">
+            <a:spAutoFit/>
+          </a:bodyPr>
+          <a:lstStyle/>
+          <a:p>
+            <a:pPr>
+              <a:lnSpc>
+                <a:spcPct val="150000"/>
+              </a:lnSpc>
+            </a:pPr>
+            <a:r>
+              <a:rPr kumimoji="1" lang="en-US" altLang="ko-KR" sz="2000" spc="-150" dirty="0" err="1">
+                <a:solidFill>
+                  <a:schemeClr val="tx1">
+                    <a:lumMod val="95000"/>
+                    <a:lumOff val="5000"/>
+                  </a:schemeClr>
+                </a:solidFill>
+                <a:latin typeface="Consolas" panose="020B0609020204030204" pitchFamily="49" charset="0"/>
+                <a:ea typeface="Noto Sans CJK KR DemiLight" charset="-127"/>
+                <a:cs typeface="Noto Sans CJK KR DemiLight" charset="-127"/>
+              </a:rPr>
+              <a:t>TinyDB</a:t>
+            </a:r>
+            <a:r>
+              <a:rPr kumimoji="1" lang="en-US" altLang="ko-KR" sz="2000" spc="-150" dirty="0">
+                <a:solidFill>
+                  <a:schemeClr val="tx1">
+                    <a:lumMod val="95000"/>
+                    <a:lumOff val="5000"/>
+                  </a:schemeClr>
+                </a:solidFill>
+                <a:latin typeface="Consolas" panose="020B0609020204030204" pitchFamily="49" charset="0"/>
+                <a:ea typeface="Noto Sans CJK KR DemiLight" charset="-127"/>
+                <a:cs typeface="Noto Sans CJK KR DemiLight" charset="-127"/>
+              </a:rPr>
+              <a:t> </a:t>
+            </a:r>
+            <a:r>
+              <a:rPr kumimoji="1" lang="ko-KR" altLang="en-US" sz="2000" spc="-150" dirty="0">
+                <a:solidFill>
+                  <a:schemeClr val="tx1">
+                    <a:lumMod val="95000"/>
+                    <a:lumOff val="5000"/>
+                  </a:schemeClr>
+                </a:solidFill>
+                <a:latin typeface="Consolas" panose="020B0609020204030204" pitchFamily="49" charset="0"/>
+                <a:ea typeface="Noto Sans CJK KR DemiLight" charset="-127"/>
+                <a:cs typeface="Noto Sans CJK KR DemiLight" charset="-127"/>
+              </a:rPr>
+              <a:t>는 </a:t>
+            </a:r>
+            <a:endParaRPr kumimoji="1" lang="en-US" altLang="ko-KR" sz="2000" spc="-150" dirty="0">
+              <a:solidFill>
+                <a:schemeClr val="tx1">
+                  <a:lumMod val="95000"/>
+                  <a:lumOff val="5000"/>
+                </a:schemeClr>
+              </a:solidFill>
+              <a:latin typeface="Consolas" panose="020B0609020204030204" pitchFamily="49" charset="0"/>
+              <a:ea typeface="Noto Sans CJK KR DemiLight" charset="-127"/>
+              <a:cs typeface="Noto Sans CJK KR DemiLight" charset="-127"/>
+            </a:endParaRPr>
+          </a:p>
+        </p:txBody>
+      </p:sp>
+      <p:pic>
+        <p:nvPicPr>
+          <p:cNvPr id="5" name="그림 4">
+            <a:extLst>
+              <a:ext uri="{FF2B5EF4-FFF2-40B4-BE49-F238E27FC236}">
+                <a16:creationId xmlns:a16="http://schemas.microsoft.com/office/drawing/2014/main" id="{687B5C0E-8124-4F3F-9C02-A1C560FE73C4}"/>
+              </a:ext>
+            </a:extLst>
+          </p:cNvPr>
+          <p:cNvPicPr>
+            <a:picLocks noChangeAspect="1"/>
+          </p:cNvPicPr>
+          <p:nvPr/>
+        </p:nvPicPr>
+        <p:blipFill>
+          <a:blip r:embed="rId3"/>
+          <a:stretch>
+            <a:fillRect/>
+          </a:stretch>
+        </p:blipFill>
+        <p:spPr>
+          <a:xfrm>
+            <a:off x="467591" y="923203"/>
+            <a:ext cx="3323577" cy="5894300"/>
+          </a:xfrm>
+          <a:prstGeom prst="rect">
+            <a:avLst/>
+          </a:prstGeom>
+        </p:spPr>
+      </p:pic>
+      <p:pic>
+        <p:nvPicPr>
+          <p:cNvPr id="2" name="그림 1">
+            <a:extLst>
+              <a:ext uri="{FF2B5EF4-FFF2-40B4-BE49-F238E27FC236}">
+                <a16:creationId xmlns:a16="http://schemas.microsoft.com/office/drawing/2014/main" id="{A477FC41-701E-48A2-8D22-70599A847E16}"/>
+              </a:ext>
+            </a:extLst>
+          </p:cNvPr>
+          <p:cNvPicPr>
+            <a:picLocks noChangeAspect="1"/>
+          </p:cNvPicPr>
+          <p:nvPr/>
+        </p:nvPicPr>
+        <p:blipFill>
+          <a:blip r:embed="rId4"/>
+          <a:stretch>
+            <a:fillRect/>
+          </a:stretch>
+        </p:blipFill>
+        <p:spPr>
+          <a:xfrm>
+            <a:off x="4104254" y="2140595"/>
+            <a:ext cx="7774660" cy="3648702"/>
+          </a:xfrm>
+          <a:prstGeom prst="rect">
+            <a:avLst/>
+          </a:prstGeom>
+        </p:spPr>
+      </p:pic>
+      <p:sp>
+        <p:nvSpPr>
+          <p:cNvPr id="13" name="텍스트 상자 12">
+            <a:extLst>
+              <a:ext uri="{FF2B5EF4-FFF2-40B4-BE49-F238E27FC236}">
+                <a16:creationId xmlns:a16="http://schemas.microsoft.com/office/drawing/2014/main" id="{962FAC56-3AAA-42A2-98ED-928211676921}"/>
+              </a:ext>
+            </a:extLst>
+          </p:cNvPr>
+          <p:cNvSpPr txBox="1"/>
+          <p:nvPr/>
+        </p:nvSpPr>
+        <p:spPr>
+          <a:xfrm>
+            <a:off x="3446875" y="315327"/>
+            <a:ext cx="4184153" cy="504562"/>
+          </a:xfrm>
+          <a:prstGeom prst="rect">
+            <a:avLst/>
+          </a:prstGeom>
+          <a:noFill/>
+        </p:spPr>
+        <p:txBody>
+          <a:bodyPr wrap="square" rtlCol="0">
+            <a:spAutoFit/>
+          </a:bodyPr>
+          <a:lstStyle/>
+          <a:p>
+            <a:pPr>
+              <a:lnSpc>
+                <a:spcPct val="150000"/>
+              </a:lnSpc>
+            </a:pPr>
+            <a:r>
+              <a:rPr kumimoji="1" lang="ko-KR" altLang="en-US" sz="2000" spc="-150" dirty="0">
+                <a:solidFill>
+                  <a:schemeClr val="tx1">
+                    <a:lumMod val="95000"/>
+                    <a:lumOff val="5000"/>
+                  </a:schemeClr>
+                </a:solidFill>
+                <a:latin typeface="Consolas" panose="020B0609020204030204" pitchFamily="49" charset="0"/>
+                <a:ea typeface="Noto Sans CJK KR DemiLight" charset="-127"/>
+                <a:cs typeface="Noto Sans CJK KR DemiLight" charset="-127"/>
+              </a:rPr>
+              <a:t>구구단 </a:t>
+            </a:r>
+            <a:r>
+              <a:rPr kumimoji="1" lang="ko-KR" altLang="en-US" sz="2000" spc="-150" dirty="0" err="1">
+                <a:solidFill>
+                  <a:schemeClr val="tx1">
+                    <a:lumMod val="95000"/>
+                    <a:lumOff val="5000"/>
+                  </a:schemeClr>
+                </a:solidFill>
+                <a:latin typeface="Consolas" panose="020B0609020204030204" pitchFamily="49" charset="0"/>
+                <a:ea typeface="Noto Sans CJK KR DemiLight" charset="-127"/>
+                <a:cs typeface="Noto Sans CJK KR DemiLight" charset="-127"/>
+              </a:rPr>
+              <a:t>만들어보기</a:t>
+            </a:r>
+            <a:endParaRPr kumimoji="1" lang="en-US" altLang="ko-KR" sz="2000" spc="-150" dirty="0">
+              <a:solidFill>
+                <a:schemeClr val="tx1">
+                  <a:lumMod val="95000"/>
+                  <a:lumOff val="5000"/>
+                </a:schemeClr>
+              </a:solidFill>
+              <a:latin typeface="Consolas" panose="020B0609020204030204" pitchFamily="49" charset="0"/>
+              <a:ea typeface="Noto Sans CJK KR DemiLight" charset="-127"/>
+              <a:cs typeface="Noto Sans CJK KR DemiLight" charset="-127"/>
+            </a:endParaRPr>
+          </a:p>
+        </p:txBody>
+      </p:sp>
+    </p:spTree>
+    <p:extLst>
+      <p:ext uri="{BB962C8B-B14F-4D97-AF65-F5344CB8AC3E}">
+        <p14:creationId xmlns:p14="http://schemas.microsoft.com/office/powerpoint/2010/main" val="1467735156"/>
+      </p:ext>
+    </p:extLst>
+  </p:cSld>
+  <p:clrMapOvr>
+    <a:masterClrMapping/>
+  </p:clrMapOvr>
+</p:sld>
+</file>
+
+<file path=ppt/slides/slide42.xml><?xml version="1.0" encoding="utf-8"?>
+<p:sld xmlns:a="http://schemas.openxmlformats.org/drawingml/2006/main" xmlns:r="http://schemas.openxmlformats.org/officeDocument/2006/relationships" xmlns:p="http://schemas.openxmlformats.org/presentationml/2006/main">
+  <p:cSld>
+    <p:spTree>
+      <p:nvGrpSpPr>
+        <p:cNvPr id="1" name=""/>
+        <p:cNvGrpSpPr/>
+        <p:nvPr/>
+      </p:nvGrpSpPr>
+      <p:grpSpPr>
+        <a:xfrm>
+          <a:off x="0" y="0"/>
+          <a:ext cx="0" cy="0"/>
+          <a:chOff x="0" y="0"/>
+          <a:chExt cx="0" cy="0"/>
+        </a:xfrm>
+      </p:grpSpPr>
+      <p:sp>
+        <p:nvSpPr>
+          <p:cNvPr id="5" name="텍스트 상자 4"/>
+          <p:cNvSpPr txBox="1"/>
+          <p:nvPr/>
+        </p:nvSpPr>
+        <p:spPr>
+          <a:xfrm>
+            <a:off x="5362171" y="3944867"/>
+            <a:ext cx="1031051" cy="369332"/>
+          </a:xfrm>
+          <a:prstGeom prst="rect">
+            <a:avLst/>
+          </a:prstGeom>
+          <a:noFill/>
+        </p:spPr>
+        <p:txBody>
+          <a:bodyPr wrap="none" rtlCol="0">
+            <a:spAutoFit/>
+          </a:bodyPr>
+          <a:lstStyle/>
+          <a:p>
+            <a:pPr algn="ctr"/>
+            <a:r>
+              <a:rPr kumimoji="1" lang="ko-KR" altLang="en-US" dirty="0" err="1">
+                <a:latin typeface="Noto Sans CJK KR DemiLight" charset="-127"/>
+                <a:ea typeface="Noto Sans CJK KR DemiLight" charset="-127"/>
+                <a:cs typeface="Noto Sans CJK KR DemiLight" charset="-127"/>
+              </a:rPr>
+              <a:t>ㅁㄴㅇㄹ</a:t>
+            </a:r>
+            <a:endParaRPr kumimoji="1" lang="ko-KR" altLang="en-US" dirty="0">
+              <a:latin typeface="Noto Sans CJK KR DemiLight" charset="-127"/>
+              <a:ea typeface="Noto Sans CJK KR DemiLight" charset="-127"/>
+              <a:cs typeface="Noto Sans CJK KR DemiLight" charset="-127"/>
+            </a:endParaRPr>
+          </a:p>
+        </p:txBody>
+      </p:sp>
+      <p:sp>
+        <p:nvSpPr>
+          <p:cNvPr id="7" name="텍스트 상자 6"/>
+          <p:cNvSpPr txBox="1"/>
+          <p:nvPr/>
+        </p:nvSpPr>
+        <p:spPr>
+          <a:xfrm>
+            <a:off x="3803283" y="2820054"/>
+            <a:ext cx="4148893" cy="769441"/>
+          </a:xfrm>
+          <a:prstGeom prst="rect">
+            <a:avLst/>
+          </a:prstGeom>
+          <a:noFill/>
+        </p:spPr>
+        <p:txBody>
+          <a:bodyPr wrap="none" rtlCol="0">
+            <a:spAutoFit/>
+          </a:bodyPr>
+          <a:lstStyle/>
+          <a:p>
+            <a:pPr algn="ctr"/>
+            <a:r>
+              <a:rPr kumimoji="1" lang="en-US" altLang="ko-KR" sz="4400" b="1" dirty="0">
+                <a:latin typeface="Noto Sans CJK KR" charset="-127"/>
+                <a:ea typeface="Noto Sans CJK KR" charset="-127"/>
+                <a:cs typeface="Noto Sans CJK KR" charset="-127"/>
+              </a:rPr>
+              <a:t>BGM </a:t>
+            </a:r>
+            <a:r>
+              <a:rPr kumimoji="1" lang="ko-KR" altLang="en-US" sz="4400" b="1" dirty="0">
+                <a:latin typeface="Noto Sans CJK KR" charset="-127"/>
+                <a:ea typeface="Noto Sans CJK KR" charset="-127"/>
+                <a:cs typeface="Noto Sans CJK KR" charset="-127"/>
+              </a:rPr>
+              <a:t>앱 만들기</a:t>
+            </a:r>
+            <a:endParaRPr kumimoji="1" lang="en-US" altLang="ko-KR" sz="4400" b="1" dirty="0">
+              <a:latin typeface="Noto Sans CJK KR" charset="-127"/>
+              <a:ea typeface="Noto Sans CJK KR" charset="-127"/>
+              <a:cs typeface="Noto Sans CJK KR" charset="-127"/>
+            </a:endParaRPr>
+          </a:p>
+        </p:txBody>
+      </p:sp>
+      <p:cxnSp>
+        <p:nvCxnSpPr>
+          <p:cNvPr id="9" name="직선 연결선[R] 8"/>
+          <p:cNvCxnSpPr>
+            <a:cxnSpLocks/>
+          </p:cNvCxnSpPr>
+          <p:nvPr/>
+        </p:nvCxnSpPr>
+        <p:spPr>
+          <a:xfrm>
+            <a:off x="4639951" y="3771497"/>
+            <a:ext cx="2541433" cy="0"/>
+          </a:xfrm>
+          <a:prstGeom prst="line">
+            <a:avLst/>
+          </a:prstGeom>
+        </p:spPr>
+        <p:style>
+          <a:lnRef idx="1">
+            <a:schemeClr val="dk1"/>
+          </a:lnRef>
+          <a:fillRef idx="0">
+            <a:schemeClr val="dk1"/>
+          </a:fillRef>
+          <a:effectRef idx="0">
+            <a:schemeClr val="dk1"/>
+          </a:effectRef>
+          <a:fontRef idx="minor">
+            <a:schemeClr val="tx1"/>
+          </a:fontRef>
+        </p:style>
+      </p:cxnSp>
+    </p:spTree>
+    <p:extLst>
+      <p:ext uri="{BB962C8B-B14F-4D97-AF65-F5344CB8AC3E}">
+        <p14:creationId xmlns:p14="http://schemas.microsoft.com/office/powerpoint/2010/main" val="1653648699"/>
+      </p:ext>
+    </p:extLst>
+  </p:cSld>
+  <p:clrMapOvr>
+    <a:masterClrMapping/>
+  </p:clrMapOvr>
+</p:sld>
+</file>
+
+<file path=ppt/slides/slide43.xml><?xml version="1.0" encoding="utf-8"?>
+<p:sld xmlns:a="http://schemas.openxmlformats.org/drawingml/2006/main" xmlns:r="http://schemas.openxmlformats.org/officeDocument/2006/relationships" xmlns:p="http://schemas.openxmlformats.org/presentationml/2006/main">
+  <p:cSld>
+    <p:spTree>
+      <p:nvGrpSpPr>
+        <p:cNvPr id="1" name=""/>
+        <p:cNvGrpSpPr/>
+        <p:nvPr/>
+      </p:nvGrpSpPr>
+      <p:grpSpPr>
+        <a:xfrm>
+          <a:off x="0" y="0"/>
+          <a:ext cx="0" cy="0"/>
+          <a:chOff x="0" y="0"/>
+          <a:chExt cx="0" cy="0"/>
+        </a:xfrm>
+      </p:grpSpPr>
+      <p:sp>
+        <p:nvSpPr>
+          <p:cNvPr id="9" name="Rectangle 8"/>
+          <p:cNvSpPr>
+            <a:spLocks noGrp="1" noRot="1" noChangeAspect="1" noMove="1" noResize="1" noEditPoints="1" noAdjustHandles="1" noChangeArrowheads="1" noChangeShapeType="1" noTextEdit="1"/>
+          </p:cNvSpPr>
+          <p:nvPr>
+            <p:extLst>
+              <p:ext uri="{386F3935-93C4-4BCD-93E2-E3B085C9AB24}">
+                <p16:designElem xmlns:p16="http://schemas.microsoft.com/office/powerpoint/2015/main" val="1"/>
+              </p:ext>
+            </p:extLst>
+          </p:nvPr>
+        </p:nvSpPr>
+        <p:spPr bwMode="white">
+          <a:xfrm>
+            <a:off x="0" y="0"/>
+            <a:ext cx="12192000" cy="6858000"/>
+          </a:xfrm>
+          <a:prstGeom prst="rect">
+            <a:avLst/>
+          </a:prstGeom>
+          <a:solidFill>
+            <a:schemeClr val="bg1"/>
+          </a:solidFill>
+          <a:ln>
+            <a:noFill/>
+          </a:ln>
+          <a:effectLst/>
+        </p:spPr>
+      </p:sp>
+      <p:sp>
+        <p:nvSpPr>
+          <p:cNvPr id="10" name="텍스트 상자 6">
+            <a:extLst>
+              <a:ext uri="{FF2B5EF4-FFF2-40B4-BE49-F238E27FC236}">
+                <a16:creationId xmlns:a16="http://schemas.microsoft.com/office/drawing/2014/main" id="{0154DA88-CBF7-4050-86DD-70A40DC7613A}"/>
+              </a:ext>
+            </a:extLst>
+          </p:cNvPr>
+          <p:cNvSpPr txBox="1"/>
+          <p:nvPr/>
+        </p:nvSpPr>
+        <p:spPr>
+          <a:xfrm>
+            <a:off x="454598" y="297932"/>
+            <a:ext cx="5084354" cy="584775"/>
+          </a:xfrm>
+          <a:prstGeom prst="rect">
+            <a:avLst/>
+          </a:prstGeom>
+          <a:noFill/>
+        </p:spPr>
+        <p:txBody>
+          <a:bodyPr wrap="square" rtlCol="0">
+            <a:spAutoFit/>
+          </a:bodyPr>
+          <a:lstStyle/>
+          <a:p>
+            <a:r>
+              <a:rPr kumimoji="1" lang="en-US" altLang="ko-KR" sz="3200" b="1" dirty="0">
+                <a:latin typeface="Noto Sans CJK KR" charset="-127"/>
+                <a:ea typeface="Noto Sans CJK KR" charset="-127"/>
+                <a:cs typeface="Noto Sans CJK KR" charset="-127"/>
+              </a:rPr>
+              <a:t>BGM </a:t>
+            </a:r>
+            <a:r>
+              <a:rPr kumimoji="1" lang="ko-KR" altLang="en-US" sz="3200" b="1" dirty="0">
+                <a:latin typeface="Noto Sans CJK KR" charset="-127"/>
+                <a:ea typeface="Noto Sans CJK KR" charset="-127"/>
+                <a:cs typeface="Noto Sans CJK KR" charset="-127"/>
+              </a:rPr>
+              <a:t>앱 만들기</a:t>
+            </a:r>
+          </a:p>
+        </p:txBody>
+      </p:sp>
+      <p:cxnSp>
+        <p:nvCxnSpPr>
+          <p:cNvPr id="12" name="직선 연결선[R] 7">
+            <a:extLst>
+              <a:ext uri="{FF2B5EF4-FFF2-40B4-BE49-F238E27FC236}">
+                <a16:creationId xmlns:a16="http://schemas.microsoft.com/office/drawing/2014/main" id="{8B7FBEC7-F95D-4966-BE79-BF568C7CDDE4}"/>
+              </a:ext>
+            </a:extLst>
+          </p:cNvPr>
+          <p:cNvCxnSpPr>
+            <a:cxnSpLocks/>
+          </p:cNvCxnSpPr>
+          <p:nvPr/>
+        </p:nvCxnSpPr>
+        <p:spPr>
+          <a:xfrm>
+            <a:off x="575761" y="942398"/>
+            <a:ext cx="651760" cy="0"/>
+          </a:xfrm>
+          <a:prstGeom prst="line">
+            <a:avLst/>
+          </a:prstGeom>
+        </p:spPr>
+        <p:style>
+          <a:lnRef idx="1">
+            <a:schemeClr val="dk1"/>
+          </a:lnRef>
+          <a:fillRef idx="0">
+            <a:schemeClr val="dk1"/>
+          </a:fillRef>
+          <a:effectRef idx="0">
+            <a:schemeClr val="dk1"/>
+          </a:effectRef>
+          <a:fontRef idx="minor">
+            <a:schemeClr val="tx1"/>
+          </a:fontRef>
+        </p:style>
+      </p:cxnSp>
+      <p:sp>
+        <p:nvSpPr>
+          <p:cNvPr id="14" name="텍스트 상자 12">
+            <a:extLst>
+              <a:ext uri="{FF2B5EF4-FFF2-40B4-BE49-F238E27FC236}">
+                <a16:creationId xmlns:a16="http://schemas.microsoft.com/office/drawing/2014/main" id="{9E4217FD-7991-4CD3-BBE6-A865D2AE4A7A}"/>
+              </a:ext>
+            </a:extLst>
+          </p:cNvPr>
+          <p:cNvSpPr txBox="1"/>
+          <p:nvPr/>
+        </p:nvSpPr>
+        <p:spPr>
+          <a:xfrm>
+            <a:off x="1704983" y="3152834"/>
+            <a:ext cx="9246795" cy="504562"/>
+          </a:xfrm>
+          <a:prstGeom prst="rect">
+            <a:avLst/>
+          </a:prstGeom>
+          <a:noFill/>
+        </p:spPr>
+        <p:txBody>
+          <a:bodyPr wrap="square" rtlCol="0">
+            <a:spAutoFit/>
+          </a:bodyPr>
+          <a:lstStyle/>
+          <a:p>
+            <a:pPr>
+              <a:lnSpc>
+                <a:spcPct val="150000"/>
+              </a:lnSpc>
+            </a:pPr>
+            <a:r>
+              <a:rPr kumimoji="1" lang="en-US" altLang="ko-KR" sz="2000" spc="-150" dirty="0" err="1">
+                <a:solidFill>
+                  <a:schemeClr val="tx1">
+                    <a:lumMod val="95000"/>
+                    <a:lumOff val="5000"/>
+                  </a:schemeClr>
+                </a:solidFill>
+                <a:latin typeface="Consolas" panose="020B0609020204030204" pitchFamily="49" charset="0"/>
+                <a:ea typeface="Noto Sans CJK KR DemiLight" charset="-127"/>
+                <a:cs typeface="Noto Sans CJK KR DemiLight" charset="-127"/>
+              </a:rPr>
+              <a:t>TinyDB</a:t>
+            </a:r>
+            <a:r>
+              <a:rPr kumimoji="1" lang="en-US" altLang="ko-KR" sz="2000" spc="-150" dirty="0">
+                <a:solidFill>
+                  <a:schemeClr val="tx1">
+                    <a:lumMod val="95000"/>
+                    <a:lumOff val="5000"/>
+                  </a:schemeClr>
+                </a:solidFill>
+                <a:latin typeface="Consolas" panose="020B0609020204030204" pitchFamily="49" charset="0"/>
+                <a:ea typeface="Noto Sans CJK KR DemiLight" charset="-127"/>
+                <a:cs typeface="Noto Sans CJK KR DemiLight" charset="-127"/>
+              </a:rPr>
+              <a:t> </a:t>
+            </a:r>
+            <a:r>
+              <a:rPr kumimoji="1" lang="ko-KR" altLang="en-US" sz="2000" spc="-150" dirty="0">
+                <a:solidFill>
+                  <a:schemeClr val="tx1">
+                    <a:lumMod val="95000"/>
+                    <a:lumOff val="5000"/>
+                  </a:schemeClr>
+                </a:solidFill>
+                <a:latin typeface="Consolas" panose="020B0609020204030204" pitchFamily="49" charset="0"/>
+                <a:ea typeface="Noto Sans CJK KR DemiLight" charset="-127"/>
+                <a:cs typeface="Noto Sans CJK KR DemiLight" charset="-127"/>
+              </a:rPr>
+              <a:t>는 </a:t>
+            </a:r>
+            <a:endParaRPr kumimoji="1" lang="en-US" altLang="ko-KR" sz="2000" spc="-150" dirty="0">
+              <a:solidFill>
+                <a:schemeClr val="tx1">
+                  <a:lumMod val="95000"/>
+                  <a:lumOff val="5000"/>
+                </a:schemeClr>
+              </a:solidFill>
+              <a:latin typeface="Consolas" panose="020B0609020204030204" pitchFamily="49" charset="0"/>
+              <a:ea typeface="Noto Sans CJK KR DemiLight" charset="-127"/>
+              <a:cs typeface="Noto Sans CJK KR DemiLight" charset="-127"/>
+            </a:endParaRPr>
+          </a:p>
+        </p:txBody>
+      </p:sp>
+      <p:pic>
+        <p:nvPicPr>
+          <p:cNvPr id="2" name="그림 1">
+            <a:extLst>
+              <a:ext uri="{FF2B5EF4-FFF2-40B4-BE49-F238E27FC236}">
+                <a16:creationId xmlns:a16="http://schemas.microsoft.com/office/drawing/2014/main" id="{02237C56-DFCA-4E16-8750-DEDB02BC657E}"/>
+              </a:ext>
+            </a:extLst>
+          </p:cNvPr>
+          <p:cNvPicPr>
+            <a:picLocks noChangeAspect="1"/>
+          </p:cNvPicPr>
+          <p:nvPr/>
+        </p:nvPicPr>
+        <p:blipFill>
+          <a:blip r:embed="rId3"/>
+          <a:stretch>
+            <a:fillRect/>
+          </a:stretch>
+        </p:blipFill>
+        <p:spPr>
+          <a:xfrm>
+            <a:off x="545557" y="939860"/>
+            <a:ext cx="3227657" cy="5860986"/>
+          </a:xfrm>
+          <a:prstGeom prst="rect">
+            <a:avLst/>
+          </a:prstGeom>
+        </p:spPr>
+      </p:pic>
+      <p:sp>
+        <p:nvSpPr>
+          <p:cNvPr id="13" name="텍스트 상자 12">
+            <a:extLst>
+              <a:ext uri="{FF2B5EF4-FFF2-40B4-BE49-F238E27FC236}">
+                <a16:creationId xmlns:a16="http://schemas.microsoft.com/office/drawing/2014/main" id="{7C08DB0E-381D-467D-B154-19B49A9A25C3}"/>
+              </a:ext>
+            </a:extLst>
+          </p:cNvPr>
+          <p:cNvSpPr txBox="1"/>
+          <p:nvPr/>
+        </p:nvSpPr>
+        <p:spPr>
+          <a:xfrm>
+            <a:off x="4550243" y="2943226"/>
+            <a:ext cx="6864728" cy="2351221"/>
+          </a:xfrm>
+          <a:prstGeom prst="rect">
+            <a:avLst/>
+          </a:prstGeom>
+          <a:noFill/>
+        </p:spPr>
+        <p:txBody>
+          <a:bodyPr wrap="square" rtlCol="0">
+            <a:spAutoFit/>
+          </a:bodyPr>
+          <a:lstStyle/>
+          <a:p>
+            <a:pPr>
+              <a:lnSpc>
+                <a:spcPct val="150000"/>
+              </a:lnSpc>
+            </a:pPr>
+            <a:r>
+              <a:rPr kumimoji="1" lang="ko-KR" altLang="en-US" sz="2000" spc="-150" dirty="0">
+                <a:solidFill>
+                  <a:schemeClr val="tx1">
+                    <a:lumMod val="95000"/>
+                    <a:lumOff val="5000"/>
+                  </a:schemeClr>
+                </a:solidFill>
+                <a:latin typeface="Consolas" panose="020B0609020204030204" pitchFamily="49" charset="0"/>
+                <a:ea typeface="Noto Sans CJK KR DemiLight" charset="-127"/>
+                <a:cs typeface="Noto Sans CJK KR DemiLight" charset="-127"/>
+              </a:rPr>
+              <a:t>선택한 </a:t>
+            </a:r>
+            <a:r>
+              <a:rPr kumimoji="1" lang="en-US" altLang="ko-KR" sz="2000" spc="-150" dirty="0" err="1">
+                <a:solidFill>
+                  <a:schemeClr val="tx1">
+                    <a:lumMod val="95000"/>
+                    <a:lumOff val="5000"/>
+                  </a:schemeClr>
+                </a:solidFill>
+                <a:latin typeface="Consolas" panose="020B0609020204030204" pitchFamily="49" charset="0"/>
+                <a:ea typeface="Noto Sans CJK KR DemiLight" charset="-127"/>
+                <a:cs typeface="Noto Sans CJK KR DemiLight" charset="-127"/>
+              </a:rPr>
+              <a:t>bgm</a:t>
+            </a:r>
+            <a:r>
+              <a:rPr kumimoji="1" lang="en-US" altLang="ko-KR" sz="2000" spc="-150" dirty="0">
+                <a:solidFill>
+                  <a:schemeClr val="tx1">
+                    <a:lumMod val="95000"/>
+                    <a:lumOff val="5000"/>
+                  </a:schemeClr>
+                </a:solidFill>
+                <a:latin typeface="Consolas" panose="020B0609020204030204" pitchFamily="49" charset="0"/>
+                <a:ea typeface="Noto Sans CJK KR DemiLight" charset="-127"/>
+                <a:cs typeface="Noto Sans CJK KR DemiLight" charset="-127"/>
+              </a:rPr>
+              <a:t> </a:t>
+            </a:r>
+            <a:r>
+              <a:rPr kumimoji="1" lang="ko-KR" altLang="en-US" sz="2000" spc="-150" dirty="0">
+                <a:solidFill>
+                  <a:schemeClr val="tx1">
+                    <a:lumMod val="95000"/>
+                    <a:lumOff val="5000"/>
+                  </a:schemeClr>
+                </a:solidFill>
+                <a:latin typeface="Consolas" panose="020B0609020204030204" pitchFamily="49" charset="0"/>
+                <a:ea typeface="Noto Sans CJK KR DemiLight" charset="-127"/>
+                <a:cs typeface="Noto Sans CJK KR DemiLight" charset="-127"/>
+              </a:rPr>
+              <a:t>이 나오는 앱이다</a:t>
+            </a:r>
+            <a:r>
+              <a:rPr kumimoji="1" lang="en-US" altLang="ko-KR" sz="2000" spc="-150" dirty="0">
+                <a:solidFill>
+                  <a:schemeClr val="tx1">
+                    <a:lumMod val="95000"/>
+                    <a:lumOff val="5000"/>
+                  </a:schemeClr>
+                </a:solidFill>
+                <a:latin typeface="Consolas" panose="020B0609020204030204" pitchFamily="49" charset="0"/>
+                <a:ea typeface="Noto Sans CJK KR DemiLight" charset="-127"/>
+                <a:cs typeface="Noto Sans CJK KR DemiLight" charset="-127"/>
+              </a:rPr>
+              <a:t>.</a:t>
+            </a:r>
+          </a:p>
+          <a:p>
+            <a:pPr>
+              <a:lnSpc>
+                <a:spcPct val="150000"/>
+              </a:lnSpc>
+            </a:pPr>
+            <a:r>
+              <a:rPr kumimoji="1" lang="ko-KR" altLang="en-US" sz="2000" spc="-150" dirty="0">
+                <a:solidFill>
+                  <a:schemeClr val="tx1">
+                    <a:lumMod val="95000"/>
+                    <a:lumOff val="5000"/>
+                  </a:schemeClr>
+                </a:solidFill>
+                <a:latin typeface="Consolas" panose="020B0609020204030204" pitchFamily="49" charset="0"/>
+                <a:ea typeface="Noto Sans CJK KR DemiLight" charset="-127"/>
+                <a:cs typeface="Noto Sans CJK KR DemiLight" charset="-127"/>
+              </a:rPr>
+              <a:t>듣고 싶은 </a:t>
+            </a:r>
+            <a:r>
+              <a:rPr kumimoji="1" lang="ko-KR" altLang="en-US" sz="2000" spc="-150" dirty="0" err="1">
+                <a:solidFill>
+                  <a:schemeClr val="tx1">
+                    <a:lumMod val="95000"/>
+                    <a:lumOff val="5000"/>
+                  </a:schemeClr>
+                </a:solidFill>
+                <a:latin typeface="Consolas" panose="020B0609020204030204" pitchFamily="49" charset="0"/>
+                <a:ea typeface="Noto Sans CJK KR DemiLight" charset="-127"/>
+                <a:cs typeface="Noto Sans CJK KR DemiLight" charset="-127"/>
+              </a:rPr>
+              <a:t>브금의</a:t>
+            </a:r>
+            <a:r>
+              <a:rPr kumimoji="1" lang="ko-KR" altLang="en-US" sz="2000" spc="-150" dirty="0">
+                <a:solidFill>
+                  <a:schemeClr val="tx1">
+                    <a:lumMod val="95000"/>
+                    <a:lumOff val="5000"/>
+                  </a:schemeClr>
+                </a:solidFill>
+                <a:latin typeface="Consolas" panose="020B0609020204030204" pitchFamily="49" charset="0"/>
+                <a:ea typeface="Noto Sans CJK KR DemiLight" charset="-127"/>
+                <a:cs typeface="Noto Sans CJK KR DemiLight" charset="-127"/>
+              </a:rPr>
+              <a:t> 체크박스를 선택하고 감상하기를 누르면 </a:t>
+            </a:r>
+            <a:r>
+              <a:rPr kumimoji="1" lang="ko-KR" altLang="en-US" sz="2000" spc="-150" dirty="0" err="1">
+                <a:solidFill>
+                  <a:schemeClr val="tx1">
+                    <a:lumMod val="95000"/>
+                    <a:lumOff val="5000"/>
+                  </a:schemeClr>
+                </a:solidFill>
+                <a:latin typeface="Consolas" panose="020B0609020204030204" pitchFamily="49" charset="0"/>
+                <a:ea typeface="Noto Sans CJK KR DemiLight" charset="-127"/>
+                <a:cs typeface="Noto Sans CJK KR DemiLight" charset="-127"/>
+              </a:rPr>
+              <a:t>브금이</a:t>
+            </a:r>
+            <a:r>
+              <a:rPr kumimoji="1" lang="ko-KR" altLang="en-US" sz="2000" spc="-150" dirty="0">
+                <a:solidFill>
+                  <a:schemeClr val="tx1">
+                    <a:lumMod val="95000"/>
+                    <a:lumOff val="5000"/>
+                  </a:schemeClr>
+                </a:solidFill>
+                <a:latin typeface="Consolas" panose="020B0609020204030204" pitchFamily="49" charset="0"/>
+                <a:ea typeface="Noto Sans CJK KR DemiLight" charset="-127"/>
+                <a:cs typeface="Noto Sans CJK KR DemiLight" charset="-127"/>
+              </a:rPr>
+              <a:t> 나온다</a:t>
+            </a:r>
+            <a:r>
+              <a:rPr kumimoji="1" lang="en-US" altLang="ko-KR" sz="2000" spc="-150" dirty="0">
+                <a:solidFill>
+                  <a:schemeClr val="tx1">
+                    <a:lumMod val="95000"/>
+                    <a:lumOff val="5000"/>
+                  </a:schemeClr>
+                </a:solidFill>
+                <a:latin typeface="Consolas" panose="020B0609020204030204" pitchFamily="49" charset="0"/>
+                <a:ea typeface="Noto Sans CJK KR DemiLight" charset="-127"/>
+                <a:cs typeface="Noto Sans CJK KR DemiLight" charset="-127"/>
+              </a:rPr>
+              <a:t>.</a:t>
+            </a:r>
+            <a:r>
+              <a:rPr kumimoji="1" lang="ko-KR" altLang="en-US" sz="2000" spc="-150" dirty="0">
+                <a:solidFill>
+                  <a:schemeClr val="tx1">
+                    <a:lumMod val="95000"/>
+                    <a:lumOff val="5000"/>
+                  </a:schemeClr>
+                </a:solidFill>
+                <a:latin typeface="Consolas" panose="020B0609020204030204" pitchFamily="49" charset="0"/>
+                <a:ea typeface="Noto Sans CJK KR DemiLight" charset="-127"/>
+                <a:cs typeface="Noto Sans CJK KR DemiLight" charset="-127"/>
+              </a:rPr>
+              <a:t> </a:t>
+            </a:r>
+            <a:endParaRPr kumimoji="1" lang="en-US" altLang="ko-KR" sz="2000" spc="-150" dirty="0">
+              <a:solidFill>
+                <a:schemeClr val="tx1">
+                  <a:lumMod val="95000"/>
+                  <a:lumOff val="5000"/>
+                </a:schemeClr>
+              </a:solidFill>
+              <a:latin typeface="Consolas" panose="020B0609020204030204" pitchFamily="49" charset="0"/>
+              <a:ea typeface="Noto Sans CJK KR DemiLight" charset="-127"/>
+              <a:cs typeface="Noto Sans CJK KR DemiLight" charset="-127"/>
+            </a:endParaRPr>
+          </a:p>
+          <a:p>
+            <a:pPr>
+              <a:lnSpc>
+                <a:spcPct val="150000"/>
+              </a:lnSpc>
+            </a:pPr>
+            <a:endParaRPr kumimoji="1" lang="en-US" altLang="ko-KR" sz="2000" spc="-150" dirty="0">
+              <a:solidFill>
+                <a:schemeClr val="tx1">
+                  <a:lumMod val="95000"/>
+                  <a:lumOff val="5000"/>
+                </a:schemeClr>
+              </a:solidFill>
+              <a:latin typeface="Consolas" panose="020B0609020204030204" pitchFamily="49" charset="0"/>
+              <a:ea typeface="Noto Sans CJK KR DemiLight" charset="-127"/>
+              <a:cs typeface="Noto Sans CJK KR DemiLight" charset="-127"/>
+            </a:endParaRPr>
+          </a:p>
+          <a:p>
+            <a:pPr>
+              <a:lnSpc>
+                <a:spcPct val="150000"/>
+              </a:lnSpc>
+            </a:pPr>
+            <a:r>
+              <a:rPr kumimoji="1" lang="en-US" altLang="ko-KR" sz="2000" spc="-150" dirty="0">
+                <a:solidFill>
+                  <a:schemeClr val="tx1">
+                    <a:lumMod val="95000"/>
+                    <a:lumOff val="5000"/>
+                  </a:schemeClr>
+                </a:solidFill>
+                <a:latin typeface="Consolas" panose="020B0609020204030204" pitchFamily="49" charset="0"/>
+                <a:ea typeface="Noto Sans CJK KR DemiLight" charset="-127"/>
+                <a:cs typeface="Noto Sans CJK KR DemiLight" charset="-127"/>
+              </a:rPr>
+              <a:t># </a:t>
+            </a:r>
+            <a:r>
+              <a:rPr kumimoji="1" lang="ko-KR" altLang="en-US" sz="2000" spc="-150" dirty="0" err="1">
+                <a:solidFill>
+                  <a:schemeClr val="tx1">
+                    <a:lumMod val="95000"/>
+                    <a:lumOff val="5000"/>
+                  </a:schemeClr>
+                </a:solidFill>
+                <a:latin typeface="Consolas" panose="020B0609020204030204" pitchFamily="49" charset="0"/>
+                <a:ea typeface="Noto Sans CJK KR DemiLight" charset="-127"/>
+                <a:cs typeface="Noto Sans CJK KR DemiLight" charset="-127"/>
+              </a:rPr>
+              <a:t>조건문</a:t>
+            </a:r>
+            <a:r>
+              <a:rPr kumimoji="1" lang="ko-KR" altLang="en-US" sz="2000" spc="-150" dirty="0">
+                <a:solidFill>
+                  <a:schemeClr val="tx1">
+                    <a:lumMod val="95000"/>
+                    <a:lumOff val="5000"/>
+                  </a:schemeClr>
+                </a:solidFill>
+                <a:latin typeface="Consolas" panose="020B0609020204030204" pitchFamily="49" charset="0"/>
+                <a:ea typeface="Noto Sans CJK KR DemiLight" charset="-127"/>
+                <a:cs typeface="Noto Sans CJK KR DemiLight" charset="-127"/>
+              </a:rPr>
+              <a:t> 정리</a:t>
+            </a:r>
+            <a:endParaRPr kumimoji="1" lang="en-US" altLang="ko-KR" sz="2000" spc="-150" dirty="0">
+              <a:solidFill>
+                <a:schemeClr val="tx1">
+                  <a:lumMod val="95000"/>
+                  <a:lumOff val="5000"/>
+                </a:schemeClr>
+              </a:solidFill>
+              <a:latin typeface="Consolas" panose="020B0609020204030204" pitchFamily="49" charset="0"/>
+              <a:ea typeface="Noto Sans CJK KR DemiLight" charset="-127"/>
+              <a:cs typeface="Noto Sans CJK KR DemiLight" charset="-127"/>
+            </a:endParaRPr>
+          </a:p>
+        </p:txBody>
+      </p:sp>
+    </p:spTree>
+    <p:extLst>
+      <p:ext uri="{BB962C8B-B14F-4D97-AF65-F5344CB8AC3E}">
+        <p14:creationId xmlns:p14="http://schemas.microsoft.com/office/powerpoint/2010/main" val="262514351"/>
+      </p:ext>
+    </p:extLst>
+  </p:cSld>
+  <p:clrMapOvr>
+    <a:masterClrMapping/>
+  </p:clrMapOvr>
+</p:sld>
+</file>
+
+<file path=ppt/slides/slide44.xml><?xml version="1.0" encoding="utf-8"?>
+<p:sld xmlns:a="http://schemas.openxmlformats.org/drawingml/2006/main" xmlns:r="http://schemas.openxmlformats.org/officeDocument/2006/relationships" xmlns:p="http://schemas.openxmlformats.org/presentationml/2006/main">
+  <p:cSld>
+    <p:spTree>
+      <p:nvGrpSpPr>
+        <p:cNvPr id="1" name=""/>
+        <p:cNvGrpSpPr/>
+        <p:nvPr/>
+      </p:nvGrpSpPr>
+      <p:grpSpPr>
+        <a:xfrm>
+          <a:off x="0" y="0"/>
+          <a:ext cx="0" cy="0"/>
+          <a:chOff x="0" y="0"/>
+          <a:chExt cx="0" cy="0"/>
+        </a:xfrm>
+      </p:grpSpPr>
+      <p:sp>
+        <p:nvSpPr>
+          <p:cNvPr id="9" name="Rectangle 8"/>
+          <p:cNvSpPr>
+            <a:spLocks noGrp="1" noRot="1" noChangeAspect="1" noMove="1" noResize="1" noEditPoints="1" noAdjustHandles="1" noChangeArrowheads="1" noChangeShapeType="1" noTextEdit="1"/>
+          </p:cNvSpPr>
+          <p:nvPr>
+            <p:extLst>
+              <p:ext uri="{386F3935-93C4-4BCD-93E2-E3B085C9AB24}">
+                <p16:designElem xmlns:p16="http://schemas.microsoft.com/office/powerpoint/2015/main" val="1"/>
+              </p:ext>
+            </p:extLst>
+          </p:nvPr>
+        </p:nvSpPr>
+        <p:spPr bwMode="white">
+          <a:xfrm>
+            <a:off x="0" y="0"/>
+            <a:ext cx="12192000" cy="6858000"/>
+          </a:xfrm>
+          <a:prstGeom prst="rect">
+            <a:avLst/>
+          </a:prstGeom>
+          <a:solidFill>
+            <a:schemeClr val="bg1"/>
+          </a:solidFill>
+          <a:ln>
+            <a:noFill/>
+          </a:ln>
+          <a:effectLst/>
+        </p:spPr>
+      </p:sp>
+      <p:sp>
+        <p:nvSpPr>
+          <p:cNvPr id="10" name="텍스트 상자 6">
+            <a:extLst>
+              <a:ext uri="{FF2B5EF4-FFF2-40B4-BE49-F238E27FC236}">
+                <a16:creationId xmlns:a16="http://schemas.microsoft.com/office/drawing/2014/main" id="{0154DA88-CBF7-4050-86DD-70A40DC7613A}"/>
+              </a:ext>
+            </a:extLst>
+          </p:cNvPr>
+          <p:cNvSpPr txBox="1"/>
+          <p:nvPr/>
+        </p:nvSpPr>
+        <p:spPr>
+          <a:xfrm>
+            <a:off x="454598" y="297932"/>
+            <a:ext cx="5084354" cy="584775"/>
+          </a:xfrm>
+          <a:prstGeom prst="rect">
+            <a:avLst/>
+          </a:prstGeom>
+          <a:noFill/>
+        </p:spPr>
+        <p:txBody>
+          <a:bodyPr wrap="square" rtlCol="0">
+            <a:spAutoFit/>
+          </a:bodyPr>
+          <a:lstStyle/>
+          <a:p>
+            <a:r>
+              <a:rPr kumimoji="1" lang="en-US" altLang="ko-KR" sz="3200" b="1" dirty="0">
+                <a:latin typeface="Noto Sans CJK KR" charset="-127"/>
+                <a:ea typeface="Noto Sans CJK KR" charset="-127"/>
+                <a:cs typeface="Noto Sans CJK KR" charset="-127"/>
+              </a:rPr>
+              <a:t>BGM </a:t>
+            </a:r>
+            <a:r>
+              <a:rPr kumimoji="1" lang="ko-KR" altLang="en-US" sz="3200" b="1" dirty="0">
+                <a:latin typeface="Noto Sans CJK KR" charset="-127"/>
+                <a:ea typeface="Noto Sans CJK KR" charset="-127"/>
+                <a:cs typeface="Noto Sans CJK KR" charset="-127"/>
+              </a:rPr>
+              <a:t>앱 만들기</a:t>
+            </a:r>
+          </a:p>
+        </p:txBody>
+      </p:sp>
+      <p:cxnSp>
+        <p:nvCxnSpPr>
+          <p:cNvPr id="12" name="직선 연결선[R] 7">
+            <a:extLst>
+              <a:ext uri="{FF2B5EF4-FFF2-40B4-BE49-F238E27FC236}">
+                <a16:creationId xmlns:a16="http://schemas.microsoft.com/office/drawing/2014/main" id="{8B7FBEC7-F95D-4966-BE79-BF568C7CDDE4}"/>
+              </a:ext>
+            </a:extLst>
+          </p:cNvPr>
+          <p:cNvCxnSpPr>
+            <a:cxnSpLocks/>
+          </p:cNvCxnSpPr>
+          <p:nvPr/>
+        </p:nvCxnSpPr>
+        <p:spPr>
+          <a:xfrm>
+            <a:off x="575761" y="942398"/>
+            <a:ext cx="651760" cy="0"/>
+          </a:xfrm>
+          <a:prstGeom prst="line">
+            <a:avLst/>
+          </a:prstGeom>
+        </p:spPr>
+        <p:style>
+          <a:lnRef idx="1">
+            <a:schemeClr val="dk1"/>
+          </a:lnRef>
+          <a:fillRef idx="0">
+            <a:schemeClr val="dk1"/>
+          </a:fillRef>
+          <a:effectRef idx="0">
+            <a:schemeClr val="dk1"/>
+          </a:effectRef>
+          <a:fontRef idx="minor">
+            <a:schemeClr val="tx1"/>
+          </a:fontRef>
+        </p:style>
+      </p:cxnSp>
+      <p:sp>
+        <p:nvSpPr>
+          <p:cNvPr id="14" name="텍스트 상자 12">
+            <a:extLst>
+              <a:ext uri="{FF2B5EF4-FFF2-40B4-BE49-F238E27FC236}">
+                <a16:creationId xmlns:a16="http://schemas.microsoft.com/office/drawing/2014/main" id="{9E4217FD-7991-4CD3-BBE6-A865D2AE4A7A}"/>
+              </a:ext>
+            </a:extLst>
+          </p:cNvPr>
+          <p:cNvSpPr txBox="1"/>
+          <p:nvPr/>
+        </p:nvSpPr>
+        <p:spPr>
+          <a:xfrm>
+            <a:off x="1704983" y="3152834"/>
+            <a:ext cx="9246795" cy="504562"/>
+          </a:xfrm>
+          <a:prstGeom prst="rect">
+            <a:avLst/>
+          </a:prstGeom>
+          <a:noFill/>
+        </p:spPr>
+        <p:txBody>
+          <a:bodyPr wrap="square" rtlCol="0">
+            <a:spAutoFit/>
+          </a:bodyPr>
+          <a:lstStyle/>
+          <a:p>
+            <a:pPr>
+              <a:lnSpc>
+                <a:spcPct val="150000"/>
+              </a:lnSpc>
+            </a:pPr>
+            <a:r>
+              <a:rPr kumimoji="1" lang="en-US" altLang="ko-KR" sz="2000" spc="-150" dirty="0" err="1">
+                <a:solidFill>
+                  <a:schemeClr val="tx1">
+                    <a:lumMod val="95000"/>
+                    <a:lumOff val="5000"/>
+                  </a:schemeClr>
+                </a:solidFill>
+                <a:latin typeface="Consolas" panose="020B0609020204030204" pitchFamily="49" charset="0"/>
+                <a:ea typeface="Noto Sans CJK KR DemiLight" charset="-127"/>
+                <a:cs typeface="Noto Sans CJK KR DemiLight" charset="-127"/>
+              </a:rPr>
+              <a:t>TinyDB</a:t>
+            </a:r>
+            <a:r>
+              <a:rPr kumimoji="1" lang="en-US" altLang="ko-KR" sz="2000" spc="-150" dirty="0">
+                <a:solidFill>
+                  <a:schemeClr val="tx1">
+                    <a:lumMod val="95000"/>
+                    <a:lumOff val="5000"/>
+                  </a:schemeClr>
+                </a:solidFill>
+                <a:latin typeface="Consolas" panose="020B0609020204030204" pitchFamily="49" charset="0"/>
+                <a:ea typeface="Noto Sans CJK KR DemiLight" charset="-127"/>
+                <a:cs typeface="Noto Sans CJK KR DemiLight" charset="-127"/>
+              </a:rPr>
+              <a:t> </a:t>
+            </a:r>
+            <a:r>
+              <a:rPr kumimoji="1" lang="ko-KR" altLang="en-US" sz="2000" spc="-150" dirty="0">
+                <a:solidFill>
+                  <a:schemeClr val="tx1">
+                    <a:lumMod val="95000"/>
+                    <a:lumOff val="5000"/>
+                  </a:schemeClr>
+                </a:solidFill>
+                <a:latin typeface="Consolas" panose="020B0609020204030204" pitchFamily="49" charset="0"/>
+                <a:ea typeface="Noto Sans CJK KR DemiLight" charset="-127"/>
+                <a:cs typeface="Noto Sans CJK KR DemiLight" charset="-127"/>
+              </a:rPr>
+              <a:t>는 </a:t>
+            </a:r>
+            <a:endParaRPr kumimoji="1" lang="en-US" altLang="ko-KR" sz="2000" spc="-150" dirty="0">
+              <a:solidFill>
+                <a:schemeClr val="tx1">
+                  <a:lumMod val="95000"/>
+                  <a:lumOff val="5000"/>
+                </a:schemeClr>
+              </a:solidFill>
+              <a:latin typeface="Consolas" panose="020B0609020204030204" pitchFamily="49" charset="0"/>
+              <a:ea typeface="Noto Sans CJK KR DemiLight" charset="-127"/>
+              <a:cs typeface="Noto Sans CJK KR DemiLight" charset="-127"/>
+            </a:endParaRPr>
+          </a:p>
+        </p:txBody>
+      </p:sp>
+      <p:pic>
+        <p:nvPicPr>
+          <p:cNvPr id="2" name="그림 1">
+            <a:extLst>
+              <a:ext uri="{FF2B5EF4-FFF2-40B4-BE49-F238E27FC236}">
+                <a16:creationId xmlns:a16="http://schemas.microsoft.com/office/drawing/2014/main" id="{02237C56-DFCA-4E16-8750-DEDB02BC657E}"/>
+              </a:ext>
+            </a:extLst>
+          </p:cNvPr>
+          <p:cNvPicPr>
+            <a:picLocks noChangeAspect="1"/>
+          </p:cNvPicPr>
+          <p:nvPr/>
+        </p:nvPicPr>
+        <p:blipFill>
+          <a:blip r:embed="rId3"/>
+          <a:stretch>
+            <a:fillRect/>
+          </a:stretch>
+        </p:blipFill>
+        <p:spPr>
+          <a:xfrm>
+            <a:off x="545557" y="939860"/>
+            <a:ext cx="3227657" cy="5860986"/>
+          </a:xfrm>
+          <a:prstGeom prst="rect">
+            <a:avLst/>
+          </a:prstGeom>
+        </p:spPr>
+      </p:pic>
+      <p:pic>
+        <p:nvPicPr>
+          <p:cNvPr id="3" name="그림 2">
+            <a:extLst>
+              <a:ext uri="{FF2B5EF4-FFF2-40B4-BE49-F238E27FC236}">
+                <a16:creationId xmlns:a16="http://schemas.microsoft.com/office/drawing/2014/main" id="{F414C939-20DA-4EA1-B865-21AA85B3B75A}"/>
+              </a:ext>
+            </a:extLst>
+          </p:cNvPr>
+          <p:cNvPicPr>
+            <a:picLocks noChangeAspect="1"/>
+          </p:cNvPicPr>
+          <p:nvPr/>
+        </p:nvPicPr>
+        <p:blipFill>
+          <a:blip r:embed="rId4"/>
+          <a:stretch>
+            <a:fillRect/>
+          </a:stretch>
+        </p:blipFill>
+        <p:spPr>
+          <a:xfrm>
+            <a:off x="4019221" y="2519361"/>
+            <a:ext cx="7926771" cy="3305432"/>
+          </a:xfrm>
+          <a:prstGeom prst="rect">
+            <a:avLst/>
+          </a:prstGeom>
+        </p:spPr>
+      </p:pic>
+    </p:spTree>
+    <p:extLst>
+      <p:ext uri="{BB962C8B-B14F-4D97-AF65-F5344CB8AC3E}">
+        <p14:creationId xmlns:p14="http://schemas.microsoft.com/office/powerpoint/2010/main" val="1858884194"/>
+      </p:ext>
+    </p:extLst>
+  </p:cSld>
+  <p:clrMapOvr>
+    <a:masterClrMapping/>
+  </p:clrMapOvr>
+</p:sld>
+</file>
+
+<file path=ppt/slides/slide45.xml><?xml version="1.0" encoding="utf-8"?>
+<p:sld xmlns:a="http://schemas.openxmlformats.org/drawingml/2006/main" xmlns:r="http://schemas.openxmlformats.org/officeDocument/2006/relationships" xmlns:p="http://schemas.openxmlformats.org/presentationml/2006/main">
+  <p:cSld>
+    <p:spTree>
+      <p:nvGrpSpPr>
+        <p:cNvPr id="1" name=""/>
+        <p:cNvGrpSpPr/>
+        <p:nvPr/>
+      </p:nvGrpSpPr>
+      <p:grpSpPr>
+        <a:xfrm>
+          <a:off x="0" y="0"/>
+          <a:ext cx="0" cy="0"/>
+          <a:chOff x="0" y="0"/>
+          <a:chExt cx="0" cy="0"/>
+        </a:xfrm>
+      </p:grpSpPr>
+      <p:sp>
+        <p:nvSpPr>
+          <p:cNvPr id="5" name="텍스트 상자 4"/>
+          <p:cNvSpPr txBox="1"/>
+          <p:nvPr/>
+        </p:nvSpPr>
+        <p:spPr>
+          <a:xfrm>
+            <a:off x="5362171" y="3944867"/>
+            <a:ext cx="1031051" cy="369332"/>
+          </a:xfrm>
+          <a:prstGeom prst="rect">
+            <a:avLst/>
+          </a:prstGeom>
+          <a:noFill/>
+        </p:spPr>
+        <p:txBody>
+          <a:bodyPr wrap="none" rtlCol="0">
+            <a:spAutoFit/>
+          </a:bodyPr>
+          <a:lstStyle/>
+          <a:p>
+            <a:pPr algn="ctr"/>
+            <a:r>
+              <a:rPr kumimoji="1" lang="ko-KR" altLang="en-US" dirty="0" err="1">
+                <a:latin typeface="Noto Sans CJK KR DemiLight" charset="-127"/>
+                <a:ea typeface="Noto Sans CJK KR DemiLight" charset="-127"/>
+                <a:cs typeface="Noto Sans CJK KR DemiLight" charset="-127"/>
+              </a:rPr>
+              <a:t>ㅁㄴㅇㄹ</a:t>
+            </a:r>
+            <a:endParaRPr kumimoji="1" lang="ko-KR" altLang="en-US" dirty="0">
+              <a:latin typeface="Noto Sans CJK KR DemiLight" charset="-127"/>
+              <a:ea typeface="Noto Sans CJK KR DemiLight" charset="-127"/>
+              <a:cs typeface="Noto Sans CJK KR DemiLight" charset="-127"/>
+            </a:endParaRPr>
+          </a:p>
+        </p:txBody>
+      </p:sp>
+      <p:sp>
+        <p:nvSpPr>
+          <p:cNvPr id="7" name="텍스트 상자 6"/>
+          <p:cNvSpPr txBox="1"/>
+          <p:nvPr/>
+        </p:nvSpPr>
+        <p:spPr>
+          <a:xfrm>
+            <a:off x="3258266" y="2820054"/>
+            <a:ext cx="5238935" cy="769441"/>
+          </a:xfrm>
+          <a:prstGeom prst="rect">
+            <a:avLst/>
+          </a:prstGeom>
+          <a:noFill/>
+        </p:spPr>
+        <p:txBody>
+          <a:bodyPr wrap="none" rtlCol="0">
+            <a:spAutoFit/>
+          </a:bodyPr>
+          <a:lstStyle/>
+          <a:p>
+            <a:pPr algn="ctr"/>
+            <a:r>
+              <a:rPr kumimoji="1" lang="en-US" altLang="ko-KR" sz="4400" b="1" dirty="0">
+                <a:latin typeface="Noto Sans CJK KR" charset="-127"/>
+                <a:ea typeface="Noto Sans CJK KR" charset="-127"/>
+                <a:cs typeface="Noto Sans CJK KR" charset="-127"/>
+              </a:rPr>
+              <a:t>GPS </a:t>
+            </a:r>
+            <a:r>
+              <a:rPr kumimoji="1" lang="ko-KR" altLang="en-US" sz="4400" b="1" dirty="0">
+                <a:latin typeface="Noto Sans CJK KR" charset="-127"/>
+                <a:ea typeface="Noto Sans CJK KR" charset="-127"/>
+                <a:cs typeface="Noto Sans CJK KR" charset="-127"/>
+              </a:rPr>
+              <a:t>알람 앱 만들기</a:t>
+            </a:r>
+            <a:endParaRPr kumimoji="1" lang="en-US" altLang="ko-KR" sz="4400" b="1" dirty="0">
+              <a:latin typeface="Noto Sans CJK KR" charset="-127"/>
+              <a:ea typeface="Noto Sans CJK KR" charset="-127"/>
+              <a:cs typeface="Noto Sans CJK KR" charset="-127"/>
+            </a:endParaRPr>
+          </a:p>
+        </p:txBody>
+      </p:sp>
+      <p:cxnSp>
+        <p:nvCxnSpPr>
+          <p:cNvPr id="9" name="직선 연결선[R] 8"/>
+          <p:cNvCxnSpPr>
+            <a:cxnSpLocks/>
+          </p:cNvCxnSpPr>
+          <p:nvPr/>
+        </p:nvCxnSpPr>
+        <p:spPr>
+          <a:xfrm>
+            <a:off x="4639951" y="3771497"/>
+            <a:ext cx="2541433" cy="0"/>
+          </a:xfrm>
+          <a:prstGeom prst="line">
+            <a:avLst/>
+          </a:prstGeom>
+        </p:spPr>
+        <p:style>
+          <a:lnRef idx="1">
+            <a:schemeClr val="dk1"/>
+          </a:lnRef>
+          <a:fillRef idx="0">
+            <a:schemeClr val="dk1"/>
+          </a:fillRef>
+          <a:effectRef idx="0">
+            <a:schemeClr val="dk1"/>
+          </a:effectRef>
+          <a:fontRef idx="minor">
+            <a:schemeClr val="tx1"/>
+          </a:fontRef>
+        </p:style>
+      </p:cxnSp>
+    </p:spTree>
+    <p:extLst>
+      <p:ext uri="{BB962C8B-B14F-4D97-AF65-F5344CB8AC3E}">
+        <p14:creationId xmlns:p14="http://schemas.microsoft.com/office/powerpoint/2010/main" val="539860896"/>
+      </p:ext>
+    </p:extLst>
+  </p:cSld>
+  <p:clrMapOvr>
+    <a:masterClrMapping/>
+  </p:clrMapOvr>
+</p:sld>
+</file>
+
+<file path=ppt/slides/slide46.xml><?xml version="1.0" encoding="utf-8"?>
+<p:sld xmlns:a="http://schemas.openxmlformats.org/drawingml/2006/main" xmlns:r="http://schemas.openxmlformats.org/officeDocument/2006/relationships" xmlns:p="http://schemas.openxmlformats.org/presentationml/2006/main">
+  <p:cSld>
+    <p:spTree>
+      <p:nvGrpSpPr>
+        <p:cNvPr id="1" name=""/>
+        <p:cNvGrpSpPr/>
+        <p:nvPr/>
+      </p:nvGrpSpPr>
+      <p:grpSpPr>
+        <a:xfrm>
+          <a:off x="0" y="0"/>
+          <a:ext cx="0" cy="0"/>
+          <a:chOff x="0" y="0"/>
+          <a:chExt cx="0" cy="0"/>
+        </a:xfrm>
+      </p:grpSpPr>
+      <p:sp>
+        <p:nvSpPr>
+          <p:cNvPr id="9" name="Rectangle 8"/>
+          <p:cNvSpPr>
+            <a:spLocks noGrp="1" noRot="1" noChangeAspect="1" noMove="1" noResize="1" noEditPoints="1" noAdjustHandles="1" noChangeArrowheads="1" noChangeShapeType="1" noTextEdit="1"/>
+          </p:cNvSpPr>
+          <p:nvPr>
+            <p:extLst>
+              <p:ext uri="{386F3935-93C4-4BCD-93E2-E3B085C9AB24}">
+                <p16:designElem xmlns:p16="http://schemas.microsoft.com/office/powerpoint/2015/main" val="1"/>
+              </p:ext>
+            </p:extLst>
+          </p:nvPr>
+        </p:nvSpPr>
+        <p:spPr bwMode="white">
+          <a:xfrm>
+            <a:off x="0" y="0"/>
+            <a:ext cx="12192000" cy="6858000"/>
+          </a:xfrm>
+          <a:prstGeom prst="rect">
+            <a:avLst/>
+          </a:prstGeom>
+          <a:solidFill>
+            <a:schemeClr val="bg1"/>
+          </a:solidFill>
+          <a:ln>
+            <a:noFill/>
+          </a:ln>
+          <a:effectLst/>
+        </p:spPr>
+      </p:sp>
+      <p:sp>
+        <p:nvSpPr>
+          <p:cNvPr id="10" name="텍스트 상자 6">
+            <a:extLst>
+              <a:ext uri="{FF2B5EF4-FFF2-40B4-BE49-F238E27FC236}">
+                <a16:creationId xmlns:a16="http://schemas.microsoft.com/office/drawing/2014/main" id="{0154DA88-CBF7-4050-86DD-70A40DC7613A}"/>
+              </a:ext>
+            </a:extLst>
+          </p:cNvPr>
+          <p:cNvSpPr txBox="1"/>
+          <p:nvPr/>
+        </p:nvSpPr>
+        <p:spPr>
+          <a:xfrm>
+            <a:off x="454598" y="297932"/>
+            <a:ext cx="5084354" cy="584775"/>
+          </a:xfrm>
+          <a:prstGeom prst="rect">
+            <a:avLst/>
+          </a:prstGeom>
+          <a:noFill/>
+        </p:spPr>
+        <p:txBody>
+          <a:bodyPr wrap="square" rtlCol="0">
+            <a:spAutoFit/>
+          </a:bodyPr>
+          <a:lstStyle/>
+          <a:p>
+            <a:r>
+              <a:rPr kumimoji="1" lang="en-US" altLang="ko-KR" sz="3200" b="1" dirty="0">
+                <a:latin typeface="Noto Sans CJK KR" charset="-127"/>
+                <a:ea typeface="Noto Sans CJK KR" charset="-127"/>
+                <a:cs typeface="Noto Sans CJK KR" charset="-127"/>
+              </a:rPr>
+              <a:t>GPS </a:t>
+            </a:r>
+            <a:r>
+              <a:rPr kumimoji="1" lang="ko-KR" altLang="en-US" sz="3200" b="1" dirty="0">
+                <a:latin typeface="Noto Sans CJK KR" charset="-127"/>
+                <a:ea typeface="Noto Sans CJK KR" charset="-127"/>
+                <a:cs typeface="Noto Sans CJK KR" charset="-127"/>
+              </a:rPr>
+              <a:t>알람 앱 만들기</a:t>
+            </a:r>
+          </a:p>
+        </p:txBody>
+      </p:sp>
+      <p:cxnSp>
+        <p:nvCxnSpPr>
+          <p:cNvPr id="12" name="직선 연결선[R] 7">
+            <a:extLst>
+              <a:ext uri="{FF2B5EF4-FFF2-40B4-BE49-F238E27FC236}">
+                <a16:creationId xmlns:a16="http://schemas.microsoft.com/office/drawing/2014/main" id="{8B7FBEC7-F95D-4966-BE79-BF568C7CDDE4}"/>
+              </a:ext>
+            </a:extLst>
+          </p:cNvPr>
+          <p:cNvCxnSpPr>
+            <a:cxnSpLocks/>
+          </p:cNvCxnSpPr>
+          <p:nvPr/>
+        </p:nvCxnSpPr>
+        <p:spPr>
+          <a:xfrm>
+            <a:off x="575761" y="942398"/>
+            <a:ext cx="651760" cy="0"/>
+          </a:xfrm>
+          <a:prstGeom prst="line">
+            <a:avLst/>
+          </a:prstGeom>
+        </p:spPr>
+        <p:style>
+          <a:lnRef idx="1">
+            <a:schemeClr val="dk1"/>
+          </a:lnRef>
+          <a:fillRef idx="0">
+            <a:schemeClr val="dk1"/>
+          </a:fillRef>
+          <a:effectRef idx="0">
+            <a:schemeClr val="dk1"/>
+          </a:effectRef>
+          <a:fontRef idx="minor">
+            <a:schemeClr val="tx1"/>
+          </a:fontRef>
+        </p:style>
+      </p:cxnSp>
+      <p:sp>
+        <p:nvSpPr>
+          <p:cNvPr id="14" name="텍스트 상자 12">
+            <a:extLst>
+              <a:ext uri="{FF2B5EF4-FFF2-40B4-BE49-F238E27FC236}">
+                <a16:creationId xmlns:a16="http://schemas.microsoft.com/office/drawing/2014/main" id="{9E4217FD-7991-4CD3-BBE6-A865D2AE4A7A}"/>
+              </a:ext>
+            </a:extLst>
+          </p:cNvPr>
+          <p:cNvSpPr txBox="1"/>
+          <p:nvPr/>
+        </p:nvSpPr>
+        <p:spPr>
+          <a:xfrm>
+            <a:off x="1704983" y="3152834"/>
+            <a:ext cx="9246795" cy="504562"/>
+          </a:xfrm>
+          <a:prstGeom prst="rect">
+            <a:avLst/>
+          </a:prstGeom>
+          <a:noFill/>
+        </p:spPr>
+        <p:txBody>
+          <a:bodyPr wrap="square" rtlCol="0">
+            <a:spAutoFit/>
+          </a:bodyPr>
+          <a:lstStyle/>
+          <a:p>
+            <a:pPr>
+              <a:lnSpc>
+                <a:spcPct val="150000"/>
+              </a:lnSpc>
+            </a:pPr>
+            <a:r>
+              <a:rPr kumimoji="1" lang="en-US" altLang="ko-KR" sz="2000" spc="-150" dirty="0" err="1">
+                <a:solidFill>
+                  <a:schemeClr val="tx1">
+                    <a:lumMod val="95000"/>
+                    <a:lumOff val="5000"/>
+                  </a:schemeClr>
+                </a:solidFill>
+                <a:latin typeface="Consolas" panose="020B0609020204030204" pitchFamily="49" charset="0"/>
+                <a:ea typeface="Noto Sans CJK KR DemiLight" charset="-127"/>
+                <a:cs typeface="Noto Sans CJK KR DemiLight" charset="-127"/>
+              </a:rPr>
+              <a:t>TinyDB</a:t>
+            </a:r>
+            <a:r>
+              <a:rPr kumimoji="1" lang="en-US" altLang="ko-KR" sz="2000" spc="-150" dirty="0">
+                <a:solidFill>
+                  <a:schemeClr val="tx1">
+                    <a:lumMod val="95000"/>
+                    <a:lumOff val="5000"/>
+                  </a:schemeClr>
+                </a:solidFill>
+                <a:latin typeface="Consolas" panose="020B0609020204030204" pitchFamily="49" charset="0"/>
+                <a:ea typeface="Noto Sans CJK KR DemiLight" charset="-127"/>
+                <a:cs typeface="Noto Sans CJK KR DemiLight" charset="-127"/>
+              </a:rPr>
+              <a:t> </a:t>
+            </a:r>
+            <a:r>
+              <a:rPr kumimoji="1" lang="ko-KR" altLang="en-US" sz="2000" spc="-150" dirty="0">
+                <a:solidFill>
+                  <a:schemeClr val="tx1">
+                    <a:lumMod val="95000"/>
+                    <a:lumOff val="5000"/>
+                  </a:schemeClr>
+                </a:solidFill>
+                <a:latin typeface="Consolas" panose="020B0609020204030204" pitchFamily="49" charset="0"/>
+                <a:ea typeface="Noto Sans CJK KR DemiLight" charset="-127"/>
+                <a:cs typeface="Noto Sans CJK KR DemiLight" charset="-127"/>
+              </a:rPr>
+              <a:t>는 </a:t>
+            </a:r>
+            <a:endParaRPr kumimoji="1" lang="en-US" altLang="ko-KR" sz="2000" spc="-150" dirty="0">
+              <a:solidFill>
+                <a:schemeClr val="tx1">
+                  <a:lumMod val="95000"/>
+                  <a:lumOff val="5000"/>
+                </a:schemeClr>
+              </a:solidFill>
+              <a:latin typeface="Consolas" panose="020B0609020204030204" pitchFamily="49" charset="0"/>
+              <a:ea typeface="Noto Sans CJK KR DemiLight" charset="-127"/>
+              <a:cs typeface="Noto Sans CJK KR DemiLight" charset="-127"/>
+            </a:endParaRPr>
+          </a:p>
+        </p:txBody>
+      </p:sp>
+      <p:sp>
+        <p:nvSpPr>
+          <p:cNvPr id="13" name="텍스트 상자 12">
+            <a:extLst>
+              <a:ext uri="{FF2B5EF4-FFF2-40B4-BE49-F238E27FC236}">
+                <a16:creationId xmlns:a16="http://schemas.microsoft.com/office/drawing/2014/main" id="{7C08DB0E-381D-467D-B154-19B49A9A25C3}"/>
+              </a:ext>
+            </a:extLst>
+          </p:cNvPr>
+          <p:cNvSpPr txBox="1"/>
+          <p:nvPr/>
+        </p:nvSpPr>
+        <p:spPr>
+          <a:xfrm>
+            <a:off x="4287485" y="2690721"/>
+            <a:ext cx="6864728" cy="505010"/>
+          </a:xfrm>
+          <a:prstGeom prst="rect">
+            <a:avLst/>
+          </a:prstGeom>
+          <a:noFill/>
+        </p:spPr>
+        <p:txBody>
+          <a:bodyPr wrap="square" rtlCol="0">
+            <a:spAutoFit/>
+          </a:bodyPr>
+          <a:lstStyle/>
+          <a:p>
+            <a:pPr>
+              <a:lnSpc>
+                <a:spcPct val="150000"/>
+              </a:lnSpc>
+            </a:pPr>
+            <a:r>
+              <a:rPr kumimoji="1" lang="ko-KR" altLang="en-US" sz="2000" spc="-150" dirty="0">
+                <a:solidFill>
+                  <a:schemeClr val="tx1">
+                    <a:lumMod val="95000"/>
+                    <a:lumOff val="5000"/>
+                  </a:schemeClr>
+                </a:solidFill>
+                <a:latin typeface="Consolas" panose="020B0609020204030204" pitchFamily="49" charset="0"/>
+                <a:ea typeface="Noto Sans CJK KR DemiLight" charset="-127"/>
+                <a:cs typeface="Noto Sans CJK KR DemiLight" charset="-127"/>
+              </a:rPr>
+              <a:t>주소를 입력하고 해당 주소에 </a:t>
+            </a:r>
+            <a:r>
+              <a:rPr kumimoji="1" lang="ko-KR" altLang="en-US" sz="2000" spc="-150">
+                <a:solidFill>
+                  <a:schemeClr val="tx1">
+                    <a:lumMod val="95000"/>
+                    <a:lumOff val="5000"/>
+                  </a:schemeClr>
+                </a:solidFill>
+                <a:latin typeface="Consolas" panose="020B0609020204030204" pitchFamily="49" charset="0"/>
+                <a:ea typeface="Noto Sans CJK KR DemiLight" charset="-127"/>
+                <a:cs typeface="Noto Sans CJK KR DemiLight" charset="-127"/>
+              </a:rPr>
+              <a:t>도달하면 알람을 울려주는 앱</a:t>
+            </a:r>
+            <a:endParaRPr kumimoji="1" lang="en-US" altLang="ko-KR" sz="2000" spc="-150" dirty="0">
+              <a:solidFill>
+                <a:schemeClr val="tx1">
+                  <a:lumMod val="95000"/>
+                  <a:lumOff val="5000"/>
+                </a:schemeClr>
+              </a:solidFill>
+              <a:latin typeface="Consolas" panose="020B0609020204030204" pitchFamily="49" charset="0"/>
+              <a:ea typeface="Noto Sans CJK KR DemiLight" charset="-127"/>
+              <a:cs typeface="Noto Sans CJK KR DemiLight" charset="-127"/>
+            </a:endParaRPr>
+          </a:p>
+        </p:txBody>
+      </p:sp>
+    </p:spTree>
+    <p:extLst>
+      <p:ext uri="{BB962C8B-B14F-4D97-AF65-F5344CB8AC3E}">
+        <p14:creationId xmlns:p14="http://schemas.microsoft.com/office/powerpoint/2010/main" val="2213022188"/>
+      </p:ext>
+    </p:extLst>
+  </p:cSld>
+  <p:clrMapOvr>
+    <a:masterClrMapping/>
+  </p:clrMapOvr>
+</p:sld>
+</file>
+
+<file path=ppt/slides/slide47.xml><?xml version="1.0" encoding="utf-8"?>
+<p:sld xmlns:a="http://schemas.openxmlformats.org/drawingml/2006/main" xmlns:r="http://schemas.openxmlformats.org/officeDocument/2006/relationships" xmlns:p="http://schemas.openxmlformats.org/presentationml/2006/main">
+  <p:cSld>
+    <p:spTree>
+      <p:nvGrpSpPr>
+        <p:cNvPr id="1" name=""/>
+        <p:cNvGrpSpPr/>
+        <p:nvPr/>
+      </p:nvGrpSpPr>
+      <p:grpSpPr>
+        <a:xfrm>
+          <a:off x="0" y="0"/>
+          <a:ext cx="0" cy="0"/>
+          <a:chOff x="0" y="0"/>
+          <a:chExt cx="0" cy="0"/>
+        </a:xfrm>
+      </p:grpSpPr>
+      <p:sp>
+        <p:nvSpPr>
+          <p:cNvPr id="9" name="Rectangle 8"/>
+          <p:cNvSpPr>
+            <a:spLocks noGrp="1" noRot="1" noChangeAspect="1" noMove="1" noResize="1" noEditPoints="1" noAdjustHandles="1" noChangeArrowheads="1" noChangeShapeType="1" noTextEdit="1"/>
+          </p:cNvSpPr>
+          <p:nvPr>
+            <p:extLst>
+              <p:ext uri="{386F3935-93C4-4BCD-93E2-E3B085C9AB24}">
+                <p16:designElem xmlns:p16="http://schemas.microsoft.com/office/powerpoint/2015/main" val="1"/>
+              </p:ext>
+            </p:extLst>
+          </p:nvPr>
+        </p:nvSpPr>
+        <p:spPr bwMode="white">
+          <a:xfrm>
+            <a:off x="0" y="0"/>
+            <a:ext cx="12192000" cy="6858000"/>
+          </a:xfrm>
+          <a:prstGeom prst="rect">
+            <a:avLst/>
+          </a:prstGeom>
+          <a:solidFill>
+            <a:schemeClr val="bg1"/>
+          </a:solidFill>
+          <a:ln>
+            <a:noFill/>
+          </a:ln>
+          <a:effectLst/>
+        </p:spPr>
+      </p:sp>
+      <p:sp>
+        <p:nvSpPr>
+          <p:cNvPr id="10" name="텍스트 상자 6">
+            <a:extLst>
+              <a:ext uri="{FF2B5EF4-FFF2-40B4-BE49-F238E27FC236}">
+                <a16:creationId xmlns:a16="http://schemas.microsoft.com/office/drawing/2014/main" id="{0154DA88-CBF7-4050-86DD-70A40DC7613A}"/>
+              </a:ext>
+            </a:extLst>
+          </p:cNvPr>
+          <p:cNvSpPr txBox="1"/>
+          <p:nvPr/>
+        </p:nvSpPr>
+        <p:spPr>
+          <a:xfrm>
+            <a:off x="454598" y="297932"/>
+            <a:ext cx="5084354" cy="584775"/>
+          </a:xfrm>
+          <a:prstGeom prst="rect">
+            <a:avLst/>
+          </a:prstGeom>
+          <a:noFill/>
+        </p:spPr>
+        <p:txBody>
+          <a:bodyPr wrap="square" rtlCol="0">
+            <a:spAutoFit/>
+          </a:bodyPr>
+          <a:lstStyle/>
+          <a:p>
+            <a:r>
+              <a:rPr kumimoji="1" lang="en-US" altLang="ko-KR" sz="3200" b="1" dirty="0">
+                <a:latin typeface="Noto Sans CJK KR" charset="-127"/>
+                <a:ea typeface="Noto Sans CJK KR" charset="-127"/>
+                <a:cs typeface="Noto Sans CJK KR" charset="-127"/>
+              </a:rPr>
+              <a:t>GPS </a:t>
+            </a:r>
+            <a:r>
+              <a:rPr kumimoji="1" lang="ko-KR" altLang="en-US" sz="3200" b="1" dirty="0">
+                <a:latin typeface="Noto Sans CJK KR" charset="-127"/>
+                <a:ea typeface="Noto Sans CJK KR" charset="-127"/>
+                <a:cs typeface="Noto Sans CJK KR" charset="-127"/>
+              </a:rPr>
+              <a:t>알람 앱 만들기</a:t>
+            </a:r>
+          </a:p>
+        </p:txBody>
+      </p:sp>
+      <p:cxnSp>
+        <p:nvCxnSpPr>
+          <p:cNvPr id="12" name="직선 연결선[R] 7">
+            <a:extLst>
+              <a:ext uri="{FF2B5EF4-FFF2-40B4-BE49-F238E27FC236}">
+                <a16:creationId xmlns:a16="http://schemas.microsoft.com/office/drawing/2014/main" id="{8B7FBEC7-F95D-4966-BE79-BF568C7CDDE4}"/>
+              </a:ext>
+            </a:extLst>
+          </p:cNvPr>
+          <p:cNvCxnSpPr>
+            <a:cxnSpLocks/>
+          </p:cNvCxnSpPr>
+          <p:nvPr/>
+        </p:nvCxnSpPr>
+        <p:spPr>
+          <a:xfrm>
+            <a:off x="575761" y="942398"/>
+            <a:ext cx="651760" cy="0"/>
+          </a:xfrm>
+          <a:prstGeom prst="line">
+            <a:avLst/>
+          </a:prstGeom>
+        </p:spPr>
+        <p:style>
+          <a:lnRef idx="1">
+            <a:schemeClr val="dk1"/>
+          </a:lnRef>
+          <a:fillRef idx="0">
+            <a:schemeClr val="dk1"/>
+          </a:fillRef>
+          <a:effectRef idx="0">
+            <a:schemeClr val="dk1"/>
+          </a:effectRef>
+          <a:fontRef idx="minor">
+            <a:schemeClr val="tx1"/>
+          </a:fontRef>
+        </p:style>
+      </p:cxnSp>
+      <p:sp>
+        <p:nvSpPr>
+          <p:cNvPr id="14" name="텍스트 상자 12">
+            <a:extLst>
+              <a:ext uri="{FF2B5EF4-FFF2-40B4-BE49-F238E27FC236}">
+                <a16:creationId xmlns:a16="http://schemas.microsoft.com/office/drawing/2014/main" id="{9E4217FD-7991-4CD3-BBE6-A865D2AE4A7A}"/>
+              </a:ext>
+            </a:extLst>
+          </p:cNvPr>
+          <p:cNvSpPr txBox="1"/>
+          <p:nvPr/>
+        </p:nvSpPr>
+        <p:spPr>
+          <a:xfrm>
+            <a:off x="1704983" y="3152834"/>
+            <a:ext cx="9246795" cy="504562"/>
+          </a:xfrm>
+          <a:prstGeom prst="rect">
+            <a:avLst/>
+          </a:prstGeom>
+          <a:noFill/>
+        </p:spPr>
+        <p:txBody>
+          <a:bodyPr wrap="square" rtlCol="0">
+            <a:spAutoFit/>
+          </a:bodyPr>
+          <a:lstStyle/>
+          <a:p>
+            <a:pPr>
+              <a:lnSpc>
+                <a:spcPct val="150000"/>
+              </a:lnSpc>
+            </a:pPr>
+            <a:r>
+              <a:rPr kumimoji="1" lang="en-US" altLang="ko-KR" sz="2000" spc="-150" dirty="0" err="1">
+                <a:solidFill>
+                  <a:schemeClr val="tx1">
+                    <a:lumMod val="95000"/>
+                    <a:lumOff val="5000"/>
+                  </a:schemeClr>
+                </a:solidFill>
+                <a:latin typeface="Consolas" panose="020B0609020204030204" pitchFamily="49" charset="0"/>
+                <a:ea typeface="Noto Sans CJK KR DemiLight" charset="-127"/>
+                <a:cs typeface="Noto Sans CJK KR DemiLight" charset="-127"/>
+              </a:rPr>
+              <a:t>TinyDB</a:t>
+            </a:r>
+            <a:r>
+              <a:rPr kumimoji="1" lang="en-US" altLang="ko-KR" sz="2000" spc="-150" dirty="0">
+                <a:solidFill>
+                  <a:schemeClr val="tx1">
+                    <a:lumMod val="95000"/>
+                    <a:lumOff val="5000"/>
+                  </a:schemeClr>
+                </a:solidFill>
+                <a:latin typeface="Consolas" panose="020B0609020204030204" pitchFamily="49" charset="0"/>
+                <a:ea typeface="Noto Sans CJK KR DemiLight" charset="-127"/>
+                <a:cs typeface="Noto Sans CJK KR DemiLight" charset="-127"/>
+              </a:rPr>
+              <a:t> </a:t>
+            </a:r>
+            <a:r>
+              <a:rPr kumimoji="1" lang="ko-KR" altLang="en-US" sz="2000" spc="-150" dirty="0">
+                <a:solidFill>
+                  <a:schemeClr val="tx1">
+                    <a:lumMod val="95000"/>
+                    <a:lumOff val="5000"/>
+                  </a:schemeClr>
+                </a:solidFill>
+                <a:latin typeface="Consolas" panose="020B0609020204030204" pitchFamily="49" charset="0"/>
+                <a:ea typeface="Noto Sans CJK KR DemiLight" charset="-127"/>
+                <a:cs typeface="Noto Sans CJK KR DemiLight" charset="-127"/>
+              </a:rPr>
+              <a:t>는 </a:t>
+            </a:r>
+            <a:endParaRPr kumimoji="1" lang="en-US" altLang="ko-KR" sz="2000" spc="-150" dirty="0">
+              <a:solidFill>
+                <a:schemeClr val="tx1">
+                  <a:lumMod val="95000"/>
+                  <a:lumOff val="5000"/>
+                </a:schemeClr>
+              </a:solidFill>
+              <a:latin typeface="Consolas" panose="020B0609020204030204" pitchFamily="49" charset="0"/>
+              <a:ea typeface="Noto Sans CJK KR DemiLight" charset="-127"/>
+              <a:cs typeface="Noto Sans CJK KR DemiLight" charset="-127"/>
+            </a:endParaRPr>
+          </a:p>
+        </p:txBody>
+      </p:sp>
+      <p:sp>
+        <p:nvSpPr>
+          <p:cNvPr id="13" name="텍스트 상자 12">
+            <a:extLst>
+              <a:ext uri="{FF2B5EF4-FFF2-40B4-BE49-F238E27FC236}">
+                <a16:creationId xmlns:a16="http://schemas.microsoft.com/office/drawing/2014/main" id="{7C08DB0E-381D-467D-B154-19B49A9A25C3}"/>
+              </a:ext>
+            </a:extLst>
+          </p:cNvPr>
+          <p:cNvSpPr txBox="1"/>
+          <p:nvPr/>
+        </p:nvSpPr>
+        <p:spPr>
+          <a:xfrm>
+            <a:off x="4550243" y="2943226"/>
+            <a:ext cx="6864728" cy="2351221"/>
+          </a:xfrm>
+          <a:prstGeom prst="rect">
+            <a:avLst/>
+          </a:prstGeom>
+          <a:noFill/>
+        </p:spPr>
+        <p:txBody>
+          <a:bodyPr wrap="square" rtlCol="0">
+            <a:spAutoFit/>
+          </a:bodyPr>
+          <a:lstStyle/>
+          <a:p>
+            <a:pPr>
+              <a:lnSpc>
+                <a:spcPct val="150000"/>
+              </a:lnSpc>
+            </a:pPr>
+            <a:r>
+              <a:rPr kumimoji="1" lang="ko-KR" altLang="en-US" sz="2000" spc="-150" dirty="0">
+                <a:solidFill>
+                  <a:schemeClr val="tx1">
+                    <a:lumMod val="95000"/>
+                    <a:lumOff val="5000"/>
+                  </a:schemeClr>
+                </a:solidFill>
+                <a:latin typeface="Consolas" panose="020B0609020204030204" pitchFamily="49" charset="0"/>
+                <a:ea typeface="Noto Sans CJK KR DemiLight" charset="-127"/>
+                <a:cs typeface="Noto Sans CJK KR DemiLight" charset="-127"/>
+              </a:rPr>
+              <a:t>선택한 </a:t>
+            </a:r>
+            <a:r>
+              <a:rPr kumimoji="1" lang="en-US" altLang="ko-KR" sz="2000" spc="-150" dirty="0" err="1">
+                <a:solidFill>
+                  <a:schemeClr val="tx1">
+                    <a:lumMod val="95000"/>
+                    <a:lumOff val="5000"/>
+                  </a:schemeClr>
+                </a:solidFill>
+                <a:latin typeface="Consolas" panose="020B0609020204030204" pitchFamily="49" charset="0"/>
+                <a:ea typeface="Noto Sans CJK KR DemiLight" charset="-127"/>
+                <a:cs typeface="Noto Sans CJK KR DemiLight" charset="-127"/>
+              </a:rPr>
+              <a:t>bgm</a:t>
+            </a:r>
+            <a:r>
+              <a:rPr kumimoji="1" lang="en-US" altLang="ko-KR" sz="2000" spc="-150" dirty="0">
+                <a:solidFill>
+                  <a:schemeClr val="tx1">
+                    <a:lumMod val="95000"/>
+                    <a:lumOff val="5000"/>
+                  </a:schemeClr>
+                </a:solidFill>
+                <a:latin typeface="Consolas" panose="020B0609020204030204" pitchFamily="49" charset="0"/>
+                <a:ea typeface="Noto Sans CJK KR DemiLight" charset="-127"/>
+                <a:cs typeface="Noto Sans CJK KR DemiLight" charset="-127"/>
+              </a:rPr>
+              <a:t> </a:t>
+            </a:r>
+            <a:r>
+              <a:rPr kumimoji="1" lang="ko-KR" altLang="en-US" sz="2000" spc="-150" dirty="0">
+                <a:solidFill>
+                  <a:schemeClr val="tx1">
+                    <a:lumMod val="95000"/>
+                    <a:lumOff val="5000"/>
+                  </a:schemeClr>
+                </a:solidFill>
+                <a:latin typeface="Consolas" panose="020B0609020204030204" pitchFamily="49" charset="0"/>
+                <a:ea typeface="Noto Sans CJK KR DemiLight" charset="-127"/>
+                <a:cs typeface="Noto Sans CJK KR DemiLight" charset="-127"/>
+              </a:rPr>
+              <a:t>이 나오는 앱이다</a:t>
+            </a:r>
+            <a:r>
+              <a:rPr kumimoji="1" lang="en-US" altLang="ko-KR" sz="2000" spc="-150" dirty="0">
+                <a:solidFill>
+                  <a:schemeClr val="tx1">
+                    <a:lumMod val="95000"/>
+                    <a:lumOff val="5000"/>
+                  </a:schemeClr>
+                </a:solidFill>
+                <a:latin typeface="Consolas" panose="020B0609020204030204" pitchFamily="49" charset="0"/>
+                <a:ea typeface="Noto Sans CJK KR DemiLight" charset="-127"/>
+                <a:cs typeface="Noto Sans CJK KR DemiLight" charset="-127"/>
+              </a:rPr>
+              <a:t>.</a:t>
+            </a:r>
+          </a:p>
+          <a:p>
+            <a:pPr>
+              <a:lnSpc>
+                <a:spcPct val="150000"/>
+              </a:lnSpc>
+            </a:pPr>
+            <a:r>
+              <a:rPr kumimoji="1" lang="ko-KR" altLang="en-US" sz="2000" spc="-150" dirty="0">
+                <a:solidFill>
+                  <a:schemeClr val="tx1">
+                    <a:lumMod val="95000"/>
+                    <a:lumOff val="5000"/>
+                  </a:schemeClr>
+                </a:solidFill>
+                <a:latin typeface="Consolas" panose="020B0609020204030204" pitchFamily="49" charset="0"/>
+                <a:ea typeface="Noto Sans CJK KR DemiLight" charset="-127"/>
+                <a:cs typeface="Noto Sans CJK KR DemiLight" charset="-127"/>
+              </a:rPr>
+              <a:t>듣고 싶은 </a:t>
+            </a:r>
+            <a:r>
+              <a:rPr kumimoji="1" lang="ko-KR" altLang="en-US" sz="2000" spc="-150" dirty="0" err="1">
+                <a:solidFill>
+                  <a:schemeClr val="tx1">
+                    <a:lumMod val="95000"/>
+                    <a:lumOff val="5000"/>
+                  </a:schemeClr>
+                </a:solidFill>
+                <a:latin typeface="Consolas" panose="020B0609020204030204" pitchFamily="49" charset="0"/>
+                <a:ea typeface="Noto Sans CJK KR DemiLight" charset="-127"/>
+                <a:cs typeface="Noto Sans CJK KR DemiLight" charset="-127"/>
+              </a:rPr>
+              <a:t>브금의</a:t>
+            </a:r>
+            <a:r>
+              <a:rPr kumimoji="1" lang="ko-KR" altLang="en-US" sz="2000" spc="-150" dirty="0">
+                <a:solidFill>
+                  <a:schemeClr val="tx1">
+                    <a:lumMod val="95000"/>
+                    <a:lumOff val="5000"/>
+                  </a:schemeClr>
+                </a:solidFill>
+                <a:latin typeface="Consolas" panose="020B0609020204030204" pitchFamily="49" charset="0"/>
+                <a:ea typeface="Noto Sans CJK KR DemiLight" charset="-127"/>
+                <a:cs typeface="Noto Sans CJK KR DemiLight" charset="-127"/>
+              </a:rPr>
+              <a:t> 체크박스를 선택하고 감상하기를 누르면 </a:t>
+            </a:r>
+            <a:r>
+              <a:rPr kumimoji="1" lang="ko-KR" altLang="en-US" sz="2000" spc="-150" dirty="0" err="1">
+                <a:solidFill>
+                  <a:schemeClr val="tx1">
+                    <a:lumMod val="95000"/>
+                    <a:lumOff val="5000"/>
+                  </a:schemeClr>
+                </a:solidFill>
+                <a:latin typeface="Consolas" panose="020B0609020204030204" pitchFamily="49" charset="0"/>
+                <a:ea typeface="Noto Sans CJK KR DemiLight" charset="-127"/>
+                <a:cs typeface="Noto Sans CJK KR DemiLight" charset="-127"/>
+              </a:rPr>
+              <a:t>브금이</a:t>
+            </a:r>
+            <a:r>
+              <a:rPr kumimoji="1" lang="ko-KR" altLang="en-US" sz="2000" spc="-150" dirty="0">
+                <a:solidFill>
+                  <a:schemeClr val="tx1">
+                    <a:lumMod val="95000"/>
+                    <a:lumOff val="5000"/>
+                  </a:schemeClr>
+                </a:solidFill>
+                <a:latin typeface="Consolas" panose="020B0609020204030204" pitchFamily="49" charset="0"/>
+                <a:ea typeface="Noto Sans CJK KR DemiLight" charset="-127"/>
+                <a:cs typeface="Noto Sans CJK KR DemiLight" charset="-127"/>
+              </a:rPr>
+              <a:t> 나온다</a:t>
+            </a:r>
+            <a:r>
+              <a:rPr kumimoji="1" lang="en-US" altLang="ko-KR" sz="2000" spc="-150" dirty="0">
+                <a:solidFill>
+                  <a:schemeClr val="tx1">
+                    <a:lumMod val="95000"/>
+                    <a:lumOff val="5000"/>
+                  </a:schemeClr>
+                </a:solidFill>
+                <a:latin typeface="Consolas" panose="020B0609020204030204" pitchFamily="49" charset="0"/>
+                <a:ea typeface="Noto Sans CJK KR DemiLight" charset="-127"/>
+                <a:cs typeface="Noto Sans CJK KR DemiLight" charset="-127"/>
+              </a:rPr>
+              <a:t>.</a:t>
+            </a:r>
+            <a:r>
+              <a:rPr kumimoji="1" lang="ko-KR" altLang="en-US" sz="2000" spc="-150" dirty="0">
+                <a:solidFill>
+                  <a:schemeClr val="tx1">
+                    <a:lumMod val="95000"/>
+                    <a:lumOff val="5000"/>
+                  </a:schemeClr>
+                </a:solidFill>
+                <a:latin typeface="Consolas" panose="020B0609020204030204" pitchFamily="49" charset="0"/>
+                <a:ea typeface="Noto Sans CJK KR DemiLight" charset="-127"/>
+                <a:cs typeface="Noto Sans CJK KR DemiLight" charset="-127"/>
+              </a:rPr>
+              <a:t> </a:t>
+            </a:r>
+            <a:endParaRPr kumimoji="1" lang="en-US" altLang="ko-KR" sz="2000" spc="-150" dirty="0">
+              <a:solidFill>
+                <a:schemeClr val="tx1">
+                  <a:lumMod val="95000"/>
+                  <a:lumOff val="5000"/>
+                </a:schemeClr>
+              </a:solidFill>
+              <a:latin typeface="Consolas" panose="020B0609020204030204" pitchFamily="49" charset="0"/>
+              <a:ea typeface="Noto Sans CJK KR DemiLight" charset="-127"/>
+              <a:cs typeface="Noto Sans CJK KR DemiLight" charset="-127"/>
+            </a:endParaRPr>
+          </a:p>
+          <a:p>
+            <a:pPr>
+              <a:lnSpc>
+                <a:spcPct val="150000"/>
+              </a:lnSpc>
+            </a:pPr>
+            <a:endParaRPr kumimoji="1" lang="en-US" altLang="ko-KR" sz="2000" spc="-150" dirty="0">
+              <a:solidFill>
+                <a:schemeClr val="tx1">
+                  <a:lumMod val="95000"/>
+                  <a:lumOff val="5000"/>
+                </a:schemeClr>
+              </a:solidFill>
+              <a:latin typeface="Consolas" panose="020B0609020204030204" pitchFamily="49" charset="0"/>
+              <a:ea typeface="Noto Sans CJK KR DemiLight" charset="-127"/>
+              <a:cs typeface="Noto Sans CJK KR DemiLight" charset="-127"/>
+            </a:endParaRPr>
+          </a:p>
+          <a:p>
+            <a:pPr>
+              <a:lnSpc>
+                <a:spcPct val="150000"/>
+              </a:lnSpc>
+            </a:pPr>
+            <a:r>
+              <a:rPr kumimoji="1" lang="en-US" altLang="ko-KR" sz="2000" spc="-150" dirty="0">
+                <a:solidFill>
+                  <a:schemeClr val="tx1">
+                    <a:lumMod val="95000"/>
+                    <a:lumOff val="5000"/>
+                  </a:schemeClr>
+                </a:solidFill>
+                <a:latin typeface="Consolas" panose="020B0609020204030204" pitchFamily="49" charset="0"/>
+                <a:ea typeface="Noto Sans CJK KR DemiLight" charset="-127"/>
+                <a:cs typeface="Noto Sans CJK KR DemiLight" charset="-127"/>
+              </a:rPr>
+              <a:t># </a:t>
+            </a:r>
+            <a:r>
+              <a:rPr kumimoji="1" lang="ko-KR" altLang="en-US" sz="2000" spc="-150" dirty="0" err="1">
+                <a:solidFill>
+                  <a:schemeClr val="tx1">
+                    <a:lumMod val="95000"/>
+                    <a:lumOff val="5000"/>
+                  </a:schemeClr>
+                </a:solidFill>
+                <a:latin typeface="Consolas" panose="020B0609020204030204" pitchFamily="49" charset="0"/>
+                <a:ea typeface="Noto Sans CJK KR DemiLight" charset="-127"/>
+                <a:cs typeface="Noto Sans CJK KR DemiLight" charset="-127"/>
+              </a:rPr>
+              <a:t>조건문</a:t>
+            </a:r>
+            <a:r>
+              <a:rPr kumimoji="1" lang="ko-KR" altLang="en-US" sz="2000" spc="-150" dirty="0">
+                <a:solidFill>
+                  <a:schemeClr val="tx1">
+                    <a:lumMod val="95000"/>
+                    <a:lumOff val="5000"/>
+                  </a:schemeClr>
+                </a:solidFill>
+                <a:latin typeface="Consolas" panose="020B0609020204030204" pitchFamily="49" charset="0"/>
+                <a:ea typeface="Noto Sans CJK KR DemiLight" charset="-127"/>
+                <a:cs typeface="Noto Sans CJK KR DemiLight" charset="-127"/>
+              </a:rPr>
+              <a:t> 정리</a:t>
+            </a:r>
+            <a:endParaRPr kumimoji="1" lang="en-US" altLang="ko-KR" sz="2000" spc="-150" dirty="0">
+              <a:solidFill>
+                <a:schemeClr val="tx1">
+                  <a:lumMod val="95000"/>
+                  <a:lumOff val="5000"/>
+                </a:schemeClr>
+              </a:solidFill>
+              <a:latin typeface="Consolas" panose="020B0609020204030204" pitchFamily="49" charset="0"/>
+              <a:ea typeface="Noto Sans CJK KR DemiLight" charset="-127"/>
+              <a:cs typeface="Noto Sans CJK KR DemiLight" charset="-127"/>
+            </a:endParaRPr>
+          </a:p>
+        </p:txBody>
+      </p:sp>
+      <p:pic>
+        <p:nvPicPr>
+          <p:cNvPr id="3" name="그림 2">
+            <a:extLst>
+              <a:ext uri="{FF2B5EF4-FFF2-40B4-BE49-F238E27FC236}">
+                <a16:creationId xmlns:a16="http://schemas.microsoft.com/office/drawing/2014/main" id="{246D9DF5-240F-47D9-BC80-A0D4B67C9B6A}"/>
+              </a:ext>
+            </a:extLst>
+          </p:cNvPr>
+          <p:cNvPicPr>
+            <a:picLocks noChangeAspect="1"/>
+          </p:cNvPicPr>
+          <p:nvPr/>
+        </p:nvPicPr>
+        <p:blipFill>
+          <a:blip r:embed="rId3"/>
+          <a:stretch>
+            <a:fillRect/>
+          </a:stretch>
+        </p:blipFill>
+        <p:spPr>
+          <a:xfrm>
+            <a:off x="777029" y="1180639"/>
+            <a:ext cx="10875554" cy="5255182"/>
+          </a:xfrm>
+          <a:prstGeom prst="rect">
+            <a:avLst/>
+          </a:prstGeom>
+        </p:spPr>
+      </p:pic>
+    </p:spTree>
+    <p:extLst>
+      <p:ext uri="{BB962C8B-B14F-4D97-AF65-F5344CB8AC3E}">
+        <p14:creationId xmlns:p14="http://schemas.microsoft.com/office/powerpoint/2010/main" val="936603956"/>
+      </p:ext>
+    </p:extLst>
+  </p:cSld>
+  <p:clrMapOvr>
+    <a:masterClrMapping/>
+  </p:clrMapOvr>
+</p:sld>
+</file>
+
+<file path=ppt/slides/slide48.xml><?xml version="1.0" encoding="utf-8"?>
+<p:sld xmlns:a="http://schemas.openxmlformats.org/drawingml/2006/main" xmlns:r="http://schemas.openxmlformats.org/officeDocument/2006/relationships" xmlns:p="http://schemas.openxmlformats.org/presentationml/2006/main">
+  <p:cSld>
+    <p:spTree>
+      <p:nvGrpSpPr>
+        <p:cNvPr id="1" name=""/>
+        <p:cNvGrpSpPr/>
+        <p:nvPr/>
+      </p:nvGrpSpPr>
+      <p:grpSpPr>
+        <a:xfrm>
+          <a:off x="0" y="0"/>
+          <a:ext cx="0" cy="0"/>
+          <a:chOff x="0" y="0"/>
+          <a:chExt cx="0" cy="0"/>
+        </a:xfrm>
+      </p:grpSpPr>
+      <p:sp>
+        <p:nvSpPr>
+          <p:cNvPr id="5" name="텍스트 상자 4"/>
+          <p:cNvSpPr txBox="1"/>
+          <p:nvPr/>
+        </p:nvSpPr>
+        <p:spPr>
+          <a:xfrm>
+            <a:off x="760256" y="3244334"/>
+            <a:ext cx="2568332" cy="369332"/>
+          </a:xfrm>
+          <a:prstGeom prst="rect">
+            <a:avLst/>
+          </a:prstGeom>
+          <a:noFill/>
+        </p:spPr>
+        <p:txBody>
+          <a:bodyPr wrap="none" rtlCol="0">
+            <a:spAutoFit/>
+          </a:bodyPr>
+          <a:lstStyle/>
+          <a:p>
+            <a:r>
+              <a:rPr kumimoji="1" lang="ko-KR" altLang="en-US" dirty="0">
+                <a:latin typeface="Noto Sans CJK KR DemiLight" charset="-127"/>
+                <a:ea typeface="Noto Sans CJK KR DemiLight" charset="-127"/>
+                <a:cs typeface="Noto Sans CJK KR DemiLight" charset="-127"/>
+              </a:rPr>
+              <a:t>감사합니다</a:t>
+            </a:r>
+            <a:r>
+              <a:rPr kumimoji="1" lang="en-US" altLang="ko-KR" dirty="0">
+                <a:latin typeface="Noto Sans CJK KR DemiLight" charset="-127"/>
+                <a:ea typeface="Noto Sans CJK KR DemiLight" charset="-127"/>
+                <a:cs typeface="Noto Sans CJK KR DemiLight" charset="-127"/>
+              </a:rPr>
+              <a:t>. </a:t>
+            </a:r>
+            <a:r>
+              <a:rPr kumimoji="1" lang="ko-KR" altLang="en-US" dirty="0">
+                <a:latin typeface="Noto Sans CJK KR DemiLight" charset="-127"/>
+                <a:ea typeface="Noto Sans CJK KR DemiLight" charset="-127"/>
+                <a:cs typeface="Noto Sans CJK KR DemiLight" charset="-127"/>
+              </a:rPr>
+              <a:t>알려진 </a:t>
+            </a:r>
+            <a:r>
+              <a:rPr kumimoji="1" lang="ko-KR" altLang="en-US" dirty="0" err="1">
+                <a:latin typeface="Noto Sans CJK KR DemiLight" charset="-127"/>
+                <a:ea typeface="Noto Sans CJK KR DemiLight" charset="-127"/>
+                <a:cs typeface="Noto Sans CJK KR DemiLight" charset="-127"/>
+              </a:rPr>
+              <a:t>평문</a:t>
+            </a:r>
+            <a:r>
+              <a:rPr kumimoji="1" lang="ko-KR" altLang="en-US" dirty="0">
+                <a:latin typeface="Noto Sans CJK KR DemiLight" charset="-127"/>
+                <a:ea typeface="Noto Sans CJK KR DemiLight" charset="-127"/>
+                <a:cs typeface="Noto Sans CJK KR DemiLight" charset="-127"/>
+              </a:rPr>
+              <a:t> </a:t>
+            </a:r>
+          </a:p>
+        </p:txBody>
+      </p:sp>
+      <p:sp>
+        <p:nvSpPr>
+          <p:cNvPr id="7" name="텍스트 상자 6"/>
+          <p:cNvSpPr txBox="1"/>
+          <p:nvPr/>
+        </p:nvSpPr>
+        <p:spPr>
+          <a:xfrm>
+            <a:off x="711272" y="634816"/>
+            <a:ext cx="1790875" cy="1446550"/>
+          </a:xfrm>
+          <a:prstGeom prst="rect">
+            <a:avLst/>
+          </a:prstGeom>
+          <a:noFill/>
+        </p:spPr>
+        <p:txBody>
+          <a:bodyPr wrap="none" rtlCol="0">
+            <a:spAutoFit/>
+          </a:bodyPr>
+          <a:lstStyle/>
+          <a:p>
+            <a:r>
+              <a:rPr kumimoji="1" lang="en-US" altLang="ko-KR" sz="4400" b="1" dirty="0">
+                <a:latin typeface="Kohinoor Devanagari" charset="0"/>
+                <a:ea typeface="Kohinoor Devanagari" charset="0"/>
+                <a:cs typeface="Kohinoor Devanagari" charset="0"/>
+              </a:rPr>
+              <a:t>Thank</a:t>
+            </a:r>
+          </a:p>
+          <a:p>
+            <a:r>
+              <a:rPr kumimoji="1" lang="en-US" altLang="ko-KR" sz="4400" b="1" dirty="0">
+                <a:latin typeface="Kohinoor Devanagari" charset="0"/>
+                <a:ea typeface="Kohinoor Devanagari" charset="0"/>
+                <a:cs typeface="Kohinoor Devanagari" charset="0"/>
+              </a:rPr>
+              <a:t>You</a:t>
+            </a:r>
+          </a:p>
+        </p:txBody>
+      </p:sp>
+      <p:cxnSp>
+        <p:nvCxnSpPr>
+          <p:cNvPr id="9" name="직선 연결선[R] 8"/>
+          <p:cNvCxnSpPr/>
+          <p:nvPr/>
+        </p:nvCxnSpPr>
+        <p:spPr>
+          <a:xfrm>
+            <a:off x="825572" y="2922814"/>
+            <a:ext cx="954242" cy="0"/>
+          </a:xfrm>
+          <a:prstGeom prst="line">
+            <a:avLst/>
+          </a:prstGeom>
+        </p:spPr>
+        <p:style>
+          <a:lnRef idx="1">
+            <a:schemeClr val="dk1"/>
+          </a:lnRef>
+          <a:fillRef idx="0">
+            <a:schemeClr val="dk1"/>
+          </a:fillRef>
+          <a:effectRef idx="0">
+            <a:schemeClr val="dk1"/>
+          </a:effectRef>
+          <a:fontRef idx="minor">
+            <a:schemeClr val="tx1"/>
+          </a:fontRef>
+        </p:style>
+      </p:cxnSp>
+    </p:spTree>
+    <p:extLst>
+      <p:ext uri="{BB962C8B-B14F-4D97-AF65-F5344CB8AC3E}">
+        <p14:creationId xmlns:p14="http://schemas.microsoft.com/office/powerpoint/2010/main" val="1436063138"/>
       </p:ext>
     </p:extLst>
   </p:cSld>
